--- a/documents/interim-presentation/Machine Learning Using Python Frameworks.pptx
+++ b/documents/interim-presentation/Machine Learning Using Python Frameworks.pptx
@@ -8,6 +8,12 @@
     <p:sldId id="256" r:id="rId2"/>
     <p:sldId id="257" r:id="rId3"/>
     <p:sldId id="258" r:id="rId4"/>
+    <p:sldId id="259" r:id="rId5"/>
+    <p:sldId id="260" r:id="rId6"/>
+    <p:sldId id="261" r:id="rId7"/>
+    <p:sldId id="262" r:id="rId8"/>
+    <p:sldId id="263" r:id="rId9"/>
+    <p:sldId id="264" r:id="rId10"/>
   </p:sldIdLst>
   <p:sldSz cx="12192000" cy="6858000"/>
   <p:notesSz cx="6858000" cy="9144000"/>
@@ -106,6 +112,11 @@
       </a:defRPr>
     </a:lvl9pPr>
   </p:defaultTextStyle>
+  <p:extLst>
+    <p:ext uri="{EFAFB233-063F-42B5-8137-9DF3F51BA10A}">
+      <p15:sldGuideLst xmlns:p15="http://schemas.microsoft.com/office/powerpoint/2012/main"/>
+    </p:ext>
+  </p:extLst>
 </p:presentation>
 </file>
 
@@ -6397,13 +6408,8 @@
             </a:pPr>
             <a:r>
               <a:rPr lang="en-GB" dirty="0"/>
-              <a:t>Here I am going to cover my plans for </a:t>
-            </a:r>
-            <a:r>
-              <a:rPr lang="en-GB"/>
-              <a:t>this project.</a:t>
-            </a:r>
-            <a:endParaRPr lang="en-GB" dirty="0"/>
+              <a:t>Here I am going to cover my plans for this project.</a:t>
+            </a:r>
           </a:p>
         </p:txBody>
       </p:sp>
@@ -6411,6 +6417,3018 @@
     <p:extLst>
       <p:ext uri="{BB962C8B-B14F-4D97-AF65-F5344CB8AC3E}">
         <p14:creationId xmlns:p14="http://schemas.microsoft.com/office/powerpoint/2010/main" val="4238689097"/>
+      </p:ext>
+    </p:extLst>
+  </p:cSld>
+  <p:clrMapOvr>
+    <a:masterClrMapping/>
+  </p:clrMapOvr>
+</p:sld>
+</file>
+
+<file path=ppt/slides/slide4.xml><?xml version="1.0" encoding="utf-8"?>
+<p:sld xmlns:a="http://schemas.openxmlformats.org/drawingml/2006/main" xmlns:r="http://schemas.openxmlformats.org/officeDocument/2006/relationships" xmlns:p="http://schemas.openxmlformats.org/presentationml/2006/main">
+  <p:cSld>
+    <p:spTree>
+      <p:nvGrpSpPr>
+        <p:cNvPr id="1" name=""/>
+        <p:cNvGrpSpPr/>
+        <p:nvPr/>
+      </p:nvGrpSpPr>
+      <p:grpSpPr>
+        <a:xfrm>
+          <a:off x="0" y="0"/>
+          <a:ext cx="0" cy="0"/>
+          <a:chOff x="0" y="0"/>
+          <a:chExt cx="0" cy="0"/>
+        </a:xfrm>
+      </p:grpSpPr>
+      <p:sp>
+        <p:nvSpPr>
+          <p:cNvPr id="2" name="Title 1">
+            <a:extLst>
+              <a:ext uri="{FF2B5EF4-FFF2-40B4-BE49-F238E27FC236}">
+                <a16:creationId xmlns:a16="http://schemas.microsoft.com/office/drawing/2014/main" id="{A84EB1FB-C1B6-4CFE-9AA3-B539C390E1EF}"/>
+              </a:ext>
+            </a:extLst>
+          </p:cNvPr>
+          <p:cNvSpPr>
+            <a:spLocks noGrp="1"/>
+          </p:cNvSpPr>
+          <p:nvPr>
+            <p:ph type="title"/>
+          </p:nvPr>
+        </p:nvSpPr>
+        <p:spPr/>
+        <p:txBody>
+          <a:bodyPr/>
+          <a:lstStyle/>
+          <a:p>
+            <a:r>
+              <a:rPr lang="en-GB" dirty="0"/>
+              <a:t>Project plan</a:t>
+            </a:r>
+          </a:p>
+        </p:txBody>
+      </p:sp>
+      <p:sp>
+        <p:nvSpPr>
+          <p:cNvPr id="3" name="Content Placeholder 2">
+            <a:extLst>
+              <a:ext uri="{FF2B5EF4-FFF2-40B4-BE49-F238E27FC236}">
+                <a16:creationId xmlns:a16="http://schemas.microsoft.com/office/drawing/2014/main" id="{6788E4C8-55FF-4C8C-9952-794D10619CD3}"/>
+              </a:ext>
+            </a:extLst>
+          </p:cNvPr>
+          <p:cNvSpPr>
+            <a:spLocks noGrp="1"/>
+          </p:cNvSpPr>
+          <p:nvPr>
+            <p:ph idx="1"/>
+          </p:nvPr>
+        </p:nvSpPr>
+        <p:spPr/>
+        <p:txBody>
+          <a:bodyPr/>
+          <a:lstStyle/>
+          <a:p>
+            <a:pPr marL="0" indent="0">
+              <a:buNone/>
+            </a:pPr>
+            <a:r>
+              <a:rPr lang="en-GB" dirty="0"/>
+              <a:t>To explore the machine learning frameworks I have decided to take 3 examples of common machine learning tasks.</a:t>
+            </a:r>
+          </a:p>
+          <a:p>
+            <a:pPr marL="0" indent="0">
+              <a:buNone/>
+            </a:pPr>
+            <a:r>
+              <a:rPr lang="en-GB" dirty="0"/>
+              <a:t>These being; image detection, detecting pneumonia in chest x-rays; classification, predicting student test scores based on a number factors; and regression to forecast bitcoin prices.</a:t>
+            </a:r>
+          </a:p>
+          <a:p>
+            <a:pPr marL="0" indent="0">
+              <a:buNone/>
+            </a:pPr>
+            <a:r>
+              <a:rPr lang="en-GB" dirty="0"/>
+              <a:t>Using these example problems I hope to be able to cover a number of features of these frameworks, from data pre-processing to the different machine learning algorithms available within them.</a:t>
+            </a:r>
+          </a:p>
+          <a:p>
+            <a:pPr marL="0" indent="0">
+              <a:buNone/>
+            </a:pPr>
+            <a:endParaRPr lang="en-GB" dirty="0"/>
+          </a:p>
+          <a:p>
+            <a:pPr marL="0" indent="0">
+              <a:buNone/>
+            </a:pPr>
+            <a:endParaRPr lang="en-GB" dirty="0"/>
+          </a:p>
+        </p:txBody>
+      </p:sp>
+    </p:spTree>
+    <p:extLst>
+      <p:ext uri="{BB962C8B-B14F-4D97-AF65-F5344CB8AC3E}">
+        <p14:creationId xmlns:p14="http://schemas.microsoft.com/office/powerpoint/2010/main" val="3261092910"/>
+      </p:ext>
+    </p:extLst>
+  </p:cSld>
+  <p:clrMapOvr>
+    <a:masterClrMapping/>
+  </p:clrMapOvr>
+</p:sld>
+</file>
+
+<file path=ppt/slides/slide5.xml><?xml version="1.0" encoding="utf-8"?>
+<p:sld xmlns:a="http://schemas.openxmlformats.org/drawingml/2006/main" xmlns:r="http://schemas.openxmlformats.org/officeDocument/2006/relationships" xmlns:p="http://schemas.openxmlformats.org/presentationml/2006/main">
+  <p:cSld>
+    <p:bg>
+      <p:bgPr>
+        <a:blipFill rotWithShape="1">
+          <a:blip r:embed="rId2">
+            <a:duotone>
+              <a:schemeClr val="bg2">
+                <a:shade val="69000"/>
+                <a:hueMod val="108000"/>
+                <a:satMod val="164000"/>
+                <a:lumMod val="74000"/>
+              </a:schemeClr>
+              <a:schemeClr val="bg2">
+                <a:tint val="96000"/>
+                <a:hueMod val="88000"/>
+                <a:satMod val="140000"/>
+                <a:lumMod val="132000"/>
+              </a:schemeClr>
+            </a:duotone>
+            <a:extLst/>
+          </a:blip>
+          <a:stretch/>
+        </a:blipFill>
+        <a:effectLst/>
+      </p:bgPr>
+    </p:bg>
+    <p:spTree>
+      <p:nvGrpSpPr>
+        <p:cNvPr id="1" name=""/>
+        <p:cNvGrpSpPr/>
+        <p:nvPr/>
+      </p:nvGrpSpPr>
+      <p:grpSpPr>
+        <a:xfrm>
+          <a:off x="0" y="0"/>
+          <a:ext cx="0" cy="0"/>
+          <a:chOff x="0" y="0"/>
+          <a:chExt cx="0" cy="0"/>
+        </a:xfrm>
+      </p:grpSpPr>
+      <p:sp>
+        <p:nvSpPr>
+          <p:cNvPr id="2" name="Title 1">
+            <a:extLst>
+              <a:ext uri="{FF2B5EF4-FFF2-40B4-BE49-F238E27FC236}">
+                <a16:creationId xmlns:a16="http://schemas.microsoft.com/office/drawing/2014/main" id="{AB2376B8-2873-40A4-8374-1D9A81D5144C}"/>
+              </a:ext>
+            </a:extLst>
+          </p:cNvPr>
+          <p:cNvSpPr>
+            <a:spLocks noGrp="1"/>
+          </p:cNvSpPr>
+          <p:nvPr>
+            <p:ph type="title"/>
+          </p:nvPr>
+        </p:nvSpPr>
+        <p:spPr>
+          <a:xfrm>
+            <a:off x="648930" y="629266"/>
+            <a:ext cx="9252154" cy="1223983"/>
+          </a:xfrm>
+        </p:spPr>
+        <p:txBody>
+          <a:bodyPr>
+            <a:normAutofit/>
+          </a:bodyPr>
+          <a:lstStyle/>
+          <a:p>
+            <a:r>
+              <a:rPr lang="en-GB" sz="4200"/>
+              <a:t>Detecting Pneumonia</a:t>
+            </a:r>
+          </a:p>
+        </p:txBody>
+      </p:sp>
+      <p:sp>
+        <p:nvSpPr>
+          <p:cNvPr id="3" name="Content Placeholder 2">
+            <a:extLst>
+              <a:ext uri="{FF2B5EF4-FFF2-40B4-BE49-F238E27FC236}">
+                <a16:creationId xmlns:a16="http://schemas.microsoft.com/office/drawing/2014/main" id="{0DFEA86A-3BB8-473D-A6A6-F0619AF4A758}"/>
+              </a:ext>
+            </a:extLst>
+          </p:cNvPr>
+          <p:cNvSpPr>
+            <a:spLocks noGrp="1"/>
+          </p:cNvSpPr>
+          <p:nvPr>
+            <p:ph idx="1"/>
+          </p:nvPr>
+        </p:nvSpPr>
+        <p:spPr>
+          <a:xfrm>
+            <a:off x="1103311" y="2052214"/>
+            <a:ext cx="4338409" cy="4196185"/>
+          </a:xfrm>
+        </p:spPr>
+        <p:txBody>
+          <a:bodyPr>
+            <a:normAutofit/>
+          </a:bodyPr>
+          <a:lstStyle/>
+          <a:p>
+            <a:pPr>
+              <a:lnSpc>
+                <a:spcPct val="90000"/>
+              </a:lnSpc>
+            </a:pPr>
+            <a:r>
+              <a:rPr lang="en-GB" sz="1700"/>
+              <a:t>Pneumonia is disease that causes an inflammation of the lungs and is responsible for around 5% of deaths in Ireland annually.</a:t>
+            </a:r>
+          </a:p>
+          <a:p>
+            <a:pPr>
+              <a:lnSpc>
+                <a:spcPct val="90000"/>
+              </a:lnSpc>
+            </a:pPr>
+            <a:r>
+              <a:rPr lang="en-GB" sz="1700"/>
+              <a:t>Using machine learning, in particular convolutional neural networks, researchers have achieved comparable, or better, detection rate for pneumonia using chest x-rays. Making it a good real-world example application of machine-learning.</a:t>
+            </a:r>
+          </a:p>
+          <a:p>
+            <a:pPr>
+              <a:lnSpc>
+                <a:spcPct val="90000"/>
+              </a:lnSpc>
+            </a:pPr>
+            <a:r>
+              <a:rPr lang="en-GB" sz="1700"/>
+              <a:t>This problem should allow for demonstration of CNNs, class balancing, and different accuracy metrics.</a:t>
+            </a:r>
+          </a:p>
+          <a:p>
+            <a:pPr>
+              <a:lnSpc>
+                <a:spcPct val="90000"/>
+              </a:lnSpc>
+            </a:pPr>
+            <a:endParaRPr lang="en-GB" sz="1700"/>
+          </a:p>
+        </p:txBody>
+      </p:sp>
+      <p:pic>
+        <p:nvPicPr>
+          <p:cNvPr id="6" name="Picture 5">
+            <a:extLst>
+              <a:ext uri="{FF2B5EF4-FFF2-40B4-BE49-F238E27FC236}">
+                <a16:creationId xmlns:a16="http://schemas.microsoft.com/office/drawing/2014/main" id="{3B797365-52BC-4FB1-9796-A21FBE05D3D4}"/>
+              </a:ext>
+            </a:extLst>
+          </p:cNvPr>
+          <p:cNvPicPr>
+            <a:picLocks noChangeAspect="1"/>
+          </p:cNvPicPr>
+          <p:nvPr/>
+        </p:nvPicPr>
+        <p:blipFill>
+          <a:blip r:embed="rId3">
+            <a:extLst>
+              <a:ext uri="{28A0092B-C50C-407E-A947-70E740481C1C}">
+                <a14:useLocalDpi xmlns:a14="http://schemas.microsoft.com/office/drawing/2010/main" val="0"/>
+              </a:ext>
+            </a:extLst>
+          </a:blip>
+          <a:stretch>
+            <a:fillRect/>
+          </a:stretch>
+        </p:blipFill>
+        <p:spPr>
+          <a:xfrm>
+            <a:off x="6091916" y="2105946"/>
+            <a:ext cx="5451627" cy="4088719"/>
+          </a:xfrm>
+          <a:prstGeom prst="rect">
+            <a:avLst/>
+          </a:prstGeom>
+          <a:effectLst>
+            <a:outerShdw blurRad="50800" dist="38100" dir="5400000" algn="t" rotWithShape="0">
+              <a:prstClr val="black">
+                <a:alpha val="43000"/>
+              </a:prstClr>
+            </a:outerShdw>
+          </a:effectLst>
+        </p:spPr>
+      </p:pic>
+      <p:sp>
+        <p:nvSpPr>
+          <p:cNvPr id="4" name="TextBox 3">
+            <a:extLst>
+              <a:ext uri="{FF2B5EF4-FFF2-40B4-BE49-F238E27FC236}">
+                <a16:creationId xmlns:a16="http://schemas.microsoft.com/office/drawing/2014/main" id="{30F5E859-E87F-4E95-A6DD-8EA5F3D0DD73}"/>
+              </a:ext>
+            </a:extLst>
+          </p:cNvPr>
+          <p:cNvSpPr txBox="1"/>
+          <p:nvPr/>
+        </p:nvSpPr>
+        <p:spPr>
+          <a:xfrm>
+            <a:off x="7898296" y="2080591"/>
+            <a:ext cx="3445565" cy="4200939"/>
+          </a:xfrm>
+          <a:prstGeom prst="rect">
+            <a:avLst/>
+          </a:prstGeom>
+          <a:noFill/>
+        </p:spPr>
+        <p:txBody>
+          <a:bodyPr wrap="square" rtlCol="0">
+            <a:spAutoFit/>
+          </a:bodyPr>
+          <a:lstStyle/>
+          <a:p>
+            <a:endParaRPr lang="en-GB" dirty="0"/>
+          </a:p>
+        </p:txBody>
+      </p:sp>
+    </p:spTree>
+    <p:extLst>
+      <p:ext uri="{BB962C8B-B14F-4D97-AF65-F5344CB8AC3E}">
+        <p14:creationId xmlns:p14="http://schemas.microsoft.com/office/powerpoint/2010/main" val="1507422224"/>
+      </p:ext>
+    </p:extLst>
+  </p:cSld>
+  <p:clrMapOvr>
+    <a:masterClrMapping/>
+  </p:clrMapOvr>
+</p:sld>
+</file>
+
+<file path=ppt/slides/slide6.xml><?xml version="1.0" encoding="utf-8"?>
+<p:sld xmlns:a="http://schemas.openxmlformats.org/drawingml/2006/main" xmlns:r="http://schemas.openxmlformats.org/officeDocument/2006/relationships" xmlns:p="http://schemas.openxmlformats.org/presentationml/2006/main">
+  <p:cSld>
+    <p:spTree>
+      <p:nvGrpSpPr>
+        <p:cNvPr id="1" name=""/>
+        <p:cNvGrpSpPr/>
+        <p:nvPr/>
+      </p:nvGrpSpPr>
+      <p:grpSpPr>
+        <a:xfrm>
+          <a:off x="0" y="0"/>
+          <a:ext cx="0" cy="0"/>
+          <a:chOff x="0" y="0"/>
+          <a:chExt cx="0" cy="0"/>
+        </a:xfrm>
+      </p:grpSpPr>
+      <p:sp>
+        <p:nvSpPr>
+          <p:cNvPr id="2" name="Title 1">
+            <a:extLst>
+              <a:ext uri="{FF2B5EF4-FFF2-40B4-BE49-F238E27FC236}">
+                <a16:creationId xmlns:a16="http://schemas.microsoft.com/office/drawing/2014/main" id="{D9168B8E-216E-49D1-9615-4DDA0D4B926B}"/>
+              </a:ext>
+            </a:extLst>
+          </p:cNvPr>
+          <p:cNvSpPr>
+            <a:spLocks noGrp="1"/>
+          </p:cNvSpPr>
+          <p:nvPr>
+            <p:ph type="title"/>
+          </p:nvPr>
+        </p:nvSpPr>
+        <p:spPr/>
+        <p:txBody>
+          <a:bodyPr/>
+          <a:lstStyle/>
+          <a:p>
+            <a:r>
+              <a:rPr lang="en-GB" dirty="0"/>
+              <a:t>Predicting Student Performance</a:t>
+            </a:r>
+          </a:p>
+        </p:txBody>
+      </p:sp>
+      <p:sp>
+        <p:nvSpPr>
+          <p:cNvPr id="3" name="Content Placeholder 2">
+            <a:extLst>
+              <a:ext uri="{FF2B5EF4-FFF2-40B4-BE49-F238E27FC236}">
+                <a16:creationId xmlns:a16="http://schemas.microsoft.com/office/drawing/2014/main" id="{A5EBDC02-067B-4F0B-9E76-651E7E5088B1}"/>
+              </a:ext>
+            </a:extLst>
+          </p:cNvPr>
+          <p:cNvSpPr>
+            <a:spLocks noGrp="1"/>
+          </p:cNvSpPr>
+          <p:nvPr>
+            <p:ph idx="1"/>
+          </p:nvPr>
+        </p:nvSpPr>
+        <p:spPr/>
+        <p:txBody>
+          <a:bodyPr/>
+          <a:lstStyle/>
+          <a:p>
+            <a:r>
+              <a:rPr lang="en-GB" dirty="0"/>
+              <a:t>This example problem looks to predict student test scores in two subjects, maths and Portuguese, based on a number of factors, such as their parents occupation, family size, and social life.</a:t>
+            </a:r>
+          </a:p>
+          <a:p>
+            <a:r>
+              <a:rPr lang="en-GB" dirty="0"/>
+              <a:t>This problem was chosen as it should offer a good example of data reduction and augmentation techniques, as there are a lot of data given about each student, some of which probably isn’t useful for predicting grades.</a:t>
+            </a:r>
+          </a:p>
+        </p:txBody>
+      </p:sp>
+    </p:spTree>
+    <p:extLst>
+      <p:ext uri="{BB962C8B-B14F-4D97-AF65-F5344CB8AC3E}">
+        <p14:creationId xmlns:p14="http://schemas.microsoft.com/office/powerpoint/2010/main" val="2131716147"/>
+      </p:ext>
+    </p:extLst>
+  </p:cSld>
+  <p:clrMapOvr>
+    <a:masterClrMapping/>
+  </p:clrMapOvr>
+</p:sld>
+</file>
+
+<file path=ppt/slides/slide7.xml><?xml version="1.0" encoding="utf-8"?>
+<p:sld xmlns:a="http://schemas.openxmlformats.org/drawingml/2006/main" xmlns:r="http://schemas.openxmlformats.org/officeDocument/2006/relationships" xmlns:p="http://schemas.openxmlformats.org/presentationml/2006/main">
+  <p:cSld>
+    <p:bg>
+      <p:bgPr>
+        <a:solidFill>
+          <a:schemeClr val="bg1"/>
+        </a:solidFill>
+        <a:effectLst/>
+      </p:bgPr>
+    </p:bg>
+    <p:spTree>
+      <p:nvGrpSpPr>
+        <p:cNvPr id="1" name=""/>
+        <p:cNvGrpSpPr/>
+        <p:nvPr/>
+      </p:nvGrpSpPr>
+      <p:grpSpPr>
+        <a:xfrm>
+          <a:off x="0" y="0"/>
+          <a:ext cx="0" cy="0"/>
+          <a:chOff x="0" y="0"/>
+          <a:chExt cx="0" cy="0"/>
+        </a:xfrm>
+      </p:grpSpPr>
+      <p:sp>
+        <p:nvSpPr>
+          <p:cNvPr id="10" name="Rectangle 9">
+            <a:extLst>
+              <a:ext uri="{FF2B5EF4-FFF2-40B4-BE49-F238E27FC236}">
+                <a16:creationId xmlns:a16="http://schemas.microsoft.com/office/drawing/2014/main" id="{B4AAD3FD-83A5-4B89-9F8F-01B8870865BE}"/>
+              </a:ext>
+              <a:ext uri="{C183D7F6-B498-43B3-948B-1728B52AA6E4}">
+                <adec:decorative xmlns:adec="http://schemas.microsoft.com/office/drawing/2017/decorative" val="1"/>
+              </a:ext>
+            </a:extLst>
+          </p:cNvPr>
+          <p:cNvSpPr>
+            <a:spLocks noGrp="1" noRot="1" noChangeAspect="1" noMove="1" noResize="1" noEditPoints="1" noAdjustHandles="1" noChangeArrowheads="1" noChangeShapeType="1" noTextEdit="1"/>
+          </p:cNvSpPr>
+          <p:nvPr>
+            <p:extLst>
+              <p:ext uri="{386F3935-93C4-4BCD-93E2-E3B085C9AB24}">
+                <p16:designElem xmlns:p16="http://schemas.microsoft.com/office/powerpoint/2015/main" val="1"/>
+              </p:ext>
+            </p:extLst>
+          </p:nvPr>
+        </p:nvSpPr>
+        <p:spPr>
+          <a:xfrm>
+            <a:off x="0" y="0"/>
+            <a:ext cx="12192000" cy="6858000"/>
+          </a:xfrm>
+          <a:prstGeom prst="rect">
+            <a:avLst/>
+          </a:prstGeom>
+          <a:ln>
+            <a:noFill/>
+          </a:ln>
+        </p:spPr>
+        <p:style>
+          <a:lnRef idx="2">
+            <a:schemeClr val="accent1">
+              <a:shade val="50000"/>
+            </a:schemeClr>
+          </a:lnRef>
+          <a:fillRef idx="1003">
+            <a:schemeClr val="dk2"/>
+          </a:fillRef>
+          <a:effectRef idx="0">
+            <a:schemeClr val="accent1"/>
+          </a:effectRef>
+          <a:fontRef idx="minor">
+            <a:schemeClr val="lt1"/>
+          </a:fontRef>
+        </p:style>
+        <p:txBody>
+          <a:bodyPr rtlCol="0" anchor="ctr"/>
+          <a:lstStyle/>
+          <a:p>
+            <a:pPr algn="ctr"/>
+            <a:endParaRPr lang="en-US"/>
+          </a:p>
+        </p:txBody>
+      </p:sp>
+      <p:sp>
+        <p:nvSpPr>
+          <p:cNvPr id="2" name="Title 1">
+            <a:extLst>
+              <a:ext uri="{FF2B5EF4-FFF2-40B4-BE49-F238E27FC236}">
+                <a16:creationId xmlns:a16="http://schemas.microsoft.com/office/drawing/2014/main" id="{9795CFF5-10A6-45A9-A315-92DC565F6265}"/>
+              </a:ext>
+            </a:extLst>
+          </p:cNvPr>
+          <p:cNvSpPr>
+            <a:spLocks noGrp="1"/>
+          </p:cNvSpPr>
+          <p:nvPr>
+            <p:ph type="title"/>
+          </p:nvPr>
+        </p:nvSpPr>
+        <p:spPr>
+          <a:xfrm>
+            <a:off x="648931" y="629266"/>
+            <a:ext cx="4166510" cy="1622321"/>
+          </a:xfrm>
+        </p:spPr>
+        <p:txBody>
+          <a:bodyPr>
+            <a:normAutofit/>
+          </a:bodyPr>
+          <a:lstStyle/>
+          <a:p>
+            <a:r>
+              <a:rPr lang="en-GB" sz="4200">
+                <a:solidFill>
+                  <a:srgbClr val="EBEBEB"/>
+                </a:solidFill>
+              </a:rPr>
+              <a:t>Forecasting Bitcoin Prices.</a:t>
+            </a:r>
+          </a:p>
+        </p:txBody>
+      </p:sp>
+      <p:sp>
+        <p:nvSpPr>
+          <p:cNvPr id="12" name="Freeform 31">
+            <a:extLst>
+              <a:ext uri="{FF2B5EF4-FFF2-40B4-BE49-F238E27FC236}">
+                <a16:creationId xmlns:a16="http://schemas.microsoft.com/office/drawing/2014/main" id="{61752F1D-FC0F-4103-9584-630E643CCDA6}"/>
+              </a:ext>
+              <a:ext uri="{C183D7F6-B498-43B3-948B-1728B52AA6E4}">
+                <adec:decorative xmlns:adec="http://schemas.microsoft.com/office/drawing/2017/decorative" val="1"/>
+              </a:ext>
+            </a:extLst>
+          </p:cNvPr>
+          <p:cNvSpPr>
+            <a:spLocks noGrp="1" noRot="1" noChangeAspect="1" noMove="1" noResize="1" noEditPoints="1" noAdjustHandles="1" noChangeArrowheads="1" noChangeShapeType="1" noTextEdit="1"/>
+          </p:cNvSpPr>
+          <p:nvPr>
+            <p:extLst>
+              <p:ext uri="{386F3935-93C4-4BCD-93E2-E3B085C9AB24}">
+                <p16:designElem xmlns:p16="http://schemas.microsoft.com/office/powerpoint/2015/main" val="1"/>
+              </p:ext>
+            </p:extLst>
+          </p:nvPr>
+        </p:nvSpPr>
+        <p:spPr>
+          <a:xfrm>
+            <a:off x="4994020" y="-1"/>
+            <a:ext cx="559472" cy="3709642"/>
+          </a:xfrm>
+          <a:custGeom>
+            <a:avLst/>
+            <a:gdLst>
+              <a:gd name="connsiteX0" fmla="*/ 0 w 559472"/>
+              <a:gd name="connsiteY0" fmla="*/ 0 h 3709642"/>
+              <a:gd name="connsiteX1" fmla="*/ 473952 w 559472"/>
+              <a:gd name="connsiteY1" fmla="*/ 0 h 3709642"/>
+              <a:gd name="connsiteX2" fmla="*/ 485840 w 559472"/>
+              <a:gd name="connsiteY2" fmla="*/ 161194 h 3709642"/>
+              <a:gd name="connsiteX3" fmla="*/ 523949 w 559472"/>
+              <a:gd name="connsiteY3" fmla="*/ 3672197 h 3709642"/>
+              <a:gd name="connsiteX4" fmla="*/ 454748 w 559472"/>
+              <a:gd name="connsiteY4" fmla="*/ 3709642 h 3709642"/>
+              <a:gd name="connsiteX5" fmla="*/ 448224 w 559472"/>
+              <a:gd name="connsiteY5" fmla="*/ 3510471 h 3709642"/>
+              <a:gd name="connsiteX6" fmla="*/ 443564 w 559472"/>
+              <a:gd name="connsiteY6" fmla="*/ 3408563 h 3709642"/>
+              <a:gd name="connsiteX7" fmla="*/ 438902 w 559472"/>
+              <a:gd name="connsiteY7" fmla="*/ 3304407 h 3709642"/>
+              <a:gd name="connsiteX8" fmla="*/ 433941 w 559472"/>
+              <a:gd name="connsiteY8" fmla="*/ 3198777 h 3709642"/>
+              <a:gd name="connsiteX9" fmla="*/ 427584 w 559472"/>
+              <a:gd name="connsiteY9" fmla="*/ 3092510 h 3709642"/>
+              <a:gd name="connsiteX10" fmla="*/ 420988 w 559472"/>
+              <a:gd name="connsiteY10" fmla="*/ 2984390 h 3709642"/>
+              <a:gd name="connsiteX11" fmla="*/ 414330 w 559472"/>
+              <a:gd name="connsiteY11" fmla="*/ 2874401 h 3709642"/>
+              <a:gd name="connsiteX12" fmla="*/ 406840 w 559472"/>
+              <a:gd name="connsiteY12" fmla="*/ 2762980 h 3709642"/>
+              <a:gd name="connsiteX13" fmla="*/ 397745 w 559472"/>
+              <a:gd name="connsiteY13" fmla="*/ 2650566 h 3709642"/>
+              <a:gd name="connsiteX14" fmla="*/ 389154 w 559472"/>
+              <a:gd name="connsiteY14" fmla="*/ 2536612 h 3709642"/>
+              <a:gd name="connsiteX15" fmla="*/ 379225 w 559472"/>
+              <a:gd name="connsiteY15" fmla="*/ 2421642 h 3709642"/>
+              <a:gd name="connsiteX16" fmla="*/ 368316 w 559472"/>
+              <a:gd name="connsiteY16" fmla="*/ 2305627 h 3709642"/>
+              <a:gd name="connsiteX17" fmla="*/ 357466 w 559472"/>
+              <a:gd name="connsiteY17" fmla="*/ 2189233 h 3709642"/>
+              <a:gd name="connsiteX18" fmla="*/ 344982 w 559472"/>
+              <a:gd name="connsiteY18" fmla="*/ 2071473 h 3709642"/>
+              <a:gd name="connsiteX19" fmla="*/ 332466 w 559472"/>
+              <a:gd name="connsiteY19" fmla="*/ 1952216 h 3709642"/>
+              <a:gd name="connsiteX20" fmla="*/ 319121 w 559472"/>
+              <a:gd name="connsiteY20" fmla="*/ 1833776 h 3709642"/>
+              <a:gd name="connsiteX21" fmla="*/ 304408 w 559472"/>
+              <a:gd name="connsiteY21" fmla="*/ 1713948 h 3709642"/>
+              <a:gd name="connsiteX22" fmla="*/ 288685 w 559472"/>
+              <a:gd name="connsiteY22" fmla="*/ 1592703 h 3709642"/>
+              <a:gd name="connsiteX23" fmla="*/ 273050 w 559472"/>
+              <a:gd name="connsiteY23" fmla="*/ 1471451 h 3709642"/>
+              <a:gd name="connsiteX24" fmla="*/ 255813 w 559472"/>
+              <a:gd name="connsiteY24" fmla="*/ 1350328 h 3709642"/>
+              <a:gd name="connsiteX25" fmla="*/ 237060 w 559472"/>
+              <a:gd name="connsiteY25" fmla="*/ 1227080 h 3709642"/>
+              <a:gd name="connsiteX26" fmla="*/ 218488 w 559472"/>
+              <a:gd name="connsiteY26" fmla="*/ 1106065 h 3709642"/>
+              <a:gd name="connsiteX27" fmla="*/ 198221 w 559472"/>
+              <a:gd name="connsiteY27" fmla="*/ 982940 h 3709642"/>
+              <a:gd name="connsiteX28" fmla="*/ 177152 w 559472"/>
+              <a:gd name="connsiteY28" fmla="*/ 858755 h 3709642"/>
+              <a:gd name="connsiteX29" fmla="*/ 155551 w 559472"/>
+              <a:gd name="connsiteY29" fmla="*/ 736861 h 3709642"/>
+              <a:gd name="connsiteX30" fmla="*/ 131782 w 559472"/>
+              <a:gd name="connsiteY30" fmla="*/ 613645 h 3709642"/>
+              <a:gd name="connsiteX31" fmla="*/ 107123 w 559472"/>
+              <a:gd name="connsiteY31" fmla="*/ 490500 h 3709642"/>
+              <a:gd name="connsiteX32" fmla="*/ 82552 w 559472"/>
+              <a:gd name="connsiteY32" fmla="*/ 367348 h 3709642"/>
+              <a:gd name="connsiteX33" fmla="*/ 55608 w 559472"/>
+              <a:gd name="connsiteY33" fmla="*/ 244762 h 3709642"/>
+              <a:gd name="connsiteX34" fmla="*/ 28130 w 559472"/>
+              <a:gd name="connsiteY34" fmla="*/ 122220 h 3709642"/>
+              <a:gd name="connsiteX35" fmla="*/ 0 w 559472"/>
+              <a:gd name="connsiteY35" fmla="*/ 0 h 3709642"/>
+            </a:gdLst>
+            <a:ahLst/>
+            <a:cxnLst>
+              <a:cxn ang="0">
+                <a:pos x="connsiteX0" y="connsiteY0"/>
+              </a:cxn>
+              <a:cxn ang="0">
+                <a:pos x="connsiteX1" y="connsiteY1"/>
+              </a:cxn>
+              <a:cxn ang="0">
+                <a:pos x="connsiteX2" y="connsiteY2"/>
+              </a:cxn>
+              <a:cxn ang="0">
+                <a:pos x="connsiteX3" y="connsiteY3"/>
+              </a:cxn>
+              <a:cxn ang="0">
+                <a:pos x="connsiteX4" y="connsiteY4"/>
+              </a:cxn>
+              <a:cxn ang="0">
+                <a:pos x="connsiteX5" y="connsiteY5"/>
+              </a:cxn>
+              <a:cxn ang="0">
+                <a:pos x="connsiteX6" y="connsiteY6"/>
+              </a:cxn>
+              <a:cxn ang="0">
+                <a:pos x="connsiteX7" y="connsiteY7"/>
+              </a:cxn>
+              <a:cxn ang="0">
+                <a:pos x="connsiteX8" y="connsiteY8"/>
+              </a:cxn>
+              <a:cxn ang="0">
+                <a:pos x="connsiteX9" y="connsiteY9"/>
+              </a:cxn>
+              <a:cxn ang="0">
+                <a:pos x="connsiteX10" y="connsiteY10"/>
+              </a:cxn>
+              <a:cxn ang="0">
+                <a:pos x="connsiteX11" y="connsiteY11"/>
+              </a:cxn>
+              <a:cxn ang="0">
+                <a:pos x="connsiteX12" y="connsiteY12"/>
+              </a:cxn>
+              <a:cxn ang="0">
+                <a:pos x="connsiteX13" y="connsiteY13"/>
+              </a:cxn>
+              <a:cxn ang="0">
+                <a:pos x="connsiteX14" y="connsiteY14"/>
+              </a:cxn>
+              <a:cxn ang="0">
+                <a:pos x="connsiteX15" y="connsiteY15"/>
+              </a:cxn>
+              <a:cxn ang="0">
+                <a:pos x="connsiteX16" y="connsiteY16"/>
+              </a:cxn>
+              <a:cxn ang="0">
+                <a:pos x="connsiteX17" y="connsiteY17"/>
+              </a:cxn>
+              <a:cxn ang="0">
+                <a:pos x="connsiteX18" y="connsiteY18"/>
+              </a:cxn>
+              <a:cxn ang="0">
+                <a:pos x="connsiteX19" y="connsiteY19"/>
+              </a:cxn>
+              <a:cxn ang="0">
+                <a:pos x="connsiteX20" y="connsiteY20"/>
+              </a:cxn>
+              <a:cxn ang="0">
+                <a:pos x="connsiteX21" y="connsiteY21"/>
+              </a:cxn>
+              <a:cxn ang="0">
+                <a:pos x="connsiteX22" y="connsiteY22"/>
+              </a:cxn>
+              <a:cxn ang="0">
+                <a:pos x="connsiteX23" y="connsiteY23"/>
+              </a:cxn>
+              <a:cxn ang="0">
+                <a:pos x="connsiteX24" y="connsiteY24"/>
+              </a:cxn>
+              <a:cxn ang="0">
+                <a:pos x="connsiteX25" y="connsiteY25"/>
+              </a:cxn>
+              <a:cxn ang="0">
+                <a:pos x="connsiteX26" y="connsiteY26"/>
+              </a:cxn>
+              <a:cxn ang="0">
+                <a:pos x="connsiteX27" y="connsiteY27"/>
+              </a:cxn>
+              <a:cxn ang="0">
+                <a:pos x="connsiteX28" y="connsiteY28"/>
+              </a:cxn>
+              <a:cxn ang="0">
+                <a:pos x="connsiteX29" y="connsiteY29"/>
+              </a:cxn>
+              <a:cxn ang="0">
+                <a:pos x="connsiteX30" y="connsiteY30"/>
+              </a:cxn>
+              <a:cxn ang="0">
+                <a:pos x="connsiteX31" y="connsiteY31"/>
+              </a:cxn>
+              <a:cxn ang="0">
+                <a:pos x="connsiteX32" y="connsiteY32"/>
+              </a:cxn>
+              <a:cxn ang="0">
+                <a:pos x="connsiteX33" y="connsiteY33"/>
+              </a:cxn>
+              <a:cxn ang="0">
+                <a:pos x="connsiteX34" y="connsiteY34"/>
+              </a:cxn>
+              <a:cxn ang="0">
+                <a:pos x="connsiteX35" y="connsiteY35"/>
+              </a:cxn>
+            </a:cxnLst>
+            <a:rect l="l" t="t" r="r" b="b"/>
+            <a:pathLst>
+              <a:path w="559472" h="3709642">
+                <a:moveTo>
+                  <a:pt x="0" y="0"/>
+                </a:moveTo>
+                <a:lnTo>
+                  <a:pt x="473952" y="0"/>
+                </a:lnTo>
+                <a:lnTo>
+                  <a:pt x="485840" y="161194"/>
+                </a:lnTo>
+                <a:cubicBezTo>
+                  <a:pt x="552063" y="1147770"/>
+                  <a:pt x="592441" y="3086737"/>
+                  <a:pt x="523949" y="3672197"/>
+                </a:cubicBezTo>
+                <a:cubicBezTo>
+                  <a:pt x="500842" y="3684557"/>
+                  <a:pt x="477855" y="3697282"/>
+                  <a:pt x="454748" y="3709642"/>
+                </a:cubicBezTo>
+                <a:lnTo>
+                  <a:pt x="448224" y="3510471"/>
+                </a:lnTo>
+                <a:lnTo>
+                  <a:pt x="443564" y="3408563"/>
+                </a:lnTo>
+                <a:lnTo>
+                  <a:pt x="438902" y="3304407"/>
+                </a:lnTo>
+                <a:lnTo>
+                  <a:pt x="433941" y="3198777"/>
+                </a:lnTo>
+                <a:lnTo>
+                  <a:pt x="427584" y="3092510"/>
+                </a:lnTo>
+                <a:lnTo>
+                  <a:pt x="420988" y="2984390"/>
+                </a:lnTo>
+                <a:lnTo>
+                  <a:pt x="414330" y="2874401"/>
+                </a:lnTo>
+                <a:lnTo>
+                  <a:pt x="406840" y="2762980"/>
+                </a:lnTo>
+                <a:lnTo>
+                  <a:pt x="397745" y="2650566"/>
+                </a:lnTo>
+                <a:lnTo>
+                  <a:pt x="389154" y="2536612"/>
+                </a:lnTo>
+                <a:lnTo>
+                  <a:pt x="379225" y="2421642"/>
+                </a:lnTo>
+                <a:lnTo>
+                  <a:pt x="368316" y="2305627"/>
+                </a:lnTo>
+                <a:lnTo>
+                  <a:pt x="357466" y="2189233"/>
+                </a:lnTo>
+                <a:lnTo>
+                  <a:pt x="344982" y="2071473"/>
+                </a:lnTo>
+                <a:lnTo>
+                  <a:pt x="332466" y="1952216"/>
+                </a:lnTo>
+                <a:lnTo>
+                  <a:pt x="319121" y="1833776"/>
+                </a:lnTo>
+                <a:lnTo>
+                  <a:pt x="304408" y="1713948"/>
+                </a:lnTo>
+                <a:lnTo>
+                  <a:pt x="288685" y="1592703"/>
+                </a:lnTo>
+                <a:lnTo>
+                  <a:pt x="273050" y="1471451"/>
+                </a:lnTo>
+                <a:lnTo>
+                  <a:pt x="255813" y="1350328"/>
+                </a:lnTo>
+                <a:lnTo>
+                  <a:pt x="237060" y="1227080"/>
+                </a:lnTo>
+                <a:lnTo>
+                  <a:pt x="218488" y="1106065"/>
+                </a:lnTo>
+                <a:lnTo>
+                  <a:pt x="198221" y="982940"/>
+                </a:lnTo>
+                <a:lnTo>
+                  <a:pt x="177152" y="858755"/>
+                </a:lnTo>
+                <a:lnTo>
+                  <a:pt x="155551" y="736861"/>
+                </a:lnTo>
+                <a:lnTo>
+                  <a:pt x="131782" y="613645"/>
+                </a:lnTo>
+                <a:lnTo>
+                  <a:pt x="107123" y="490500"/>
+                </a:lnTo>
+                <a:lnTo>
+                  <a:pt x="82552" y="367348"/>
+                </a:lnTo>
+                <a:lnTo>
+                  <a:pt x="55608" y="244762"/>
+                </a:lnTo>
+                <a:lnTo>
+                  <a:pt x="28130" y="122220"/>
+                </a:lnTo>
+                <a:lnTo>
+                  <a:pt x="0" y="0"/>
+                </a:lnTo>
+                <a:close/>
+              </a:path>
+            </a:pathLst>
+          </a:custGeom>
+          <a:solidFill>
+            <a:schemeClr val="bg1">
+              <a:alpha val="20000"/>
+            </a:schemeClr>
+          </a:solidFill>
+          <a:ln>
+            <a:noFill/>
+          </a:ln>
+        </p:spPr>
+        <p:txBody>
+          <a:bodyPr rtlCol="0" anchor="ctr"/>
+          <a:lstStyle/>
+          <a:p>
+            <a:pPr algn="ctr"/>
+            <a:endParaRPr lang="en-US"/>
+          </a:p>
+        </p:txBody>
+      </p:sp>
+      <p:sp useBgFill="1">
+        <p:nvSpPr>
+          <p:cNvPr id="14" name="Freeform: Shape 13">
+            <a:extLst>
+              <a:ext uri="{FF2B5EF4-FFF2-40B4-BE49-F238E27FC236}">
+                <a16:creationId xmlns:a16="http://schemas.microsoft.com/office/drawing/2014/main" id="{70151CB7-E7DE-4917-B831-01DF9CE01306}"/>
+              </a:ext>
+              <a:ext uri="{C183D7F6-B498-43B3-948B-1728B52AA6E4}">
+                <adec:decorative xmlns:adec="http://schemas.microsoft.com/office/drawing/2017/decorative" val="1"/>
+              </a:ext>
+            </a:extLst>
+          </p:cNvPr>
+          <p:cNvSpPr>
+            <a:spLocks noGrp="1" noRot="1" noChangeAspect="1" noMove="1" noResize="1" noEditPoints="1" noAdjustHandles="1" noChangeArrowheads="1" noChangeShapeType="1" noTextEdit="1"/>
+          </p:cNvSpPr>
+          <p:nvPr>
+            <p:extLst>
+              <p:ext uri="{386F3935-93C4-4BCD-93E2-E3B085C9AB24}">
+                <p16:designElem xmlns:p16="http://schemas.microsoft.com/office/powerpoint/2015/main" val="1"/>
+              </p:ext>
+            </p:extLst>
+          </p:nvPr>
+        </p:nvSpPr>
+        <p:spPr bwMode="gray">
+          <a:xfrm rot="16200000">
+            <a:off x="5270819" y="-63600"/>
+            <a:ext cx="6858001" cy="6985200"/>
+          </a:xfrm>
+          <a:custGeom>
+            <a:avLst/>
+            <a:gdLst>
+              <a:gd name="connsiteX0" fmla="*/ 6858001 w 6858001"/>
+              <a:gd name="connsiteY0" fmla="*/ 1177 h 6985200"/>
+              <a:gd name="connsiteX1" fmla="*/ 6858001 w 6858001"/>
+              <a:gd name="connsiteY1" fmla="*/ 1344715 h 6985200"/>
+              <a:gd name="connsiteX2" fmla="*/ 6858000 w 6858001"/>
+              <a:gd name="connsiteY2" fmla="*/ 1344715 h 6985200"/>
+              <a:gd name="connsiteX3" fmla="*/ 6858000 w 6858001"/>
+              <a:gd name="connsiteY3" fmla="*/ 6985200 h 6985200"/>
+              <a:gd name="connsiteX4" fmla="*/ 0 w 6858001"/>
+              <a:gd name="connsiteY4" fmla="*/ 6985199 h 6985200"/>
+              <a:gd name="connsiteX5" fmla="*/ 0 w 6858001"/>
+              <a:gd name="connsiteY5" fmla="*/ 886772 h 6985200"/>
+              <a:gd name="connsiteX6" fmla="*/ 1 w 6858001"/>
+              <a:gd name="connsiteY6" fmla="*/ 886772 h 6985200"/>
+              <a:gd name="connsiteX7" fmla="*/ 1 w 6858001"/>
+              <a:gd name="connsiteY7" fmla="*/ 0 h 6985200"/>
+              <a:gd name="connsiteX8" fmla="*/ 40463 w 6858001"/>
+              <a:gd name="connsiteY8" fmla="*/ 5883 h 6985200"/>
+              <a:gd name="connsiteX9" fmla="*/ 159107 w 6858001"/>
+              <a:gd name="connsiteY9" fmla="*/ 23196 h 6985200"/>
+              <a:gd name="connsiteX10" fmla="*/ 245518 w 6858001"/>
+              <a:gd name="connsiteY10" fmla="*/ 35299 h 6985200"/>
+              <a:gd name="connsiteX11" fmla="*/ 348388 w 6858001"/>
+              <a:gd name="connsiteY11" fmla="*/ 48073 h 6985200"/>
+              <a:gd name="connsiteX12" fmla="*/ 470460 w 6858001"/>
+              <a:gd name="connsiteY12" fmla="*/ 63369 h 6985200"/>
+              <a:gd name="connsiteX13" fmla="*/ 605563 w 6858001"/>
+              <a:gd name="connsiteY13" fmla="*/ 79506 h 6985200"/>
+              <a:gd name="connsiteX14" fmla="*/ 757810 w 6858001"/>
+              <a:gd name="connsiteY14" fmla="*/ 96483 h 6985200"/>
+              <a:gd name="connsiteX15" fmla="*/ 923774 w 6858001"/>
+              <a:gd name="connsiteY15" fmla="*/ 114469 h 6985200"/>
+              <a:gd name="connsiteX16" fmla="*/ 1104139 w 6858001"/>
+              <a:gd name="connsiteY16" fmla="*/ 132454 h 6985200"/>
+              <a:gd name="connsiteX17" fmla="*/ 1296163 w 6858001"/>
+              <a:gd name="connsiteY17" fmla="*/ 150776 h 6985200"/>
+              <a:gd name="connsiteX18" fmla="*/ 1503275 w 6858001"/>
+              <a:gd name="connsiteY18" fmla="*/ 167753 h 6985200"/>
+              <a:gd name="connsiteX19" fmla="*/ 1719988 w 6858001"/>
+              <a:gd name="connsiteY19" fmla="*/ 184058 h 6985200"/>
+              <a:gd name="connsiteX20" fmla="*/ 1949045 w 6858001"/>
+              <a:gd name="connsiteY20" fmla="*/ 198849 h 6985200"/>
+              <a:gd name="connsiteX21" fmla="*/ 2187703 w 6858001"/>
+              <a:gd name="connsiteY21" fmla="*/ 212969 h 6985200"/>
+              <a:gd name="connsiteX22" fmla="*/ 2436649 w 6858001"/>
+              <a:gd name="connsiteY22" fmla="*/ 226248 h 6985200"/>
+              <a:gd name="connsiteX23" fmla="*/ 2564208 w 6858001"/>
+              <a:gd name="connsiteY23" fmla="*/ 230955 h 6985200"/>
+              <a:gd name="connsiteX24" fmla="*/ 2694509 w 6858001"/>
+              <a:gd name="connsiteY24" fmla="*/ 236165 h 6985200"/>
+              <a:gd name="connsiteX25" fmla="*/ 2826869 w 6858001"/>
+              <a:gd name="connsiteY25" fmla="*/ 241040 h 6985200"/>
+              <a:gd name="connsiteX26" fmla="*/ 2959914 w 6858001"/>
+              <a:gd name="connsiteY26" fmla="*/ 244234 h 6985200"/>
+              <a:gd name="connsiteX27" fmla="*/ 3095702 w 6858001"/>
+              <a:gd name="connsiteY27" fmla="*/ 247091 h 6985200"/>
+              <a:gd name="connsiteX28" fmla="*/ 3232862 w 6858001"/>
+              <a:gd name="connsiteY28" fmla="*/ 250117 h 6985200"/>
+              <a:gd name="connsiteX29" fmla="*/ 3372766 w 6858001"/>
+              <a:gd name="connsiteY29" fmla="*/ 252134 h 6985200"/>
+              <a:gd name="connsiteX30" fmla="*/ 3514040 w 6858001"/>
+              <a:gd name="connsiteY30" fmla="*/ 252134 h 6985200"/>
+              <a:gd name="connsiteX31" fmla="*/ 3656686 w 6858001"/>
+              <a:gd name="connsiteY31" fmla="*/ 253142 h 6985200"/>
+              <a:gd name="connsiteX32" fmla="*/ 3800705 w 6858001"/>
+              <a:gd name="connsiteY32" fmla="*/ 252134 h 6985200"/>
+              <a:gd name="connsiteX33" fmla="*/ 3946780 w 6858001"/>
+              <a:gd name="connsiteY33" fmla="*/ 250117 h 6985200"/>
+              <a:gd name="connsiteX34" fmla="*/ 4092856 w 6858001"/>
+              <a:gd name="connsiteY34" fmla="*/ 248268 h 6985200"/>
+              <a:gd name="connsiteX35" fmla="*/ 4240988 w 6858001"/>
+              <a:gd name="connsiteY35" fmla="*/ 244234 h 6985200"/>
+              <a:gd name="connsiteX36" fmla="*/ 4390492 w 6858001"/>
+              <a:gd name="connsiteY36" fmla="*/ 240032 h 6985200"/>
+              <a:gd name="connsiteX37" fmla="*/ 4539997 w 6858001"/>
+              <a:gd name="connsiteY37" fmla="*/ 235157 h 6985200"/>
+              <a:gd name="connsiteX38" fmla="*/ 4690873 w 6858001"/>
+              <a:gd name="connsiteY38" fmla="*/ 228266 h 6985200"/>
+              <a:gd name="connsiteX39" fmla="*/ 4843120 w 6858001"/>
+              <a:gd name="connsiteY39" fmla="*/ 220029 h 6985200"/>
+              <a:gd name="connsiteX40" fmla="*/ 4996054 w 6858001"/>
+              <a:gd name="connsiteY40" fmla="*/ 212129 h 6985200"/>
+              <a:gd name="connsiteX41" fmla="*/ 5148987 w 6858001"/>
+              <a:gd name="connsiteY41" fmla="*/ 202044 h 6985200"/>
+              <a:gd name="connsiteX42" fmla="*/ 5303978 w 6858001"/>
+              <a:gd name="connsiteY42" fmla="*/ 189941 h 6985200"/>
+              <a:gd name="connsiteX43" fmla="*/ 5456911 w 6858001"/>
+              <a:gd name="connsiteY43" fmla="*/ 177839 h 6985200"/>
+              <a:gd name="connsiteX44" fmla="*/ 5612588 w 6858001"/>
+              <a:gd name="connsiteY44" fmla="*/ 163887 h 6985200"/>
+              <a:gd name="connsiteX45" fmla="*/ 5768950 w 6858001"/>
+              <a:gd name="connsiteY45" fmla="*/ 148591 h 6985200"/>
+              <a:gd name="connsiteX46" fmla="*/ 5923255 w 6858001"/>
+              <a:gd name="connsiteY46" fmla="*/ 132455 h 6985200"/>
+              <a:gd name="connsiteX47" fmla="*/ 6079618 w 6858001"/>
+              <a:gd name="connsiteY47" fmla="*/ 113629 h 6985200"/>
+              <a:gd name="connsiteX48" fmla="*/ 6235294 w 6858001"/>
+              <a:gd name="connsiteY48" fmla="*/ 93458 h 6985200"/>
+              <a:gd name="connsiteX49" fmla="*/ 6391657 w 6858001"/>
+              <a:gd name="connsiteY49" fmla="*/ 73455 h 6985200"/>
+              <a:gd name="connsiteX50" fmla="*/ 6547333 w 6858001"/>
+              <a:gd name="connsiteY50" fmla="*/ 50091 h 6985200"/>
+              <a:gd name="connsiteX51" fmla="*/ 6702324 w 6858001"/>
+              <a:gd name="connsiteY51" fmla="*/ 26222 h 6985200"/>
+            </a:gdLst>
+            <a:ahLst/>
+            <a:cxnLst>
+              <a:cxn ang="0">
+                <a:pos x="connsiteX0" y="connsiteY0"/>
+              </a:cxn>
+              <a:cxn ang="0">
+                <a:pos x="connsiteX1" y="connsiteY1"/>
+              </a:cxn>
+              <a:cxn ang="0">
+                <a:pos x="connsiteX2" y="connsiteY2"/>
+              </a:cxn>
+              <a:cxn ang="0">
+                <a:pos x="connsiteX3" y="connsiteY3"/>
+              </a:cxn>
+              <a:cxn ang="0">
+                <a:pos x="connsiteX4" y="connsiteY4"/>
+              </a:cxn>
+              <a:cxn ang="0">
+                <a:pos x="connsiteX5" y="connsiteY5"/>
+              </a:cxn>
+              <a:cxn ang="0">
+                <a:pos x="connsiteX6" y="connsiteY6"/>
+              </a:cxn>
+              <a:cxn ang="0">
+                <a:pos x="connsiteX7" y="connsiteY7"/>
+              </a:cxn>
+              <a:cxn ang="0">
+                <a:pos x="connsiteX8" y="connsiteY8"/>
+              </a:cxn>
+              <a:cxn ang="0">
+                <a:pos x="connsiteX9" y="connsiteY9"/>
+              </a:cxn>
+              <a:cxn ang="0">
+                <a:pos x="connsiteX10" y="connsiteY10"/>
+              </a:cxn>
+              <a:cxn ang="0">
+                <a:pos x="connsiteX11" y="connsiteY11"/>
+              </a:cxn>
+              <a:cxn ang="0">
+                <a:pos x="connsiteX12" y="connsiteY12"/>
+              </a:cxn>
+              <a:cxn ang="0">
+                <a:pos x="connsiteX13" y="connsiteY13"/>
+              </a:cxn>
+              <a:cxn ang="0">
+                <a:pos x="connsiteX14" y="connsiteY14"/>
+              </a:cxn>
+              <a:cxn ang="0">
+                <a:pos x="connsiteX15" y="connsiteY15"/>
+              </a:cxn>
+              <a:cxn ang="0">
+                <a:pos x="connsiteX16" y="connsiteY16"/>
+              </a:cxn>
+              <a:cxn ang="0">
+                <a:pos x="connsiteX17" y="connsiteY17"/>
+              </a:cxn>
+              <a:cxn ang="0">
+                <a:pos x="connsiteX18" y="connsiteY18"/>
+              </a:cxn>
+              <a:cxn ang="0">
+                <a:pos x="connsiteX19" y="connsiteY19"/>
+              </a:cxn>
+              <a:cxn ang="0">
+                <a:pos x="connsiteX20" y="connsiteY20"/>
+              </a:cxn>
+              <a:cxn ang="0">
+                <a:pos x="connsiteX21" y="connsiteY21"/>
+              </a:cxn>
+              <a:cxn ang="0">
+                <a:pos x="connsiteX22" y="connsiteY22"/>
+              </a:cxn>
+              <a:cxn ang="0">
+                <a:pos x="connsiteX23" y="connsiteY23"/>
+              </a:cxn>
+              <a:cxn ang="0">
+                <a:pos x="connsiteX24" y="connsiteY24"/>
+              </a:cxn>
+              <a:cxn ang="0">
+                <a:pos x="connsiteX25" y="connsiteY25"/>
+              </a:cxn>
+              <a:cxn ang="0">
+                <a:pos x="connsiteX26" y="connsiteY26"/>
+              </a:cxn>
+              <a:cxn ang="0">
+                <a:pos x="connsiteX27" y="connsiteY27"/>
+              </a:cxn>
+              <a:cxn ang="0">
+                <a:pos x="connsiteX28" y="connsiteY28"/>
+              </a:cxn>
+              <a:cxn ang="0">
+                <a:pos x="connsiteX29" y="connsiteY29"/>
+              </a:cxn>
+              <a:cxn ang="0">
+                <a:pos x="connsiteX30" y="connsiteY30"/>
+              </a:cxn>
+              <a:cxn ang="0">
+                <a:pos x="connsiteX31" y="connsiteY31"/>
+              </a:cxn>
+              <a:cxn ang="0">
+                <a:pos x="connsiteX32" y="connsiteY32"/>
+              </a:cxn>
+              <a:cxn ang="0">
+                <a:pos x="connsiteX33" y="connsiteY33"/>
+              </a:cxn>
+              <a:cxn ang="0">
+                <a:pos x="connsiteX34" y="connsiteY34"/>
+              </a:cxn>
+              <a:cxn ang="0">
+                <a:pos x="connsiteX35" y="connsiteY35"/>
+              </a:cxn>
+              <a:cxn ang="0">
+                <a:pos x="connsiteX36" y="connsiteY36"/>
+              </a:cxn>
+              <a:cxn ang="0">
+                <a:pos x="connsiteX37" y="connsiteY37"/>
+              </a:cxn>
+              <a:cxn ang="0">
+                <a:pos x="connsiteX38" y="connsiteY38"/>
+              </a:cxn>
+              <a:cxn ang="0">
+                <a:pos x="connsiteX39" y="connsiteY39"/>
+              </a:cxn>
+              <a:cxn ang="0">
+                <a:pos x="connsiteX40" y="connsiteY40"/>
+              </a:cxn>
+              <a:cxn ang="0">
+                <a:pos x="connsiteX41" y="connsiteY41"/>
+              </a:cxn>
+              <a:cxn ang="0">
+                <a:pos x="connsiteX42" y="connsiteY42"/>
+              </a:cxn>
+              <a:cxn ang="0">
+                <a:pos x="connsiteX43" y="connsiteY43"/>
+              </a:cxn>
+              <a:cxn ang="0">
+                <a:pos x="connsiteX44" y="connsiteY44"/>
+              </a:cxn>
+              <a:cxn ang="0">
+                <a:pos x="connsiteX45" y="connsiteY45"/>
+              </a:cxn>
+              <a:cxn ang="0">
+                <a:pos x="connsiteX46" y="connsiteY46"/>
+              </a:cxn>
+              <a:cxn ang="0">
+                <a:pos x="connsiteX47" y="connsiteY47"/>
+              </a:cxn>
+              <a:cxn ang="0">
+                <a:pos x="connsiteX48" y="connsiteY48"/>
+              </a:cxn>
+              <a:cxn ang="0">
+                <a:pos x="connsiteX49" y="connsiteY49"/>
+              </a:cxn>
+              <a:cxn ang="0">
+                <a:pos x="connsiteX50" y="connsiteY50"/>
+              </a:cxn>
+              <a:cxn ang="0">
+                <a:pos x="connsiteX51" y="connsiteY51"/>
+              </a:cxn>
+            </a:cxnLst>
+            <a:rect l="l" t="t" r="r" b="b"/>
+            <a:pathLst>
+              <a:path w="6858001" h="6985200">
+                <a:moveTo>
+                  <a:pt x="6858001" y="1177"/>
+                </a:moveTo>
+                <a:lnTo>
+                  <a:pt x="6858001" y="1344715"/>
+                </a:lnTo>
+                <a:lnTo>
+                  <a:pt x="6858000" y="1344715"/>
+                </a:lnTo>
+                <a:lnTo>
+                  <a:pt x="6858000" y="6985200"/>
+                </a:lnTo>
+                <a:lnTo>
+                  <a:pt x="0" y="6985199"/>
+                </a:lnTo>
+                <a:lnTo>
+                  <a:pt x="0" y="886772"/>
+                </a:lnTo>
+                <a:lnTo>
+                  <a:pt x="1" y="886772"/>
+                </a:lnTo>
+                <a:lnTo>
+                  <a:pt x="1" y="0"/>
+                </a:lnTo>
+                <a:lnTo>
+                  <a:pt x="40463" y="5883"/>
+                </a:lnTo>
+                <a:lnTo>
+                  <a:pt x="159107" y="23196"/>
+                </a:lnTo>
+                <a:lnTo>
+                  <a:pt x="245518" y="35299"/>
+                </a:lnTo>
+                <a:lnTo>
+                  <a:pt x="348388" y="48073"/>
+                </a:lnTo>
+                <a:lnTo>
+                  <a:pt x="470460" y="63369"/>
+                </a:lnTo>
+                <a:lnTo>
+                  <a:pt x="605563" y="79506"/>
+                </a:lnTo>
+                <a:lnTo>
+                  <a:pt x="757810" y="96483"/>
+                </a:lnTo>
+                <a:lnTo>
+                  <a:pt x="923774" y="114469"/>
+                </a:lnTo>
+                <a:lnTo>
+                  <a:pt x="1104139" y="132454"/>
+                </a:lnTo>
+                <a:lnTo>
+                  <a:pt x="1296163" y="150776"/>
+                </a:lnTo>
+                <a:lnTo>
+                  <a:pt x="1503275" y="167753"/>
+                </a:lnTo>
+                <a:lnTo>
+                  <a:pt x="1719988" y="184058"/>
+                </a:lnTo>
+                <a:lnTo>
+                  <a:pt x="1949045" y="198849"/>
+                </a:lnTo>
+                <a:lnTo>
+                  <a:pt x="2187703" y="212969"/>
+                </a:lnTo>
+                <a:lnTo>
+                  <a:pt x="2436649" y="226248"/>
+                </a:lnTo>
+                <a:lnTo>
+                  <a:pt x="2564208" y="230955"/>
+                </a:lnTo>
+                <a:lnTo>
+                  <a:pt x="2694509" y="236165"/>
+                </a:lnTo>
+                <a:lnTo>
+                  <a:pt x="2826869" y="241040"/>
+                </a:lnTo>
+                <a:lnTo>
+                  <a:pt x="2959914" y="244234"/>
+                </a:lnTo>
+                <a:lnTo>
+                  <a:pt x="3095702" y="247091"/>
+                </a:lnTo>
+                <a:lnTo>
+                  <a:pt x="3232862" y="250117"/>
+                </a:lnTo>
+                <a:lnTo>
+                  <a:pt x="3372766" y="252134"/>
+                </a:lnTo>
+                <a:lnTo>
+                  <a:pt x="3514040" y="252134"/>
+                </a:lnTo>
+                <a:lnTo>
+                  <a:pt x="3656686" y="253142"/>
+                </a:lnTo>
+                <a:lnTo>
+                  <a:pt x="3800705" y="252134"/>
+                </a:lnTo>
+                <a:lnTo>
+                  <a:pt x="3946780" y="250117"/>
+                </a:lnTo>
+                <a:lnTo>
+                  <a:pt x="4092856" y="248268"/>
+                </a:lnTo>
+                <a:lnTo>
+                  <a:pt x="4240988" y="244234"/>
+                </a:lnTo>
+                <a:lnTo>
+                  <a:pt x="4390492" y="240032"/>
+                </a:lnTo>
+                <a:lnTo>
+                  <a:pt x="4539997" y="235157"/>
+                </a:lnTo>
+                <a:lnTo>
+                  <a:pt x="4690873" y="228266"/>
+                </a:lnTo>
+                <a:lnTo>
+                  <a:pt x="4843120" y="220029"/>
+                </a:lnTo>
+                <a:lnTo>
+                  <a:pt x="4996054" y="212129"/>
+                </a:lnTo>
+                <a:lnTo>
+                  <a:pt x="5148987" y="202044"/>
+                </a:lnTo>
+                <a:lnTo>
+                  <a:pt x="5303978" y="189941"/>
+                </a:lnTo>
+                <a:lnTo>
+                  <a:pt x="5456911" y="177839"/>
+                </a:lnTo>
+                <a:lnTo>
+                  <a:pt x="5612588" y="163887"/>
+                </a:lnTo>
+                <a:lnTo>
+                  <a:pt x="5768950" y="148591"/>
+                </a:lnTo>
+                <a:lnTo>
+                  <a:pt x="5923255" y="132455"/>
+                </a:lnTo>
+                <a:lnTo>
+                  <a:pt x="6079618" y="113629"/>
+                </a:lnTo>
+                <a:lnTo>
+                  <a:pt x="6235294" y="93458"/>
+                </a:lnTo>
+                <a:lnTo>
+                  <a:pt x="6391657" y="73455"/>
+                </a:lnTo>
+                <a:lnTo>
+                  <a:pt x="6547333" y="50091"/>
+                </a:lnTo>
+                <a:lnTo>
+                  <a:pt x="6702324" y="26222"/>
+                </a:lnTo>
+                <a:close/>
+              </a:path>
+            </a:pathLst>
+          </a:custGeom>
+          <a:ln>
+            <a:noFill/>
+          </a:ln>
+        </p:spPr>
+      </p:sp>
+      <p:pic>
+        <p:nvPicPr>
+          <p:cNvPr id="5" name="Picture 4">
+            <a:extLst>
+              <a:ext uri="{FF2B5EF4-FFF2-40B4-BE49-F238E27FC236}">
+                <a16:creationId xmlns:a16="http://schemas.microsoft.com/office/drawing/2014/main" id="{EB219D89-A732-4339-AA48-6A7FF398EB7D}"/>
+              </a:ext>
+            </a:extLst>
+          </p:cNvPr>
+          <p:cNvPicPr>
+            <a:picLocks noChangeAspect="1"/>
+          </p:cNvPicPr>
+          <p:nvPr/>
+        </p:nvPicPr>
+        <p:blipFill>
+          <a:blip r:embed="rId2">
+            <a:extLst>
+              <a:ext uri="{28A0092B-C50C-407E-A947-70E740481C1C}">
+                <a14:useLocalDpi xmlns:a14="http://schemas.microsoft.com/office/drawing/2010/main" val="0"/>
+              </a:ext>
+            </a:extLst>
+          </a:blip>
+          <a:stretch>
+            <a:fillRect/>
+          </a:stretch>
+        </p:blipFill>
+        <p:spPr>
+          <a:xfrm>
+            <a:off x="6093992" y="1385290"/>
+            <a:ext cx="5449889" cy="4087416"/>
+          </a:xfrm>
+          <a:prstGeom prst="rect">
+            <a:avLst/>
+          </a:prstGeom>
+          <a:effectLst/>
+        </p:spPr>
+      </p:pic>
+      <p:sp>
+        <p:nvSpPr>
+          <p:cNvPr id="16" name="Rectangle 15">
+            <a:extLst>
+              <a:ext uri="{FF2B5EF4-FFF2-40B4-BE49-F238E27FC236}">
+                <a16:creationId xmlns:a16="http://schemas.microsoft.com/office/drawing/2014/main" id="{A92A1116-1C84-41DF-B803-1F7B0883EC82}"/>
+              </a:ext>
+              <a:ext uri="{C183D7F6-B498-43B3-948B-1728B52AA6E4}">
+                <adec:decorative xmlns:adec="http://schemas.microsoft.com/office/drawing/2017/decorative" val="1"/>
+              </a:ext>
+            </a:extLst>
+          </p:cNvPr>
+          <p:cNvSpPr>
+            <a:spLocks noGrp="1" noRot="1" noChangeAspect="1" noMove="1" noResize="1" noEditPoints="1" noAdjustHandles="1" noChangeArrowheads="1" noChangeShapeType="1" noTextEdit="1"/>
+          </p:cNvSpPr>
+          <p:nvPr>
+            <p:extLst>
+              <p:ext uri="{386F3935-93C4-4BCD-93E2-E3B085C9AB24}">
+                <p16:designElem xmlns:p16="http://schemas.microsoft.com/office/powerpoint/2015/main" val="1"/>
+              </p:ext>
+            </p:extLst>
+          </p:nvPr>
+        </p:nvSpPr>
+        <p:spPr>
+          <a:xfrm>
+            <a:off x="10442448" y="0"/>
+            <a:ext cx="685800" cy="1143000"/>
+          </a:xfrm>
+          <a:prstGeom prst="rect">
+            <a:avLst/>
+          </a:prstGeom>
+          <a:solidFill>
+            <a:schemeClr val="accent1"/>
+          </a:solidFill>
+          <a:ln>
+            <a:noFill/>
+          </a:ln>
+        </p:spPr>
+        <p:style>
+          <a:lnRef idx="1">
+            <a:schemeClr val="accent1"/>
+          </a:lnRef>
+          <a:fillRef idx="3">
+            <a:schemeClr val="accent1"/>
+          </a:fillRef>
+          <a:effectRef idx="2">
+            <a:schemeClr val="accent1"/>
+          </a:effectRef>
+          <a:fontRef idx="minor">
+            <a:schemeClr val="lt1"/>
+          </a:fontRef>
+        </p:style>
+      </p:sp>
+      <p:sp>
+        <p:nvSpPr>
+          <p:cNvPr id="3" name="Content Placeholder 2">
+            <a:extLst>
+              <a:ext uri="{FF2B5EF4-FFF2-40B4-BE49-F238E27FC236}">
+                <a16:creationId xmlns:a16="http://schemas.microsoft.com/office/drawing/2014/main" id="{F6CA545B-0C6E-4CD6-B3A6-262CB9B609C2}"/>
+              </a:ext>
+            </a:extLst>
+          </p:cNvPr>
+          <p:cNvSpPr>
+            <a:spLocks noGrp="1"/>
+          </p:cNvSpPr>
+          <p:nvPr>
+            <p:ph idx="1"/>
+          </p:nvPr>
+        </p:nvSpPr>
+        <p:spPr>
+          <a:xfrm>
+            <a:off x="648931" y="2438400"/>
+            <a:ext cx="4166509" cy="3785419"/>
+          </a:xfrm>
+        </p:spPr>
+        <p:txBody>
+          <a:bodyPr>
+            <a:normAutofit/>
+          </a:bodyPr>
+          <a:lstStyle/>
+          <a:p>
+            <a:pPr>
+              <a:lnSpc>
+                <a:spcPct val="90000"/>
+              </a:lnSpc>
+            </a:pPr>
+            <a:r>
+              <a:rPr lang="en-GB" sz="2000">
+                <a:solidFill>
+                  <a:srgbClr val="EBEBEB"/>
+                </a:solidFill>
+              </a:rPr>
+              <a:t>Bitcoin is a decentralised cryptocurrency released in 2009. Which came into the spotlight in recent years due to its massive increase in value, peaking at around €18,000 in December 2017.</a:t>
+            </a:r>
+          </a:p>
+          <a:p>
+            <a:pPr>
+              <a:lnSpc>
+                <a:spcPct val="90000"/>
+              </a:lnSpc>
+            </a:pPr>
+            <a:r>
+              <a:rPr lang="en-GB" sz="2000">
+                <a:solidFill>
+                  <a:srgbClr val="EBEBEB"/>
+                </a:solidFill>
+              </a:rPr>
+              <a:t>This problem was chosen to demonstrate regression, and forecasting using time-series data. It will also demonstrate handling of data with missing or incomplete entries.</a:t>
+            </a:r>
+          </a:p>
+        </p:txBody>
+      </p:sp>
+    </p:spTree>
+    <p:extLst>
+      <p:ext uri="{BB962C8B-B14F-4D97-AF65-F5344CB8AC3E}">
+        <p14:creationId xmlns:p14="http://schemas.microsoft.com/office/powerpoint/2010/main" val="1990958949"/>
+      </p:ext>
+    </p:extLst>
+  </p:cSld>
+  <p:clrMapOvr>
+    <a:overrideClrMapping bg1="lt1" tx1="dk1" bg2="lt2" tx2="dk2" accent1="accent1" accent2="accent2" accent3="accent3" accent4="accent4" accent5="accent5" accent6="accent6" hlink="hlink" folHlink="folHlink"/>
+  </p:clrMapOvr>
+</p:sld>
+</file>
+
+<file path=ppt/slides/slide8.xml><?xml version="1.0" encoding="utf-8"?>
+<p:sld xmlns:a="http://schemas.openxmlformats.org/drawingml/2006/main" xmlns:r="http://schemas.openxmlformats.org/officeDocument/2006/relationships" xmlns:p="http://schemas.openxmlformats.org/presentationml/2006/main">
+  <p:cSld>
+    <p:bg>
+      <p:bgPr>
+        <a:solidFill>
+          <a:schemeClr val="bg1"/>
+        </a:solidFill>
+        <a:effectLst/>
+      </p:bgPr>
+    </p:bg>
+    <p:spTree>
+      <p:nvGrpSpPr>
+        <p:cNvPr id="1" name=""/>
+        <p:cNvGrpSpPr/>
+        <p:nvPr/>
+      </p:nvGrpSpPr>
+      <p:grpSpPr>
+        <a:xfrm>
+          <a:off x="0" y="0"/>
+          <a:ext cx="0" cy="0"/>
+          <a:chOff x="0" y="0"/>
+          <a:chExt cx="0" cy="0"/>
+        </a:xfrm>
+      </p:grpSpPr>
+      <p:pic>
+        <p:nvPicPr>
+          <p:cNvPr id="10" name="Picture 9">
+            <a:extLst>
+              <a:ext uri="{FF2B5EF4-FFF2-40B4-BE49-F238E27FC236}">
+                <a16:creationId xmlns:a16="http://schemas.microsoft.com/office/drawing/2014/main" id="{41B68C77-138E-4BF7-A276-BD0C78A4219F}"/>
+              </a:ext>
+              <a:ext uri="{C183D7F6-B498-43B3-948B-1728B52AA6E4}">
+                <adec:decorative xmlns:adec="http://schemas.microsoft.com/office/drawing/2017/decorative" val="1"/>
+              </a:ext>
+            </a:extLst>
+          </p:cNvPr>
+          <p:cNvPicPr>
+            <a:picLocks noGrp="1" noRot="1" noChangeAspect="1" noMove="1" noResize="1" noEditPoints="1" noAdjustHandles="1" noChangeArrowheads="1" noChangeShapeType="1" noCrop="1"/>
+          </p:cNvPicPr>
+          <p:nvPr>
+            <p:extLst>
+              <p:ext uri="{386F3935-93C4-4BCD-93E2-E3B085C9AB24}">
+                <p16:designElem xmlns:p16="http://schemas.microsoft.com/office/powerpoint/2015/main" val="1"/>
+              </p:ext>
+            </p:extLst>
+          </p:nvPr>
+        </p:nvPicPr>
+        <p:blipFill rotWithShape="1">
+          <a:blip r:embed="rId2">
+            <a:extLst>
+              <a:ext uri="{28A0092B-C50C-407E-A947-70E740481C1C}">
+                <a14:useLocalDpi xmlns:a14="http://schemas.microsoft.com/office/drawing/2010/main" val="0"/>
+              </a:ext>
+            </a:extLst>
+          </a:blip>
+          <a:srcRect l="3613"/>
+          <a:stretch/>
+        </p:blipFill>
+        <p:spPr>
+          <a:xfrm>
+            <a:off x="0" y="2669685"/>
+            <a:ext cx="4037012" cy="4188315"/>
+          </a:xfrm>
+          <a:prstGeom prst="rect">
+            <a:avLst/>
+          </a:prstGeom>
+        </p:spPr>
+      </p:pic>
+      <p:pic>
+        <p:nvPicPr>
+          <p:cNvPr id="12" name="Picture 11">
+            <a:extLst>
+              <a:ext uri="{FF2B5EF4-FFF2-40B4-BE49-F238E27FC236}">
+                <a16:creationId xmlns:a16="http://schemas.microsoft.com/office/drawing/2014/main" id="{7C268552-D473-46ED-B1B8-422042C4DEF1}"/>
+              </a:ext>
+              <a:ext uri="{C183D7F6-B498-43B3-948B-1728B52AA6E4}">
+                <adec:decorative xmlns:adec="http://schemas.microsoft.com/office/drawing/2017/decorative" val="1"/>
+              </a:ext>
+            </a:extLst>
+          </p:cNvPr>
+          <p:cNvPicPr>
+            <a:picLocks noGrp="1" noRot="1" noChangeAspect="1" noMove="1" noResize="1" noEditPoints="1" noAdjustHandles="1" noChangeArrowheads="1" noChangeShapeType="1" noCrop="1"/>
+          </p:cNvPicPr>
+          <p:nvPr>
+            <p:extLst>
+              <p:ext uri="{386F3935-93C4-4BCD-93E2-E3B085C9AB24}">
+                <p16:designElem xmlns:p16="http://schemas.microsoft.com/office/powerpoint/2015/main" val="1"/>
+              </p:ext>
+            </p:extLst>
+          </p:nvPr>
+        </p:nvPicPr>
+        <p:blipFill rotWithShape="1">
+          <a:blip r:embed="rId3">
+            <a:extLst>
+              <a:ext uri="{28A0092B-C50C-407E-A947-70E740481C1C}">
+                <a14:useLocalDpi xmlns:a14="http://schemas.microsoft.com/office/drawing/2010/main" val="0"/>
+              </a:ext>
+            </a:extLst>
+          </a:blip>
+          <a:srcRect l="35640"/>
+          <a:stretch/>
+        </p:blipFill>
+        <p:spPr>
+          <a:xfrm>
+            <a:off x="0" y="2892347"/>
+            <a:ext cx="1522412" cy="2365453"/>
+          </a:xfrm>
+          <a:prstGeom prst="rect">
+            <a:avLst/>
+          </a:prstGeom>
+        </p:spPr>
+      </p:pic>
+      <p:sp>
+        <p:nvSpPr>
+          <p:cNvPr id="14" name="Oval 13">
+            <a:extLst>
+              <a:ext uri="{FF2B5EF4-FFF2-40B4-BE49-F238E27FC236}">
+                <a16:creationId xmlns:a16="http://schemas.microsoft.com/office/drawing/2014/main" id="{4AC0CD9D-7610-4620-93B4-798CCD9AB581}"/>
+              </a:ext>
+              <a:ext uri="{C183D7F6-B498-43B3-948B-1728B52AA6E4}">
+                <adec:decorative xmlns:adec="http://schemas.microsoft.com/office/drawing/2017/decorative" val="1"/>
+              </a:ext>
+            </a:extLst>
+          </p:cNvPr>
+          <p:cNvSpPr>
+            <a:spLocks noGrp="1" noRot="1" noChangeAspect="1" noMove="1" noResize="1" noEditPoints="1" noAdjustHandles="1" noChangeArrowheads="1" noChangeShapeType="1" noTextEdit="1"/>
+          </p:cNvSpPr>
+          <p:nvPr>
+            <p:extLst>
+              <p:ext uri="{386F3935-93C4-4BCD-93E2-E3B085C9AB24}">
+                <p16:designElem xmlns:p16="http://schemas.microsoft.com/office/powerpoint/2015/main" val="1"/>
+              </p:ext>
+            </p:extLst>
+          </p:nvPr>
+        </p:nvSpPr>
+        <p:spPr>
+          <a:xfrm>
+            <a:off x="8609012" y="1676400"/>
+            <a:ext cx="2819400" cy="2819400"/>
+          </a:xfrm>
+          <a:prstGeom prst="ellipse">
+            <a:avLst/>
+          </a:prstGeom>
+          <a:gradFill flip="none" rotWithShape="1">
+            <a:gsLst>
+              <a:gs pos="0">
+                <a:schemeClr val="bg2">
+                  <a:lumMod val="60000"/>
+                  <a:lumOff val="40000"/>
+                  <a:alpha val="7000"/>
+                </a:schemeClr>
+              </a:gs>
+              <a:gs pos="69000">
+                <a:schemeClr val="bg2">
+                  <a:lumMod val="60000"/>
+                  <a:lumOff val="40000"/>
+                  <a:alpha val="0"/>
+                </a:schemeClr>
+              </a:gs>
+              <a:gs pos="36000">
+                <a:schemeClr val="bg2">
+                  <a:lumMod val="60000"/>
+                  <a:lumOff val="40000"/>
+                  <a:alpha val="6000"/>
+                </a:schemeClr>
+              </a:gs>
+            </a:gsLst>
+            <a:path path="circle">
+              <a:fillToRect l="50000" t="50000" r="50000" b="50000"/>
+            </a:path>
+            <a:tileRect/>
+          </a:gradFill>
+          <a:ln>
+            <a:noFill/>
+          </a:ln>
+          <a:effectLst/>
+        </p:spPr>
+        <p:style>
+          <a:lnRef idx="1">
+            <a:schemeClr val="accent1"/>
+          </a:lnRef>
+          <a:fillRef idx="3">
+            <a:schemeClr val="accent1"/>
+          </a:fillRef>
+          <a:effectRef idx="2">
+            <a:schemeClr val="accent1"/>
+          </a:effectRef>
+          <a:fontRef idx="minor">
+            <a:schemeClr val="lt1"/>
+          </a:fontRef>
+        </p:style>
+      </p:sp>
+      <p:pic>
+        <p:nvPicPr>
+          <p:cNvPr id="16" name="Picture 15">
+            <a:extLst>
+              <a:ext uri="{FF2B5EF4-FFF2-40B4-BE49-F238E27FC236}">
+                <a16:creationId xmlns:a16="http://schemas.microsoft.com/office/drawing/2014/main" id="{B9238B3E-24AA-439A-B527-6C5DF6D72145}"/>
+              </a:ext>
+              <a:ext uri="{C183D7F6-B498-43B3-948B-1728B52AA6E4}">
+                <adec:decorative xmlns:adec="http://schemas.microsoft.com/office/drawing/2017/decorative" val="1"/>
+              </a:ext>
+            </a:extLst>
+          </p:cNvPr>
+          <p:cNvPicPr>
+            <a:picLocks noGrp="1" noRot="1" noChangeAspect="1" noMove="1" noResize="1" noEditPoints="1" noAdjustHandles="1" noChangeArrowheads="1" noChangeShapeType="1" noCrop="1"/>
+          </p:cNvPicPr>
+          <p:nvPr>
+            <p:extLst>
+              <p:ext uri="{386F3935-93C4-4BCD-93E2-E3B085C9AB24}">
+                <p16:designElem xmlns:p16="http://schemas.microsoft.com/office/powerpoint/2015/main" val="1"/>
+              </p:ext>
+            </p:extLst>
+          </p:nvPr>
+        </p:nvPicPr>
+        <p:blipFill rotWithShape="1">
+          <a:blip r:embed="rId4">
+            <a:extLst>
+              <a:ext uri="{28A0092B-C50C-407E-A947-70E740481C1C}">
+                <a14:useLocalDpi xmlns:a14="http://schemas.microsoft.com/office/drawing/2010/main" val="0"/>
+              </a:ext>
+            </a:extLst>
+          </a:blip>
+          <a:srcRect t="28813"/>
+          <a:stretch/>
+        </p:blipFill>
+        <p:spPr>
+          <a:xfrm>
+            <a:off x="7999412" y="0"/>
+            <a:ext cx="1603387" cy="1141407"/>
+          </a:xfrm>
+          <a:prstGeom prst="rect">
+            <a:avLst/>
+          </a:prstGeom>
+        </p:spPr>
+      </p:pic>
+      <p:pic>
+        <p:nvPicPr>
+          <p:cNvPr id="18" name="Picture 17">
+            <a:extLst>
+              <a:ext uri="{FF2B5EF4-FFF2-40B4-BE49-F238E27FC236}">
+                <a16:creationId xmlns:a16="http://schemas.microsoft.com/office/drawing/2014/main" id="{69F01145-BEA3-4CBF-AA21-10077B948CA8}"/>
+              </a:ext>
+              <a:ext uri="{C183D7F6-B498-43B3-948B-1728B52AA6E4}">
+                <adec:decorative xmlns:adec="http://schemas.microsoft.com/office/drawing/2017/decorative" val="1"/>
+              </a:ext>
+            </a:extLst>
+          </p:cNvPr>
+          <p:cNvPicPr>
+            <a:picLocks noGrp="1" noRot="1" noChangeAspect="1" noMove="1" noResize="1" noEditPoints="1" noAdjustHandles="1" noChangeArrowheads="1" noChangeShapeType="1" noCrop="1"/>
+          </p:cNvPicPr>
+          <p:nvPr>
+            <p:extLst>
+              <p:ext uri="{386F3935-93C4-4BCD-93E2-E3B085C9AB24}">
+                <p16:designElem xmlns:p16="http://schemas.microsoft.com/office/powerpoint/2015/main" val="1"/>
+              </p:ext>
+            </p:extLst>
+          </p:nvPr>
+        </p:nvPicPr>
+        <p:blipFill rotWithShape="1">
+          <a:blip r:embed="rId5">
+            <a:extLst>
+              <a:ext uri="{28A0092B-C50C-407E-A947-70E740481C1C}">
+                <a14:useLocalDpi xmlns:a14="http://schemas.microsoft.com/office/drawing/2010/main" val="0"/>
+              </a:ext>
+            </a:extLst>
+          </a:blip>
+          <a:srcRect b="23320"/>
+          <a:stretch/>
+        </p:blipFill>
+        <p:spPr>
+          <a:xfrm>
+            <a:off x="8605878" y="6096000"/>
+            <a:ext cx="993734" cy="762000"/>
+          </a:xfrm>
+          <a:prstGeom prst="rect">
+            <a:avLst/>
+          </a:prstGeom>
+        </p:spPr>
+      </p:pic>
+      <p:sp>
+        <p:nvSpPr>
+          <p:cNvPr id="20" name="Rectangle 19">
+            <a:extLst>
+              <a:ext uri="{FF2B5EF4-FFF2-40B4-BE49-F238E27FC236}">
+                <a16:creationId xmlns:a16="http://schemas.microsoft.com/office/drawing/2014/main" id="{DE4D62F9-188E-4530-84C2-24BDEE4BEB82}"/>
+              </a:ext>
+              <a:ext uri="{C183D7F6-B498-43B3-948B-1728B52AA6E4}">
+                <adec:decorative xmlns:adec="http://schemas.microsoft.com/office/drawing/2017/decorative" val="1"/>
+              </a:ext>
+            </a:extLst>
+          </p:cNvPr>
+          <p:cNvSpPr>
+            <a:spLocks noGrp="1" noRot="1" noChangeAspect="1" noMove="1" noResize="1" noEditPoints="1" noAdjustHandles="1" noChangeArrowheads="1" noChangeShapeType="1" noTextEdit="1"/>
+          </p:cNvSpPr>
+          <p:nvPr>
+            <p:extLst>
+              <p:ext uri="{386F3935-93C4-4BCD-93E2-E3B085C9AB24}">
+                <p16:designElem xmlns:p16="http://schemas.microsoft.com/office/powerpoint/2015/main" val="1"/>
+              </p:ext>
+            </p:extLst>
+          </p:nvPr>
+        </p:nvSpPr>
+        <p:spPr>
+          <a:xfrm>
+            <a:off x="10437812" y="0"/>
+            <a:ext cx="685800" cy="1143000"/>
+          </a:xfrm>
+          <a:prstGeom prst="rect">
+            <a:avLst/>
+          </a:prstGeom>
+          <a:solidFill>
+            <a:schemeClr val="accent1"/>
+          </a:solidFill>
+          <a:ln>
+            <a:noFill/>
+          </a:ln>
+        </p:spPr>
+        <p:style>
+          <a:lnRef idx="1">
+            <a:schemeClr val="accent1"/>
+          </a:lnRef>
+          <a:fillRef idx="3">
+            <a:schemeClr val="accent1"/>
+          </a:fillRef>
+          <a:effectRef idx="2">
+            <a:schemeClr val="accent1"/>
+          </a:effectRef>
+          <a:fontRef idx="minor">
+            <a:schemeClr val="lt1"/>
+          </a:fontRef>
+        </p:style>
+      </p:sp>
+      <p:sp>
+        <p:nvSpPr>
+          <p:cNvPr id="22" name="Rectangle 21">
+            <a:extLst>
+              <a:ext uri="{FF2B5EF4-FFF2-40B4-BE49-F238E27FC236}">
+                <a16:creationId xmlns:a16="http://schemas.microsoft.com/office/drawing/2014/main" id="{757B325C-3E35-45CF-9D07-3BCB281F3B9C}"/>
+              </a:ext>
+              <a:ext uri="{C183D7F6-B498-43B3-948B-1728B52AA6E4}">
+                <adec:decorative xmlns:adec="http://schemas.microsoft.com/office/drawing/2017/decorative" val="1"/>
+              </a:ext>
+            </a:extLst>
+          </p:cNvPr>
+          <p:cNvSpPr>
+            <a:spLocks noGrp="1" noRot="1" noChangeAspect="1" noMove="1" noResize="1" noEditPoints="1" noAdjustHandles="1" noChangeArrowheads="1" noChangeShapeType="1" noTextEdit="1"/>
+          </p:cNvSpPr>
+          <p:nvPr>
+            <p:extLst>
+              <p:ext uri="{386F3935-93C4-4BCD-93E2-E3B085C9AB24}">
+                <p16:designElem xmlns:p16="http://schemas.microsoft.com/office/powerpoint/2015/main" val="1"/>
+              </p:ext>
+            </p:extLst>
+          </p:nvPr>
+        </p:nvSpPr>
+        <p:spPr>
+          <a:xfrm>
+            <a:off x="0" y="0"/>
+            <a:ext cx="12192000" cy="6858000"/>
+          </a:xfrm>
+          <a:prstGeom prst="rect">
+            <a:avLst/>
+          </a:prstGeom>
+          <a:ln>
+            <a:noFill/>
+          </a:ln>
+        </p:spPr>
+        <p:style>
+          <a:lnRef idx="2">
+            <a:schemeClr val="accent1">
+              <a:shade val="50000"/>
+            </a:schemeClr>
+          </a:lnRef>
+          <a:fillRef idx="1003">
+            <a:schemeClr val="dk2"/>
+          </a:fillRef>
+          <a:effectRef idx="0">
+            <a:schemeClr val="accent1"/>
+          </a:effectRef>
+          <a:fontRef idx="minor">
+            <a:schemeClr val="lt1"/>
+          </a:fontRef>
+        </p:style>
+        <p:txBody>
+          <a:bodyPr rtlCol="0" anchor="ctr"/>
+          <a:lstStyle/>
+          <a:p>
+            <a:pPr algn="ctr"/>
+            <a:endParaRPr lang="en-US"/>
+          </a:p>
+        </p:txBody>
+      </p:sp>
+      <p:sp>
+        <p:nvSpPr>
+          <p:cNvPr id="2" name="Title 1">
+            <a:extLst>
+              <a:ext uri="{FF2B5EF4-FFF2-40B4-BE49-F238E27FC236}">
+                <a16:creationId xmlns:a16="http://schemas.microsoft.com/office/drawing/2014/main" id="{3E0076AF-EA9C-48C5-9AE6-46DF127714C4}"/>
+              </a:ext>
+            </a:extLst>
+          </p:cNvPr>
+          <p:cNvSpPr>
+            <a:spLocks noGrp="1"/>
+          </p:cNvSpPr>
+          <p:nvPr>
+            <p:ph type="title"/>
+          </p:nvPr>
+        </p:nvSpPr>
+        <p:spPr>
+          <a:xfrm>
+            <a:off x="8191925" y="1325880"/>
+            <a:ext cx="3352375" cy="3066507"/>
+          </a:xfrm>
+        </p:spPr>
+        <p:txBody>
+          <a:bodyPr vert="horz" lIns="91440" tIns="45720" rIns="91440" bIns="45720" rtlCol="0" anchor="b">
+            <a:normAutofit/>
+          </a:bodyPr>
+          <a:lstStyle/>
+          <a:p>
+            <a:r>
+              <a:rPr lang="en-US" sz="5400" b="0" i="0" kern="1200">
+                <a:solidFill>
+                  <a:srgbClr val="EBEBEB"/>
+                </a:solidFill>
+                <a:latin typeface="+mj-lt"/>
+                <a:ea typeface="+mj-ea"/>
+                <a:cs typeface="+mj-cs"/>
+              </a:rPr>
+              <a:t>Action Plan</a:t>
+            </a:r>
+          </a:p>
+        </p:txBody>
+      </p:sp>
+      <p:sp>
+        <p:nvSpPr>
+          <p:cNvPr id="24" name="Freeform 36">
+            <a:extLst>
+              <a:ext uri="{FF2B5EF4-FFF2-40B4-BE49-F238E27FC236}">
+                <a16:creationId xmlns:a16="http://schemas.microsoft.com/office/drawing/2014/main" id="{C24BEC42-AFF3-40D1-93A2-A27A42E1E23C}"/>
+              </a:ext>
+              <a:ext uri="{C183D7F6-B498-43B3-948B-1728B52AA6E4}">
+                <adec:decorative xmlns:adec="http://schemas.microsoft.com/office/drawing/2017/decorative" val="1"/>
+              </a:ext>
+            </a:extLst>
+          </p:cNvPr>
+          <p:cNvSpPr>
+            <a:spLocks noGrp="1" noRot="1" noChangeAspect="1" noMove="1" noResize="1" noEditPoints="1" noAdjustHandles="1" noChangeArrowheads="1" noChangeShapeType="1" noTextEdit="1"/>
+          </p:cNvSpPr>
+          <p:nvPr>
+            <p:extLst>
+              <p:ext uri="{386F3935-93C4-4BCD-93E2-E3B085C9AB24}">
+                <p16:designElem xmlns:p16="http://schemas.microsoft.com/office/powerpoint/2015/main" val="1"/>
+              </p:ext>
+            </p:extLst>
+          </p:nvPr>
+        </p:nvSpPr>
+        <p:spPr>
+          <a:xfrm flipH="1">
+            <a:off x="7463681" y="-1"/>
+            <a:ext cx="559472" cy="3709642"/>
+          </a:xfrm>
+          <a:custGeom>
+            <a:avLst/>
+            <a:gdLst>
+              <a:gd name="connsiteX0" fmla="*/ 0 w 559472"/>
+              <a:gd name="connsiteY0" fmla="*/ 0 h 3709642"/>
+              <a:gd name="connsiteX1" fmla="*/ 473952 w 559472"/>
+              <a:gd name="connsiteY1" fmla="*/ 0 h 3709642"/>
+              <a:gd name="connsiteX2" fmla="*/ 485840 w 559472"/>
+              <a:gd name="connsiteY2" fmla="*/ 161194 h 3709642"/>
+              <a:gd name="connsiteX3" fmla="*/ 523949 w 559472"/>
+              <a:gd name="connsiteY3" fmla="*/ 3672197 h 3709642"/>
+              <a:gd name="connsiteX4" fmla="*/ 454748 w 559472"/>
+              <a:gd name="connsiteY4" fmla="*/ 3709642 h 3709642"/>
+              <a:gd name="connsiteX5" fmla="*/ 448224 w 559472"/>
+              <a:gd name="connsiteY5" fmla="*/ 3510471 h 3709642"/>
+              <a:gd name="connsiteX6" fmla="*/ 443564 w 559472"/>
+              <a:gd name="connsiteY6" fmla="*/ 3408563 h 3709642"/>
+              <a:gd name="connsiteX7" fmla="*/ 438902 w 559472"/>
+              <a:gd name="connsiteY7" fmla="*/ 3304407 h 3709642"/>
+              <a:gd name="connsiteX8" fmla="*/ 433941 w 559472"/>
+              <a:gd name="connsiteY8" fmla="*/ 3198777 h 3709642"/>
+              <a:gd name="connsiteX9" fmla="*/ 427584 w 559472"/>
+              <a:gd name="connsiteY9" fmla="*/ 3092510 h 3709642"/>
+              <a:gd name="connsiteX10" fmla="*/ 420988 w 559472"/>
+              <a:gd name="connsiteY10" fmla="*/ 2984390 h 3709642"/>
+              <a:gd name="connsiteX11" fmla="*/ 414330 w 559472"/>
+              <a:gd name="connsiteY11" fmla="*/ 2874401 h 3709642"/>
+              <a:gd name="connsiteX12" fmla="*/ 406840 w 559472"/>
+              <a:gd name="connsiteY12" fmla="*/ 2762980 h 3709642"/>
+              <a:gd name="connsiteX13" fmla="*/ 397745 w 559472"/>
+              <a:gd name="connsiteY13" fmla="*/ 2650566 h 3709642"/>
+              <a:gd name="connsiteX14" fmla="*/ 389154 w 559472"/>
+              <a:gd name="connsiteY14" fmla="*/ 2536612 h 3709642"/>
+              <a:gd name="connsiteX15" fmla="*/ 379225 w 559472"/>
+              <a:gd name="connsiteY15" fmla="*/ 2421642 h 3709642"/>
+              <a:gd name="connsiteX16" fmla="*/ 368316 w 559472"/>
+              <a:gd name="connsiteY16" fmla="*/ 2305627 h 3709642"/>
+              <a:gd name="connsiteX17" fmla="*/ 357466 w 559472"/>
+              <a:gd name="connsiteY17" fmla="*/ 2189233 h 3709642"/>
+              <a:gd name="connsiteX18" fmla="*/ 344982 w 559472"/>
+              <a:gd name="connsiteY18" fmla="*/ 2071473 h 3709642"/>
+              <a:gd name="connsiteX19" fmla="*/ 332466 w 559472"/>
+              <a:gd name="connsiteY19" fmla="*/ 1952216 h 3709642"/>
+              <a:gd name="connsiteX20" fmla="*/ 319121 w 559472"/>
+              <a:gd name="connsiteY20" fmla="*/ 1833776 h 3709642"/>
+              <a:gd name="connsiteX21" fmla="*/ 304408 w 559472"/>
+              <a:gd name="connsiteY21" fmla="*/ 1713948 h 3709642"/>
+              <a:gd name="connsiteX22" fmla="*/ 288685 w 559472"/>
+              <a:gd name="connsiteY22" fmla="*/ 1592703 h 3709642"/>
+              <a:gd name="connsiteX23" fmla="*/ 273050 w 559472"/>
+              <a:gd name="connsiteY23" fmla="*/ 1471451 h 3709642"/>
+              <a:gd name="connsiteX24" fmla="*/ 255813 w 559472"/>
+              <a:gd name="connsiteY24" fmla="*/ 1350328 h 3709642"/>
+              <a:gd name="connsiteX25" fmla="*/ 237060 w 559472"/>
+              <a:gd name="connsiteY25" fmla="*/ 1227080 h 3709642"/>
+              <a:gd name="connsiteX26" fmla="*/ 218488 w 559472"/>
+              <a:gd name="connsiteY26" fmla="*/ 1106065 h 3709642"/>
+              <a:gd name="connsiteX27" fmla="*/ 198221 w 559472"/>
+              <a:gd name="connsiteY27" fmla="*/ 982940 h 3709642"/>
+              <a:gd name="connsiteX28" fmla="*/ 177152 w 559472"/>
+              <a:gd name="connsiteY28" fmla="*/ 858755 h 3709642"/>
+              <a:gd name="connsiteX29" fmla="*/ 155551 w 559472"/>
+              <a:gd name="connsiteY29" fmla="*/ 736861 h 3709642"/>
+              <a:gd name="connsiteX30" fmla="*/ 131782 w 559472"/>
+              <a:gd name="connsiteY30" fmla="*/ 613645 h 3709642"/>
+              <a:gd name="connsiteX31" fmla="*/ 107123 w 559472"/>
+              <a:gd name="connsiteY31" fmla="*/ 490500 h 3709642"/>
+              <a:gd name="connsiteX32" fmla="*/ 82552 w 559472"/>
+              <a:gd name="connsiteY32" fmla="*/ 367348 h 3709642"/>
+              <a:gd name="connsiteX33" fmla="*/ 55608 w 559472"/>
+              <a:gd name="connsiteY33" fmla="*/ 244762 h 3709642"/>
+              <a:gd name="connsiteX34" fmla="*/ 28130 w 559472"/>
+              <a:gd name="connsiteY34" fmla="*/ 122220 h 3709642"/>
+              <a:gd name="connsiteX35" fmla="*/ 0 w 559472"/>
+              <a:gd name="connsiteY35" fmla="*/ 0 h 3709642"/>
+            </a:gdLst>
+            <a:ahLst/>
+            <a:cxnLst>
+              <a:cxn ang="0">
+                <a:pos x="connsiteX0" y="connsiteY0"/>
+              </a:cxn>
+              <a:cxn ang="0">
+                <a:pos x="connsiteX1" y="connsiteY1"/>
+              </a:cxn>
+              <a:cxn ang="0">
+                <a:pos x="connsiteX2" y="connsiteY2"/>
+              </a:cxn>
+              <a:cxn ang="0">
+                <a:pos x="connsiteX3" y="connsiteY3"/>
+              </a:cxn>
+              <a:cxn ang="0">
+                <a:pos x="connsiteX4" y="connsiteY4"/>
+              </a:cxn>
+              <a:cxn ang="0">
+                <a:pos x="connsiteX5" y="connsiteY5"/>
+              </a:cxn>
+              <a:cxn ang="0">
+                <a:pos x="connsiteX6" y="connsiteY6"/>
+              </a:cxn>
+              <a:cxn ang="0">
+                <a:pos x="connsiteX7" y="connsiteY7"/>
+              </a:cxn>
+              <a:cxn ang="0">
+                <a:pos x="connsiteX8" y="connsiteY8"/>
+              </a:cxn>
+              <a:cxn ang="0">
+                <a:pos x="connsiteX9" y="connsiteY9"/>
+              </a:cxn>
+              <a:cxn ang="0">
+                <a:pos x="connsiteX10" y="connsiteY10"/>
+              </a:cxn>
+              <a:cxn ang="0">
+                <a:pos x="connsiteX11" y="connsiteY11"/>
+              </a:cxn>
+              <a:cxn ang="0">
+                <a:pos x="connsiteX12" y="connsiteY12"/>
+              </a:cxn>
+              <a:cxn ang="0">
+                <a:pos x="connsiteX13" y="connsiteY13"/>
+              </a:cxn>
+              <a:cxn ang="0">
+                <a:pos x="connsiteX14" y="connsiteY14"/>
+              </a:cxn>
+              <a:cxn ang="0">
+                <a:pos x="connsiteX15" y="connsiteY15"/>
+              </a:cxn>
+              <a:cxn ang="0">
+                <a:pos x="connsiteX16" y="connsiteY16"/>
+              </a:cxn>
+              <a:cxn ang="0">
+                <a:pos x="connsiteX17" y="connsiteY17"/>
+              </a:cxn>
+              <a:cxn ang="0">
+                <a:pos x="connsiteX18" y="connsiteY18"/>
+              </a:cxn>
+              <a:cxn ang="0">
+                <a:pos x="connsiteX19" y="connsiteY19"/>
+              </a:cxn>
+              <a:cxn ang="0">
+                <a:pos x="connsiteX20" y="connsiteY20"/>
+              </a:cxn>
+              <a:cxn ang="0">
+                <a:pos x="connsiteX21" y="connsiteY21"/>
+              </a:cxn>
+              <a:cxn ang="0">
+                <a:pos x="connsiteX22" y="connsiteY22"/>
+              </a:cxn>
+              <a:cxn ang="0">
+                <a:pos x="connsiteX23" y="connsiteY23"/>
+              </a:cxn>
+              <a:cxn ang="0">
+                <a:pos x="connsiteX24" y="connsiteY24"/>
+              </a:cxn>
+              <a:cxn ang="0">
+                <a:pos x="connsiteX25" y="connsiteY25"/>
+              </a:cxn>
+              <a:cxn ang="0">
+                <a:pos x="connsiteX26" y="connsiteY26"/>
+              </a:cxn>
+              <a:cxn ang="0">
+                <a:pos x="connsiteX27" y="connsiteY27"/>
+              </a:cxn>
+              <a:cxn ang="0">
+                <a:pos x="connsiteX28" y="connsiteY28"/>
+              </a:cxn>
+              <a:cxn ang="0">
+                <a:pos x="connsiteX29" y="connsiteY29"/>
+              </a:cxn>
+              <a:cxn ang="0">
+                <a:pos x="connsiteX30" y="connsiteY30"/>
+              </a:cxn>
+              <a:cxn ang="0">
+                <a:pos x="connsiteX31" y="connsiteY31"/>
+              </a:cxn>
+              <a:cxn ang="0">
+                <a:pos x="connsiteX32" y="connsiteY32"/>
+              </a:cxn>
+              <a:cxn ang="0">
+                <a:pos x="connsiteX33" y="connsiteY33"/>
+              </a:cxn>
+              <a:cxn ang="0">
+                <a:pos x="connsiteX34" y="connsiteY34"/>
+              </a:cxn>
+              <a:cxn ang="0">
+                <a:pos x="connsiteX35" y="connsiteY35"/>
+              </a:cxn>
+            </a:cxnLst>
+            <a:rect l="l" t="t" r="r" b="b"/>
+            <a:pathLst>
+              <a:path w="559472" h="3709642">
+                <a:moveTo>
+                  <a:pt x="0" y="0"/>
+                </a:moveTo>
+                <a:lnTo>
+                  <a:pt x="473952" y="0"/>
+                </a:lnTo>
+                <a:lnTo>
+                  <a:pt x="485840" y="161194"/>
+                </a:lnTo>
+                <a:cubicBezTo>
+                  <a:pt x="552063" y="1147770"/>
+                  <a:pt x="592441" y="3086737"/>
+                  <a:pt x="523949" y="3672197"/>
+                </a:cubicBezTo>
+                <a:cubicBezTo>
+                  <a:pt x="500842" y="3684557"/>
+                  <a:pt x="477855" y="3697282"/>
+                  <a:pt x="454748" y="3709642"/>
+                </a:cubicBezTo>
+                <a:lnTo>
+                  <a:pt x="448224" y="3510471"/>
+                </a:lnTo>
+                <a:lnTo>
+                  <a:pt x="443564" y="3408563"/>
+                </a:lnTo>
+                <a:lnTo>
+                  <a:pt x="438902" y="3304407"/>
+                </a:lnTo>
+                <a:lnTo>
+                  <a:pt x="433941" y="3198777"/>
+                </a:lnTo>
+                <a:lnTo>
+                  <a:pt x="427584" y="3092510"/>
+                </a:lnTo>
+                <a:lnTo>
+                  <a:pt x="420988" y="2984390"/>
+                </a:lnTo>
+                <a:lnTo>
+                  <a:pt x="414330" y="2874401"/>
+                </a:lnTo>
+                <a:lnTo>
+                  <a:pt x="406840" y="2762980"/>
+                </a:lnTo>
+                <a:lnTo>
+                  <a:pt x="397745" y="2650566"/>
+                </a:lnTo>
+                <a:lnTo>
+                  <a:pt x="389154" y="2536612"/>
+                </a:lnTo>
+                <a:lnTo>
+                  <a:pt x="379225" y="2421642"/>
+                </a:lnTo>
+                <a:lnTo>
+                  <a:pt x="368316" y="2305627"/>
+                </a:lnTo>
+                <a:lnTo>
+                  <a:pt x="357466" y="2189233"/>
+                </a:lnTo>
+                <a:lnTo>
+                  <a:pt x="344982" y="2071473"/>
+                </a:lnTo>
+                <a:lnTo>
+                  <a:pt x="332466" y="1952216"/>
+                </a:lnTo>
+                <a:lnTo>
+                  <a:pt x="319121" y="1833776"/>
+                </a:lnTo>
+                <a:lnTo>
+                  <a:pt x="304408" y="1713948"/>
+                </a:lnTo>
+                <a:lnTo>
+                  <a:pt x="288685" y="1592703"/>
+                </a:lnTo>
+                <a:lnTo>
+                  <a:pt x="273050" y="1471451"/>
+                </a:lnTo>
+                <a:lnTo>
+                  <a:pt x="255813" y="1350328"/>
+                </a:lnTo>
+                <a:lnTo>
+                  <a:pt x="237060" y="1227080"/>
+                </a:lnTo>
+                <a:lnTo>
+                  <a:pt x="218488" y="1106065"/>
+                </a:lnTo>
+                <a:lnTo>
+                  <a:pt x="198221" y="982940"/>
+                </a:lnTo>
+                <a:lnTo>
+                  <a:pt x="177152" y="858755"/>
+                </a:lnTo>
+                <a:lnTo>
+                  <a:pt x="155551" y="736861"/>
+                </a:lnTo>
+                <a:lnTo>
+                  <a:pt x="131782" y="613645"/>
+                </a:lnTo>
+                <a:lnTo>
+                  <a:pt x="107123" y="490500"/>
+                </a:lnTo>
+                <a:lnTo>
+                  <a:pt x="82552" y="367348"/>
+                </a:lnTo>
+                <a:lnTo>
+                  <a:pt x="55608" y="244762"/>
+                </a:lnTo>
+                <a:lnTo>
+                  <a:pt x="28130" y="122220"/>
+                </a:lnTo>
+                <a:lnTo>
+                  <a:pt x="0" y="0"/>
+                </a:lnTo>
+                <a:close/>
+              </a:path>
+            </a:pathLst>
+          </a:custGeom>
+          <a:solidFill>
+            <a:schemeClr val="bg1">
+              <a:alpha val="20000"/>
+            </a:schemeClr>
+          </a:solidFill>
+          <a:ln>
+            <a:noFill/>
+          </a:ln>
+        </p:spPr>
+        <p:txBody>
+          <a:bodyPr rtlCol="0" anchor="ctr"/>
+          <a:lstStyle/>
+          <a:p>
+            <a:pPr algn="ctr"/>
+            <a:endParaRPr lang="en-US"/>
+          </a:p>
+        </p:txBody>
+      </p:sp>
+      <p:sp useBgFill="1">
+        <p:nvSpPr>
+          <p:cNvPr id="26" name="Freeform: Shape 25">
+            <a:extLst>
+              <a:ext uri="{FF2B5EF4-FFF2-40B4-BE49-F238E27FC236}">
+                <a16:creationId xmlns:a16="http://schemas.microsoft.com/office/drawing/2014/main" id="{608F427C-1EC9-4280-9367-F2B3AA063E82}"/>
+              </a:ext>
+              <a:ext uri="{C183D7F6-B498-43B3-948B-1728B52AA6E4}">
+                <adec:decorative xmlns:adec="http://schemas.microsoft.com/office/drawing/2017/decorative" val="1"/>
+              </a:ext>
+            </a:extLst>
+          </p:cNvPr>
+          <p:cNvSpPr>
+            <a:spLocks noGrp="1" noRot="1" noChangeAspect="1" noMove="1" noResize="1" noEditPoints="1" noAdjustHandles="1" noChangeArrowheads="1" noChangeShapeType="1" noTextEdit="1"/>
+          </p:cNvSpPr>
+          <p:nvPr>
+            <p:extLst>
+              <p:ext uri="{386F3935-93C4-4BCD-93E2-E3B085C9AB24}">
+                <p16:designElem xmlns:p16="http://schemas.microsoft.com/office/powerpoint/2015/main" val="1"/>
+              </p:ext>
+            </p:extLst>
+          </p:nvPr>
+        </p:nvSpPr>
+        <p:spPr>
+          <a:xfrm>
+            <a:off x="0" y="0"/>
+            <a:ext cx="7809954" cy="6858000"/>
+          </a:xfrm>
+          <a:custGeom>
+            <a:avLst/>
+            <a:gdLst>
+              <a:gd name="connsiteX0" fmla="*/ 6465239 w 7809954"/>
+              <a:gd name="connsiteY0" fmla="*/ 0 h 6858000"/>
+              <a:gd name="connsiteX1" fmla="*/ 7808777 w 7809954"/>
+              <a:gd name="connsiteY1" fmla="*/ 0 h 6858000"/>
+              <a:gd name="connsiteX2" fmla="*/ 7783732 w 7809954"/>
+              <a:gd name="connsiteY2" fmla="*/ 155676 h 6858000"/>
+              <a:gd name="connsiteX3" fmla="*/ 7759863 w 7809954"/>
+              <a:gd name="connsiteY3" fmla="*/ 310667 h 6858000"/>
+              <a:gd name="connsiteX4" fmla="*/ 7736499 w 7809954"/>
+              <a:gd name="connsiteY4" fmla="*/ 466344 h 6858000"/>
+              <a:gd name="connsiteX5" fmla="*/ 7716496 w 7809954"/>
+              <a:gd name="connsiteY5" fmla="*/ 622706 h 6858000"/>
+              <a:gd name="connsiteX6" fmla="*/ 7696325 w 7809954"/>
+              <a:gd name="connsiteY6" fmla="*/ 778383 h 6858000"/>
+              <a:gd name="connsiteX7" fmla="*/ 7677499 w 7809954"/>
+              <a:gd name="connsiteY7" fmla="*/ 934745 h 6858000"/>
+              <a:gd name="connsiteX8" fmla="*/ 7661363 w 7809954"/>
+              <a:gd name="connsiteY8" fmla="*/ 1089050 h 6858000"/>
+              <a:gd name="connsiteX9" fmla="*/ 7646067 w 7809954"/>
+              <a:gd name="connsiteY9" fmla="*/ 1245413 h 6858000"/>
+              <a:gd name="connsiteX10" fmla="*/ 7632115 w 7809954"/>
+              <a:gd name="connsiteY10" fmla="*/ 1401089 h 6858000"/>
+              <a:gd name="connsiteX11" fmla="*/ 7620013 w 7809954"/>
+              <a:gd name="connsiteY11" fmla="*/ 1554023 h 6858000"/>
+              <a:gd name="connsiteX12" fmla="*/ 7607910 w 7809954"/>
+              <a:gd name="connsiteY12" fmla="*/ 1709013 h 6858000"/>
+              <a:gd name="connsiteX13" fmla="*/ 7597825 w 7809954"/>
+              <a:gd name="connsiteY13" fmla="*/ 1861947 h 6858000"/>
+              <a:gd name="connsiteX14" fmla="*/ 7589925 w 7809954"/>
+              <a:gd name="connsiteY14" fmla="*/ 2014880 h 6858000"/>
+              <a:gd name="connsiteX15" fmla="*/ 7581688 w 7809954"/>
+              <a:gd name="connsiteY15" fmla="*/ 2167128 h 6858000"/>
+              <a:gd name="connsiteX16" fmla="*/ 7574797 w 7809954"/>
+              <a:gd name="connsiteY16" fmla="*/ 2318004 h 6858000"/>
+              <a:gd name="connsiteX17" fmla="*/ 7569922 w 7809954"/>
+              <a:gd name="connsiteY17" fmla="*/ 2467508 h 6858000"/>
+              <a:gd name="connsiteX18" fmla="*/ 7565720 w 7809954"/>
+              <a:gd name="connsiteY18" fmla="*/ 2617013 h 6858000"/>
+              <a:gd name="connsiteX19" fmla="*/ 7561686 w 7809954"/>
+              <a:gd name="connsiteY19" fmla="*/ 2765145 h 6858000"/>
+              <a:gd name="connsiteX20" fmla="*/ 7559837 w 7809954"/>
+              <a:gd name="connsiteY20" fmla="*/ 2911221 h 6858000"/>
+              <a:gd name="connsiteX21" fmla="*/ 7557820 w 7809954"/>
+              <a:gd name="connsiteY21" fmla="*/ 3057296 h 6858000"/>
+              <a:gd name="connsiteX22" fmla="*/ 7556811 w 7809954"/>
+              <a:gd name="connsiteY22" fmla="*/ 3201314 h 6858000"/>
+              <a:gd name="connsiteX23" fmla="*/ 7557820 w 7809954"/>
+              <a:gd name="connsiteY23" fmla="*/ 3343960 h 6858000"/>
+              <a:gd name="connsiteX24" fmla="*/ 7557820 w 7809954"/>
+              <a:gd name="connsiteY24" fmla="*/ 3485235 h 6858000"/>
+              <a:gd name="connsiteX25" fmla="*/ 7559837 w 7809954"/>
+              <a:gd name="connsiteY25" fmla="*/ 3625138 h 6858000"/>
+              <a:gd name="connsiteX26" fmla="*/ 7562862 w 7809954"/>
+              <a:gd name="connsiteY26" fmla="*/ 3762298 h 6858000"/>
+              <a:gd name="connsiteX27" fmla="*/ 7565720 w 7809954"/>
+              <a:gd name="connsiteY27" fmla="*/ 3898087 h 6858000"/>
+              <a:gd name="connsiteX28" fmla="*/ 7568914 w 7809954"/>
+              <a:gd name="connsiteY28" fmla="*/ 4031132 h 6858000"/>
+              <a:gd name="connsiteX29" fmla="*/ 7573788 w 7809954"/>
+              <a:gd name="connsiteY29" fmla="*/ 4163491 h 6858000"/>
+              <a:gd name="connsiteX30" fmla="*/ 7578999 w 7809954"/>
+              <a:gd name="connsiteY30" fmla="*/ 4293793 h 6858000"/>
+              <a:gd name="connsiteX31" fmla="*/ 7583705 w 7809954"/>
+              <a:gd name="connsiteY31" fmla="*/ 4421352 h 6858000"/>
+              <a:gd name="connsiteX32" fmla="*/ 7596985 w 7809954"/>
+              <a:gd name="connsiteY32" fmla="*/ 4670298 h 6858000"/>
+              <a:gd name="connsiteX33" fmla="*/ 7611104 w 7809954"/>
+              <a:gd name="connsiteY33" fmla="*/ 4908956 h 6858000"/>
+              <a:gd name="connsiteX34" fmla="*/ 7625896 w 7809954"/>
+              <a:gd name="connsiteY34" fmla="*/ 5138013 h 6858000"/>
+              <a:gd name="connsiteX35" fmla="*/ 7642201 w 7809954"/>
+              <a:gd name="connsiteY35" fmla="*/ 5354726 h 6858000"/>
+              <a:gd name="connsiteX36" fmla="*/ 7659178 w 7809954"/>
+              <a:gd name="connsiteY36" fmla="*/ 5561838 h 6858000"/>
+              <a:gd name="connsiteX37" fmla="*/ 7677499 w 7809954"/>
+              <a:gd name="connsiteY37" fmla="*/ 5753862 h 6858000"/>
+              <a:gd name="connsiteX38" fmla="*/ 7695485 w 7809954"/>
+              <a:gd name="connsiteY38" fmla="*/ 5934227 h 6858000"/>
+              <a:gd name="connsiteX39" fmla="*/ 7713470 w 7809954"/>
+              <a:gd name="connsiteY39" fmla="*/ 6100191 h 6858000"/>
+              <a:gd name="connsiteX40" fmla="*/ 7730447 w 7809954"/>
+              <a:gd name="connsiteY40" fmla="*/ 6252438 h 6858000"/>
+              <a:gd name="connsiteX41" fmla="*/ 7746584 w 7809954"/>
+              <a:gd name="connsiteY41" fmla="*/ 6387541 h 6858000"/>
+              <a:gd name="connsiteX42" fmla="*/ 7761880 w 7809954"/>
+              <a:gd name="connsiteY42" fmla="*/ 6509613 h 6858000"/>
+              <a:gd name="connsiteX43" fmla="*/ 7774655 w 7809954"/>
+              <a:gd name="connsiteY43" fmla="*/ 6612483 h 6858000"/>
+              <a:gd name="connsiteX44" fmla="*/ 7786757 w 7809954"/>
+              <a:gd name="connsiteY44" fmla="*/ 6698894 h 6858000"/>
+              <a:gd name="connsiteX45" fmla="*/ 7804071 w 7809954"/>
+              <a:gd name="connsiteY45" fmla="*/ 6817538 h 6858000"/>
+              <a:gd name="connsiteX46" fmla="*/ 7809954 w 7809954"/>
+              <a:gd name="connsiteY46" fmla="*/ 6858000 h 6858000"/>
+              <a:gd name="connsiteX47" fmla="*/ 7157124 w 7809954"/>
+              <a:gd name="connsiteY47" fmla="*/ 6858000 h 6858000"/>
+              <a:gd name="connsiteX48" fmla="*/ 7157124 w 7809954"/>
+              <a:gd name="connsiteY48" fmla="*/ 6858000 h 6858000"/>
+              <a:gd name="connsiteX49" fmla="*/ 0 w 7809954"/>
+              <a:gd name="connsiteY49" fmla="*/ 6858000 h 6858000"/>
+              <a:gd name="connsiteX50" fmla="*/ 0 w 7809954"/>
+              <a:gd name="connsiteY50" fmla="*/ 0 h 6858000"/>
+              <a:gd name="connsiteX51" fmla="*/ 6465239 w 7809954"/>
+              <a:gd name="connsiteY51" fmla="*/ 0 h 6858000"/>
+            </a:gdLst>
+            <a:ahLst/>
+            <a:cxnLst>
+              <a:cxn ang="0">
+                <a:pos x="connsiteX0" y="connsiteY0"/>
+              </a:cxn>
+              <a:cxn ang="0">
+                <a:pos x="connsiteX1" y="connsiteY1"/>
+              </a:cxn>
+              <a:cxn ang="0">
+                <a:pos x="connsiteX2" y="connsiteY2"/>
+              </a:cxn>
+              <a:cxn ang="0">
+                <a:pos x="connsiteX3" y="connsiteY3"/>
+              </a:cxn>
+              <a:cxn ang="0">
+                <a:pos x="connsiteX4" y="connsiteY4"/>
+              </a:cxn>
+              <a:cxn ang="0">
+                <a:pos x="connsiteX5" y="connsiteY5"/>
+              </a:cxn>
+              <a:cxn ang="0">
+                <a:pos x="connsiteX6" y="connsiteY6"/>
+              </a:cxn>
+              <a:cxn ang="0">
+                <a:pos x="connsiteX7" y="connsiteY7"/>
+              </a:cxn>
+              <a:cxn ang="0">
+                <a:pos x="connsiteX8" y="connsiteY8"/>
+              </a:cxn>
+              <a:cxn ang="0">
+                <a:pos x="connsiteX9" y="connsiteY9"/>
+              </a:cxn>
+              <a:cxn ang="0">
+                <a:pos x="connsiteX10" y="connsiteY10"/>
+              </a:cxn>
+              <a:cxn ang="0">
+                <a:pos x="connsiteX11" y="connsiteY11"/>
+              </a:cxn>
+              <a:cxn ang="0">
+                <a:pos x="connsiteX12" y="connsiteY12"/>
+              </a:cxn>
+              <a:cxn ang="0">
+                <a:pos x="connsiteX13" y="connsiteY13"/>
+              </a:cxn>
+              <a:cxn ang="0">
+                <a:pos x="connsiteX14" y="connsiteY14"/>
+              </a:cxn>
+              <a:cxn ang="0">
+                <a:pos x="connsiteX15" y="connsiteY15"/>
+              </a:cxn>
+              <a:cxn ang="0">
+                <a:pos x="connsiteX16" y="connsiteY16"/>
+              </a:cxn>
+              <a:cxn ang="0">
+                <a:pos x="connsiteX17" y="connsiteY17"/>
+              </a:cxn>
+              <a:cxn ang="0">
+                <a:pos x="connsiteX18" y="connsiteY18"/>
+              </a:cxn>
+              <a:cxn ang="0">
+                <a:pos x="connsiteX19" y="connsiteY19"/>
+              </a:cxn>
+              <a:cxn ang="0">
+                <a:pos x="connsiteX20" y="connsiteY20"/>
+              </a:cxn>
+              <a:cxn ang="0">
+                <a:pos x="connsiteX21" y="connsiteY21"/>
+              </a:cxn>
+              <a:cxn ang="0">
+                <a:pos x="connsiteX22" y="connsiteY22"/>
+              </a:cxn>
+              <a:cxn ang="0">
+                <a:pos x="connsiteX23" y="connsiteY23"/>
+              </a:cxn>
+              <a:cxn ang="0">
+                <a:pos x="connsiteX24" y="connsiteY24"/>
+              </a:cxn>
+              <a:cxn ang="0">
+                <a:pos x="connsiteX25" y="connsiteY25"/>
+              </a:cxn>
+              <a:cxn ang="0">
+                <a:pos x="connsiteX26" y="connsiteY26"/>
+              </a:cxn>
+              <a:cxn ang="0">
+                <a:pos x="connsiteX27" y="connsiteY27"/>
+              </a:cxn>
+              <a:cxn ang="0">
+                <a:pos x="connsiteX28" y="connsiteY28"/>
+              </a:cxn>
+              <a:cxn ang="0">
+                <a:pos x="connsiteX29" y="connsiteY29"/>
+              </a:cxn>
+              <a:cxn ang="0">
+                <a:pos x="connsiteX30" y="connsiteY30"/>
+              </a:cxn>
+              <a:cxn ang="0">
+                <a:pos x="connsiteX31" y="connsiteY31"/>
+              </a:cxn>
+              <a:cxn ang="0">
+                <a:pos x="connsiteX32" y="connsiteY32"/>
+              </a:cxn>
+              <a:cxn ang="0">
+                <a:pos x="connsiteX33" y="connsiteY33"/>
+              </a:cxn>
+              <a:cxn ang="0">
+                <a:pos x="connsiteX34" y="connsiteY34"/>
+              </a:cxn>
+              <a:cxn ang="0">
+                <a:pos x="connsiteX35" y="connsiteY35"/>
+              </a:cxn>
+              <a:cxn ang="0">
+                <a:pos x="connsiteX36" y="connsiteY36"/>
+              </a:cxn>
+              <a:cxn ang="0">
+                <a:pos x="connsiteX37" y="connsiteY37"/>
+              </a:cxn>
+              <a:cxn ang="0">
+                <a:pos x="connsiteX38" y="connsiteY38"/>
+              </a:cxn>
+              <a:cxn ang="0">
+                <a:pos x="connsiteX39" y="connsiteY39"/>
+              </a:cxn>
+              <a:cxn ang="0">
+                <a:pos x="connsiteX40" y="connsiteY40"/>
+              </a:cxn>
+              <a:cxn ang="0">
+                <a:pos x="connsiteX41" y="connsiteY41"/>
+              </a:cxn>
+              <a:cxn ang="0">
+                <a:pos x="connsiteX42" y="connsiteY42"/>
+              </a:cxn>
+              <a:cxn ang="0">
+                <a:pos x="connsiteX43" y="connsiteY43"/>
+              </a:cxn>
+              <a:cxn ang="0">
+                <a:pos x="connsiteX44" y="connsiteY44"/>
+              </a:cxn>
+              <a:cxn ang="0">
+                <a:pos x="connsiteX45" y="connsiteY45"/>
+              </a:cxn>
+              <a:cxn ang="0">
+                <a:pos x="connsiteX46" y="connsiteY46"/>
+              </a:cxn>
+              <a:cxn ang="0">
+                <a:pos x="connsiteX47" y="connsiteY47"/>
+              </a:cxn>
+              <a:cxn ang="0">
+                <a:pos x="connsiteX48" y="connsiteY48"/>
+              </a:cxn>
+              <a:cxn ang="0">
+                <a:pos x="connsiteX49" y="connsiteY49"/>
+              </a:cxn>
+              <a:cxn ang="0">
+                <a:pos x="connsiteX50" y="connsiteY50"/>
+              </a:cxn>
+              <a:cxn ang="0">
+                <a:pos x="connsiteX51" y="connsiteY51"/>
+              </a:cxn>
+            </a:cxnLst>
+            <a:rect l="l" t="t" r="r" b="b"/>
+            <a:pathLst>
+              <a:path w="7809954" h="6858000">
+                <a:moveTo>
+                  <a:pt x="6465239" y="0"/>
+                </a:moveTo>
+                <a:lnTo>
+                  <a:pt x="7808777" y="0"/>
+                </a:lnTo>
+                <a:lnTo>
+                  <a:pt x="7783732" y="155676"/>
+                </a:lnTo>
+                <a:lnTo>
+                  <a:pt x="7759863" y="310667"/>
+                </a:lnTo>
+                <a:lnTo>
+                  <a:pt x="7736499" y="466344"/>
+                </a:lnTo>
+                <a:lnTo>
+                  <a:pt x="7716496" y="622706"/>
+                </a:lnTo>
+                <a:lnTo>
+                  <a:pt x="7696325" y="778383"/>
+                </a:lnTo>
+                <a:lnTo>
+                  <a:pt x="7677499" y="934745"/>
+                </a:lnTo>
+                <a:lnTo>
+                  <a:pt x="7661363" y="1089050"/>
+                </a:lnTo>
+                <a:lnTo>
+                  <a:pt x="7646067" y="1245413"/>
+                </a:lnTo>
+                <a:lnTo>
+                  <a:pt x="7632115" y="1401089"/>
+                </a:lnTo>
+                <a:lnTo>
+                  <a:pt x="7620013" y="1554023"/>
+                </a:lnTo>
+                <a:lnTo>
+                  <a:pt x="7607910" y="1709013"/>
+                </a:lnTo>
+                <a:lnTo>
+                  <a:pt x="7597825" y="1861947"/>
+                </a:lnTo>
+                <a:lnTo>
+                  <a:pt x="7589925" y="2014880"/>
+                </a:lnTo>
+                <a:lnTo>
+                  <a:pt x="7581688" y="2167128"/>
+                </a:lnTo>
+                <a:lnTo>
+                  <a:pt x="7574797" y="2318004"/>
+                </a:lnTo>
+                <a:lnTo>
+                  <a:pt x="7569922" y="2467508"/>
+                </a:lnTo>
+                <a:lnTo>
+                  <a:pt x="7565720" y="2617013"/>
+                </a:lnTo>
+                <a:lnTo>
+                  <a:pt x="7561686" y="2765145"/>
+                </a:lnTo>
+                <a:lnTo>
+                  <a:pt x="7559837" y="2911221"/>
+                </a:lnTo>
+                <a:lnTo>
+                  <a:pt x="7557820" y="3057296"/>
+                </a:lnTo>
+                <a:lnTo>
+                  <a:pt x="7556811" y="3201314"/>
+                </a:lnTo>
+                <a:lnTo>
+                  <a:pt x="7557820" y="3343960"/>
+                </a:lnTo>
+                <a:lnTo>
+                  <a:pt x="7557820" y="3485235"/>
+                </a:lnTo>
+                <a:lnTo>
+                  <a:pt x="7559837" y="3625138"/>
+                </a:lnTo>
+                <a:lnTo>
+                  <a:pt x="7562862" y="3762298"/>
+                </a:lnTo>
+                <a:lnTo>
+                  <a:pt x="7565720" y="3898087"/>
+                </a:lnTo>
+                <a:lnTo>
+                  <a:pt x="7568914" y="4031132"/>
+                </a:lnTo>
+                <a:lnTo>
+                  <a:pt x="7573788" y="4163491"/>
+                </a:lnTo>
+                <a:lnTo>
+                  <a:pt x="7578999" y="4293793"/>
+                </a:lnTo>
+                <a:lnTo>
+                  <a:pt x="7583705" y="4421352"/>
+                </a:lnTo>
+                <a:lnTo>
+                  <a:pt x="7596985" y="4670298"/>
+                </a:lnTo>
+                <a:lnTo>
+                  <a:pt x="7611104" y="4908956"/>
+                </a:lnTo>
+                <a:lnTo>
+                  <a:pt x="7625896" y="5138013"/>
+                </a:lnTo>
+                <a:lnTo>
+                  <a:pt x="7642201" y="5354726"/>
+                </a:lnTo>
+                <a:lnTo>
+                  <a:pt x="7659178" y="5561838"/>
+                </a:lnTo>
+                <a:lnTo>
+                  <a:pt x="7677499" y="5753862"/>
+                </a:lnTo>
+                <a:lnTo>
+                  <a:pt x="7695485" y="5934227"/>
+                </a:lnTo>
+                <a:lnTo>
+                  <a:pt x="7713470" y="6100191"/>
+                </a:lnTo>
+                <a:lnTo>
+                  <a:pt x="7730447" y="6252438"/>
+                </a:lnTo>
+                <a:lnTo>
+                  <a:pt x="7746584" y="6387541"/>
+                </a:lnTo>
+                <a:lnTo>
+                  <a:pt x="7761880" y="6509613"/>
+                </a:lnTo>
+                <a:lnTo>
+                  <a:pt x="7774655" y="6612483"/>
+                </a:lnTo>
+                <a:lnTo>
+                  <a:pt x="7786757" y="6698894"/>
+                </a:lnTo>
+                <a:lnTo>
+                  <a:pt x="7804071" y="6817538"/>
+                </a:lnTo>
+                <a:lnTo>
+                  <a:pt x="7809954" y="6858000"/>
+                </a:lnTo>
+                <a:lnTo>
+                  <a:pt x="7157124" y="6858000"/>
+                </a:lnTo>
+                <a:lnTo>
+                  <a:pt x="7157124" y="6858000"/>
+                </a:lnTo>
+                <a:lnTo>
+                  <a:pt x="0" y="6858000"/>
+                </a:lnTo>
+                <a:lnTo>
+                  <a:pt x="0" y="0"/>
+                </a:lnTo>
+                <a:lnTo>
+                  <a:pt x="6465239" y="0"/>
+                </a:lnTo>
+                <a:close/>
+              </a:path>
+            </a:pathLst>
+          </a:custGeom>
+          <a:ln>
+            <a:noFill/>
+          </a:ln>
+        </p:spPr>
+        <p:style>
+          <a:lnRef idx="2">
+            <a:schemeClr val="accent1">
+              <a:shade val="50000"/>
+            </a:schemeClr>
+          </a:lnRef>
+          <a:fillRef idx="1">
+            <a:schemeClr val="accent1"/>
+          </a:fillRef>
+          <a:effectRef idx="0">
+            <a:schemeClr val="accent1"/>
+          </a:effectRef>
+          <a:fontRef idx="minor">
+            <a:schemeClr val="lt1"/>
+          </a:fontRef>
+        </p:style>
+        <p:txBody>
+          <a:bodyPr wrap="square" rtlCol="0" anchor="ctr">
+            <a:noAutofit/>
+          </a:bodyPr>
+          <a:lstStyle/>
+          <a:p>
+            <a:pPr algn="ctr"/>
+            <a:endParaRPr lang="en-US"/>
+          </a:p>
+        </p:txBody>
+      </p:sp>
+      <p:sp>
+        <p:nvSpPr>
+          <p:cNvPr id="28" name="Rectangle 27">
+            <a:extLst>
+              <a:ext uri="{FF2B5EF4-FFF2-40B4-BE49-F238E27FC236}">
+                <a16:creationId xmlns:a16="http://schemas.microsoft.com/office/drawing/2014/main" id="{F98810A7-E114-447A-A7D6-69B27CFB5650}"/>
+              </a:ext>
+              <a:ext uri="{C183D7F6-B498-43B3-948B-1728B52AA6E4}">
+                <adec:decorative xmlns:adec="http://schemas.microsoft.com/office/drawing/2017/decorative" val="1"/>
+              </a:ext>
+            </a:extLst>
+          </p:cNvPr>
+          <p:cNvSpPr>
+            <a:spLocks noGrp="1" noRot="1" noChangeAspect="1" noMove="1" noResize="1" noEditPoints="1" noAdjustHandles="1" noChangeArrowheads="1" noChangeShapeType="1" noTextEdit="1"/>
+          </p:cNvSpPr>
+          <p:nvPr>
+            <p:extLst>
+              <p:ext uri="{386F3935-93C4-4BCD-93E2-E3B085C9AB24}">
+                <p16:designElem xmlns:p16="http://schemas.microsoft.com/office/powerpoint/2015/main" val="1"/>
+              </p:ext>
+            </p:extLst>
+          </p:nvPr>
+        </p:nvSpPr>
+        <p:spPr>
+          <a:xfrm>
+            <a:off x="10437812" y="0"/>
+            <a:ext cx="685800" cy="1143000"/>
+          </a:xfrm>
+          <a:prstGeom prst="rect">
+            <a:avLst/>
+          </a:prstGeom>
+          <a:solidFill>
+            <a:schemeClr val="accent1"/>
+          </a:solidFill>
+          <a:ln>
+            <a:noFill/>
+          </a:ln>
+        </p:spPr>
+        <p:style>
+          <a:lnRef idx="1">
+            <a:schemeClr val="accent1"/>
+          </a:lnRef>
+          <a:fillRef idx="3">
+            <a:schemeClr val="accent1"/>
+          </a:fillRef>
+          <a:effectRef idx="2">
+            <a:schemeClr val="accent1"/>
+          </a:effectRef>
+          <a:fontRef idx="minor">
+            <a:schemeClr val="lt1"/>
+          </a:fontRef>
+        </p:style>
+      </p:sp>
+      <p:pic>
+        <p:nvPicPr>
+          <p:cNvPr id="5" name="Content Placeholder 4">
+            <a:extLst>
+              <a:ext uri="{FF2B5EF4-FFF2-40B4-BE49-F238E27FC236}">
+                <a16:creationId xmlns:a16="http://schemas.microsoft.com/office/drawing/2014/main" id="{2189A265-F964-4DC9-A173-3A461E8C97A5}"/>
+              </a:ext>
+            </a:extLst>
+          </p:cNvPr>
+          <p:cNvPicPr>
+            <a:picLocks noGrp="1" noChangeAspect="1"/>
+          </p:cNvPicPr>
+          <p:nvPr>
+            <p:ph idx="1"/>
+          </p:nvPr>
+        </p:nvPicPr>
+        <p:blipFill>
+          <a:blip r:embed="rId6">
+            <a:extLst>
+              <a:ext uri="{28A0092B-C50C-407E-A947-70E740481C1C}">
+                <a14:useLocalDpi xmlns:a14="http://schemas.microsoft.com/office/drawing/2010/main" val="0"/>
+              </a:ext>
+            </a:extLst>
+          </a:blip>
+          <a:stretch>
+            <a:fillRect/>
+          </a:stretch>
+        </p:blipFill>
+        <p:spPr>
+          <a:xfrm>
+            <a:off x="266650" y="858129"/>
+            <a:ext cx="7277576" cy="5515795"/>
+          </a:xfrm>
+          <a:prstGeom prst="rect">
+            <a:avLst/>
+          </a:prstGeom>
+          <a:effectLst/>
+        </p:spPr>
+      </p:pic>
+    </p:spTree>
+    <p:extLst>
+      <p:ext uri="{BB962C8B-B14F-4D97-AF65-F5344CB8AC3E}">
+        <p14:creationId xmlns:p14="http://schemas.microsoft.com/office/powerpoint/2010/main" val="470431262"/>
+      </p:ext>
+    </p:extLst>
+  </p:cSld>
+  <p:clrMapOvr>
+    <a:overrideClrMapping bg1="lt1" tx1="dk1" bg2="lt2" tx2="dk2" accent1="accent1" accent2="accent2" accent3="accent3" accent4="accent4" accent5="accent5" accent6="accent6" hlink="hlink" folHlink="folHlink"/>
+  </p:clrMapOvr>
+</p:sld>
+</file>
+
+<file path=ppt/slides/slide9.xml><?xml version="1.0" encoding="utf-8"?>
+<p:sld xmlns:a="http://schemas.openxmlformats.org/drawingml/2006/main" xmlns:r="http://schemas.openxmlformats.org/officeDocument/2006/relationships" xmlns:p="http://schemas.openxmlformats.org/presentationml/2006/main">
+  <p:cSld>
+    <p:spTree>
+      <p:nvGrpSpPr>
+        <p:cNvPr id="1" name=""/>
+        <p:cNvGrpSpPr/>
+        <p:nvPr/>
+      </p:nvGrpSpPr>
+      <p:grpSpPr>
+        <a:xfrm>
+          <a:off x="0" y="0"/>
+          <a:ext cx="0" cy="0"/>
+          <a:chOff x="0" y="0"/>
+          <a:chExt cx="0" cy="0"/>
+        </a:xfrm>
+      </p:grpSpPr>
+      <p:sp>
+        <p:nvSpPr>
+          <p:cNvPr id="2" name="Title 1">
+            <a:extLst>
+              <a:ext uri="{FF2B5EF4-FFF2-40B4-BE49-F238E27FC236}">
+                <a16:creationId xmlns:a16="http://schemas.microsoft.com/office/drawing/2014/main" id="{37FF61C3-2FCD-4FC1-BD7B-974901F33640}"/>
+              </a:ext>
+            </a:extLst>
+          </p:cNvPr>
+          <p:cNvSpPr>
+            <a:spLocks noGrp="1"/>
+          </p:cNvSpPr>
+          <p:nvPr>
+            <p:ph type="title"/>
+          </p:nvPr>
+        </p:nvSpPr>
+        <p:spPr/>
+        <p:txBody>
+          <a:bodyPr/>
+          <a:lstStyle/>
+          <a:p>
+            <a:r>
+              <a:rPr lang="en-GB" dirty="0"/>
+              <a:t>Questions?</a:t>
+            </a:r>
+          </a:p>
+        </p:txBody>
+      </p:sp>
+      <p:sp>
+        <p:nvSpPr>
+          <p:cNvPr id="3" name="Content Placeholder 2">
+            <a:extLst>
+              <a:ext uri="{FF2B5EF4-FFF2-40B4-BE49-F238E27FC236}">
+                <a16:creationId xmlns:a16="http://schemas.microsoft.com/office/drawing/2014/main" id="{CCDE6BAC-41D2-4B36-970F-B88817A97F4B}"/>
+              </a:ext>
+            </a:extLst>
+          </p:cNvPr>
+          <p:cNvSpPr>
+            <a:spLocks noGrp="1"/>
+          </p:cNvSpPr>
+          <p:nvPr>
+            <p:ph idx="1"/>
+          </p:nvPr>
+        </p:nvSpPr>
+        <p:spPr/>
+        <p:txBody>
+          <a:bodyPr/>
+          <a:lstStyle/>
+          <a:p>
+            <a:endParaRPr lang="en-GB"/>
+          </a:p>
+        </p:txBody>
+      </p:sp>
+    </p:spTree>
+    <p:extLst>
+      <p:ext uri="{BB962C8B-B14F-4D97-AF65-F5344CB8AC3E}">
+        <p14:creationId xmlns:p14="http://schemas.microsoft.com/office/powerpoint/2010/main" val="2354741826"/>
       </p:ext>
     </p:extLst>
   </p:cSld>

--- a/documents/interim-presentation/Machine Learning Using Python Frameworks.pptx
+++ b/documents/interim-presentation/Machine Learning Using Python Frameworks.pptx
@@ -6,14 +6,13 @@
   </p:sldMasterIdLst>
   <p:sldIdLst>
     <p:sldId id="256" r:id="rId2"/>
-    <p:sldId id="257" r:id="rId3"/>
-    <p:sldId id="258" r:id="rId4"/>
-    <p:sldId id="259" r:id="rId5"/>
-    <p:sldId id="260" r:id="rId6"/>
-    <p:sldId id="261" r:id="rId7"/>
-    <p:sldId id="262" r:id="rId8"/>
-    <p:sldId id="263" r:id="rId9"/>
-    <p:sldId id="264" r:id="rId10"/>
+    <p:sldId id="258" r:id="rId3"/>
+    <p:sldId id="259" r:id="rId4"/>
+    <p:sldId id="260" r:id="rId5"/>
+    <p:sldId id="261" r:id="rId6"/>
+    <p:sldId id="262" r:id="rId7"/>
+    <p:sldId id="263" r:id="rId8"/>
+    <p:sldId id="264" r:id="rId9"/>
   </p:sldIdLst>
   <p:sldSz cx="12192000" cy="6858000"/>
   <p:notesSz cx="6858000" cy="9144000"/>
@@ -306,7 +305,7 @@
           <a:p>
             <a:fld id="{5F0642D3-31F3-44FF-9B63-ED2367CC176B}" type="datetimeFigureOut">
               <a:rPr lang="en-GB" smtClean="0"/>
-              <a:t>23/10/2019</a:t>
+              <a:t>28/10/2019</a:t>
             </a:fld>
             <a:endParaRPr lang="en-GB"/>
           </a:p>
@@ -581,7 +580,7 @@
           <a:p>
             <a:fld id="{5F0642D3-31F3-44FF-9B63-ED2367CC176B}" type="datetimeFigureOut">
               <a:rPr lang="en-GB" smtClean="0"/>
-              <a:t>23/10/2019</a:t>
+              <a:t>28/10/2019</a:t>
             </a:fld>
             <a:endParaRPr lang="en-GB"/>
           </a:p>
@@ -775,7 +774,7 @@
           <a:p>
             <a:fld id="{5F0642D3-31F3-44FF-9B63-ED2367CC176B}" type="datetimeFigureOut">
               <a:rPr lang="en-GB" smtClean="0"/>
-              <a:t>23/10/2019</a:t>
+              <a:t>28/10/2019</a:t>
             </a:fld>
             <a:endParaRPr lang="en-GB"/>
           </a:p>
@@ -1048,7 +1047,7 @@
           <a:p>
             <a:fld id="{5F0642D3-31F3-44FF-9B63-ED2367CC176B}" type="datetimeFigureOut">
               <a:rPr lang="en-GB" smtClean="0"/>
-              <a:t>23/10/2019</a:t>
+              <a:t>28/10/2019</a:t>
             </a:fld>
             <a:endParaRPr lang="en-GB"/>
           </a:p>
@@ -1389,7 +1388,7 @@
           <a:p>
             <a:fld id="{5F0642D3-31F3-44FF-9B63-ED2367CC176B}" type="datetimeFigureOut">
               <a:rPr lang="en-GB" smtClean="0"/>
-              <a:t>23/10/2019</a:t>
+              <a:t>28/10/2019</a:t>
             </a:fld>
             <a:endParaRPr lang="en-GB"/>
           </a:p>
@@ -2012,7 +2011,7 @@
           <a:p>
             <a:fld id="{5F0642D3-31F3-44FF-9B63-ED2367CC176B}" type="datetimeFigureOut">
               <a:rPr lang="en-GB" smtClean="0"/>
-              <a:t>23/10/2019</a:t>
+              <a:t>28/10/2019</a:t>
             </a:fld>
             <a:endParaRPr lang="en-GB"/>
           </a:p>
@@ -2872,7 +2871,7 @@
           <a:p>
             <a:fld id="{5F0642D3-31F3-44FF-9B63-ED2367CC176B}" type="datetimeFigureOut">
               <a:rPr lang="en-GB" smtClean="0"/>
-              <a:t>23/10/2019</a:t>
+              <a:t>28/10/2019</a:t>
             </a:fld>
             <a:endParaRPr lang="en-GB"/>
           </a:p>
@@ -3042,7 +3041,7 @@
           <a:p>
             <a:fld id="{5F0642D3-31F3-44FF-9B63-ED2367CC176B}" type="datetimeFigureOut">
               <a:rPr lang="en-GB" smtClean="0"/>
-              <a:t>23/10/2019</a:t>
+              <a:t>28/10/2019</a:t>
             </a:fld>
             <a:endParaRPr lang="en-GB"/>
           </a:p>
@@ -3222,7 +3221,7 @@
           <a:p>
             <a:fld id="{5F0642D3-31F3-44FF-9B63-ED2367CC176B}" type="datetimeFigureOut">
               <a:rPr lang="en-GB" smtClean="0"/>
-              <a:t>23/10/2019</a:t>
+              <a:t>28/10/2019</a:t>
             </a:fld>
             <a:endParaRPr lang="en-GB"/>
           </a:p>
@@ -3392,7 +3391,7 @@
           <a:p>
             <a:fld id="{5F0642D3-31F3-44FF-9B63-ED2367CC176B}" type="datetimeFigureOut">
               <a:rPr lang="en-GB" smtClean="0"/>
-              <a:t>23/10/2019</a:t>
+              <a:t>28/10/2019</a:t>
             </a:fld>
             <a:endParaRPr lang="en-GB"/>
           </a:p>
@@ -3639,7 +3638,7 @@
           <a:p>
             <a:fld id="{5F0642D3-31F3-44FF-9B63-ED2367CC176B}" type="datetimeFigureOut">
               <a:rPr lang="en-GB" smtClean="0"/>
-              <a:t>23/10/2019</a:t>
+              <a:t>28/10/2019</a:t>
             </a:fld>
             <a:endParaRPr lang="en-GB"/>
           </a:p>
@@ -3931,7 +3930,7 @@
           <a:p>
             <a:fld id="{5F0642D3-31F3-44FF-9B63-ED2367CC176B}" type="datetimeFigureOut">
               <a:rPr lang="en-GB" smtClean="0"/>
-              <a:t>23/10/2019</a:t>
+              <a:t>28/10/2019</a:t>
             </a:fld>
             <a:endParaRPr lang="en-GB"/>
           </a:p>
@@ -4375,7 +4374,7 @@
           <a:p>
             <a:fld id="{5F0642D3-31F3-44FF-9B63-ED2367CC176B}" type="datetimeFigureOut">
               <a:rPr lang="en-GB" smtClean="0"/>
-              <a:t>23/10/2019</a:t>
+              <a:t>28/10/2019</a:t>
             </a:fld>
             <a:endParaRPr lang="en-GB"/>
           </a:p>
@@ -4493,7 +4492,7 @@
           <a:p>
             <a:fld id="{5F0642D3-31F3-44FF-9B63-ED2367CC176B}" type="datetimeFigureOut">
               <a:rPr lang="en-GB" smtClean="0"/>
-              <a:t>23/10/2019</a:t>
+              <a:t>28/10/2019</a:t>
             </a:fld>
             <a:endParaRPr lang="en-GB"/>
           </a:p>
@@ -4588,7 +4587,7 @@
           <a:p>
             <a:fld id="{5F0642D3-31F3-44FF-9B63-ED2367CC176B}" type="datetimeFigureOut">
               <a:rPr lang="en-GB" smtClean="0"/>
-              <a:t>23/10/2019</a:t>
+              <a:t>28/10/2019</a:t>
             </a:fld>
             <a:endParaRPr lang="en-GB"/>
           </a:p>
@@ -4867,7 +4866,7 @@
           <a:p>
             <a:fld id="{5F0642D3-31F3-44FF-9B63-ED2367CC176B}" type="datetimeFigureOut">
               <a:rPr lang="en-GB" smtClean="0"/>
-              <a:t>23/10/2019</a:t>
+              <a:t>28/10/2019</a:t>
             </a:fld>
             <a:endParaRPr lang="en-GB"/>
           </a:p>
@@ -5142,7 +5141,7 @@
           <a:p>
             <a:fld id="{5F0642D3-31F3-44FF-9B63-ED2367CC176B}" type="datetimeFigureOut">
               <a:rPr lang="en-GB" smtClean="0"/>
-              <a:t>23/10/2019</a:t>
+              <a:t>28/10/2019</a:t>
             </a:fld>
             <a:endParaRPr lang="en-GB"/>
           </a:p>
@@ -5571,7 +5570,7 @@
           <a:p>
             <a:fld id="{5F0642D3-31F3-44FF-9B63-ED2367CC176B}" type="datetimeFigureOut">
               <a:rPr lang="en-GB" smtClean="0"/>
-              <a:t>23/10/2019</a:t>
+              <a:t>28/10/2019</a:t>
             </a:fld>
             <a:endParaRPr lang="en-GB"/>
           </a:p>
@@ -6236,7 +6235,7 @@
           <p:cNvPr id="2" name="Title 1">
             <a:extLst>
               <a:ext uri="{FF2B5EF4-FFF2-40B4-BE49-F238E27FC236}">
-                <a16:creationId xmlns:a16="http://schemas.microsoft.com/office/drawing/2014/main" id="{3F0709DD-FFE7-4F7D-9D75-100014D8777F}"/>
+                <a16:creationId xmlns:a16="http://schemas.microsoft.com/office/drawing/2014/main" id="{ACD48431-8B5D-4D46-86F4-9F29FFE138D8}"/>
               </a:ext>
             </a:extLst>
           </p:cNvPr>
@@ -6254,7 +6253,7 @@
           <a:p>
             <a:r>
               <a:rPr lang="en-GB" dirty="0"/>
-              <a:t>Overview</a:t>
+              <a:t>Introduction</a:t>
             </a:r>
           </a:p>
         </p:txBody>
@@ -6264,7 +6263,7 @@
           <p:cNvPr id="3" name="Content Placeholder 2">
             <a:extLst>
               <a:ext uri="{FF2B5EF4-FFF2-40B4-BE49-F238E27FC236}">
-                <a16:creationId xmlns:a16="http://schemas.microsoft.com/office/drawing/2014/main" id="{2856AD23-7B59-4D74-8FAE-341EE0D15138}"/>
+                <a16:creationId xmlns:a16="http://schemas.microsoft.com/office/drawing/2014/main" id="{A6261A07-F56B-4989-BF9C-7D209348B50F}"/>
               </a:ext>
             </a:extLst>
           </p:cNvPr>
@@ -6280,20 +6279,54 @@
           <a:bodyPr/>
           <a:lstStyle/>
           <a:p>
+            <a:pPr marL="0" indent="0">
+              <a:buNone/>
+            </a:pPr>
             <a:r>
               <a:rPr lang="en-GB" dirty="0"/>
-              <a:t>Introduction</a:t>
-            </a:r>
-          </a:p>
-          <a:p>
-            <a:endParaRPr lang="en-GB" dirty="0"/>
+              <a:t>Advances in machine learning, particularly deep learning, in recent years have allowed previously challenging or even impossible programming problems to be solved.</a:t>
+            </a:r>
+          </a:p>
+          <a:p>
+            <a:pPr marL="0" indent="0">
+              <a:buNone/>
+            </a:pPr>
+            <a:r>
+              <a:rPr lang="en-GB" dirty="0"/>
+              <a:t>My project aims to look at the current landscape of machine learning through Python frameworks, such as </a:t>
+            </a:r>
+            <a:r>
+              <a:rPr lang="en-GB" dirty="0" err="1"/>
+              <a:t>Scikit</a:t>
+            </a:r>
+            <a:r>
+              <a:rPr lang="en-GB" dirty="0"/>
+              <a:t>-Learn and </a:t>
+            </a:r>
+            <a:r>
+              <a:rPr lang="en-GB" dirty="0" err="1"/>
+              <a:t>Tensorflow</a:t>
+            </a:r>
+            <a:r>
+              <a:rPr lang="en-GB" dirty="0"/>
+              <a:t>.</a:t>
+            </a:r>
+          </a:p>
+          <a:p>
+            <a:pPr marL="0" indent="0">
+              <a:buNone/>
+            </a:pPr>
+            <a:r>
+              <a:rPr lang="en-GB" dirty="0"/>
+              <a:t>Here I am going to cover my plans for this project.</a:t>
+            </a:r>
           </a:p>
         </p:txBody>
       </p:sp>
     </p:spTree>
     <p:extLst>
       <p:ext uri="{BB962C8B-B14F-4D97-AF65-F5344CB8AC3E}">
-        <p14:creationId xmlns:p14="http://schemas.microsoft.com/office/powerpoint/2010/main" val="3597820503"/>
+        <p14:creationId xmlns:p14="http://schemas.microsoft.com/office/powerpoint/2010/main" val="4238689097"/>
       </p:ext>
     </p:extLst>
   </p:cSld>
@@ -6325,129 +6358,6 @@
           <p:cNvPr id="2" name="Title 1">
             <a:extLst>
               <a:ext uri="{FF2B5EF4-FFF2-40B4-BE49-F238E27FC236}">
-                <a16:creationId xmlns:a16="http://schemas.microsoft.com/office/drawing/2014/main" id="{ACD48431-8B5D-4D46-86F4-9F29FFE138D8}"/>
-              </a:ext>
-            </a:extLst>
-          </p:cNvPr>
-          <p:cNvSpPr>
-            <a:spLocks noGrp="1"/>
-          </p:cNvSpPr>
-          <p:nvPr>
-            <p:ph type="title"/>
-          </p:nvPr>
-        </p:nvSpPr>
-        <p:spPr/>
-        <p:txBody>
-          <a:bodyPr/>
-          <a:lstStyle/>
-          <a:p>
-            <a:r>
-              <a:rPr lang="en-GB" dirty="0"/>
-              <a:t>Introduction</a:t>
-            </a:r>
-          </a:p>
-        </p:txBody>
-      </p:sp>
-      <p:sp>
-        <p:nvSpPr>
-          <p:cNvPr id="3" name="Content Placeholder 2">
-            <a:extLst>
-              <a:ext uri="{FF2B5EF4-FFF2-40B4-BE49-F238E27FC236}">
-                <a16:creationId xmlns:a16="http://schemas.microsoft.com/office/drawing/2014/main" id="{A6261A07-F56B-4989-BF9C-7D209348B50F}"/>
-              </a:ext>
-            </a:extLst>
-          </p:cNvPr>
-          <p:cNvSpPr>
-            <a:spLocks noGrp="1"/>
-          </p:cNvSpPr>
-          <p:nvPr>
-            <p:ph idx="1"/>
-          </p:nvPr>
-        </p:nvSpPr>
-        <p:spPr/>
-        <p:txBody>
-          <a:bodyPr/>
-          <a:lstStyle/>
-          <a:p>
-            <a:pPr marL="0" indent="0">
-              <a:buNone/>
-            </a:pPr>
-            <a:r>
-              <a:rPr lang="en-GB" dirty="0"/>
-              <a:t>Advances in machine learning, particularly deep learning, in recent years have allowed previously challenging or even impossible programming problems to be solved.</a:t>
-            </a:r>
-          </a:p>
-          <a:p>
-            <a:pPr marL="0" indent="0">
-              <a:buNone/>
-            </a:pPr>
-            <a:r>
-              <a:rPr lang="en-GB" dirty="0"/>
-              <a:t>My project aims to look at the current landscape of machine learning through Python frameworks, such as </a:t>
-            </a:r>
-            <a:r>
-              <a:rPr lang="en-GB" dirty="0" err="1"/>
-              <a:t>Scikit</a:t>
-            </a:r>
-            <a:r>
-              <a:rPr lang="en-GB" dirty="0"/>
-              <a:t>-Learn and </a:t>
-            </a:r>
-            <a:r>
-              <a:rPr lang="en-GB" dirty="0" err="1"/>
-              <a:t>Tensorflow</a:t>
-            </a:r>
-            <a:r>
-              <a:rPr lang="en-GB" dirty="0"/>
-              <a:t>.</a:t>
-            </a:r>
-          </a:p>
-          <a:p>
-            <a:pPr marL="0" indent="0">
-              <a:buNone/>
-            </a:pPr>
-            <a:r>
-              <a:rPr lang="en-GB" dirty="0"/>
-              <a:t>Here I am going to cover my plans for this project.</a:t>
-            </a:r>
-          </a:p>
-        </p:txBody>
-      </p:sp>
-    </p:spTree>
-    <p:extLst>
-      <p:ext uri="{BB962C8B-B14F-4D97-AF65-F5344CB8AC3E}">
-        <p14:creationId xmlns:p14="http://schemas.microsoft.com/office/powerpoint/2010/main" val="4238689097"/>
-      </p:ext>
-    </p:extLst>
-  </p:cSld>
-  <p:clrMapOvr>
-    <a:masterClrMapping/>
-  </p:clrMapOvr>
-</p:sld>
-</file>
-
-<file path=ppt/slides/slide4.xml><?xml version="1.0" encoding="utf-8"?>
-<p:sld xmlns:a="http://schemas.openxmlformats.org/drawingml/2006/main" xmlns:r="http://schemas.openxmlformats.org/officeDocument/2006/relationships" xmlns:p="http://schemas.openxmlformats.org/presentationml/2006/main">
-  <p:cSld>
-    <p:spTree>
-      <p:nvGrpSpPr>
-        <p:cNvPr id="1" name=""/>
-        <p:cNvGrpSpPr/>
-        <p:nvPr/>
-      </p:nvGrpSpPr>
-      <p:grpSpPr>
-        <a:xfrm>
-          <a:off x="0" y="0"/>
-          <a:ext cx="0" cy="0"/>
-          <a:chOff x="0" y="0"/>
-          <a:chExt cx="0" cy="0"/>
-        </a:xfrm>
-      </p:grpSpPr>
-      <p:sp>
-        <p:nvSpPr>
-          <p:cNvPr id="2" name="Title 1">
-            <a:extLst>
-              <a:ext uri="{FF2B5EF4-FFF2-40B4-BE49-F238E27FC236}">
                 <a16:creationId xmlns:a16="http://schemas.microsoft.com/office/drawing/2014/main" id="{A84EB1FB-C1B6-4CFE-9AA3-B539C390E1EF}"/>
               </a:ext>
             </a:extLst>
@@ -6545,7 +6455,7 @@
 </p:sld>
 </file>
 
-<file path=ppt/slides/slide5.xml><?xml version="1.0" encoding="utf-8"?>
+<file path=ppt/slides/slide4.xml><?xml version="1.0" encoding="utf-8"?>
 <p:sld xmlns:a="http://schemas.openxmlformats.org/drawingml/2006/main" xmlns:r="http://schemas.openxmlformats.org/officeDocument/2006/relationships" xmlns:p="http://schemas.openxmlformats.org/presentationml/2006/main">
   <p:cSld>
     <p:bg>
@@ -6780,7 +6690,7 @@
 </p:sld>
 </file>
 
-<file path=ppt/slides/slide6.xml><?xml version="1.0" encoding="utf-8"?>
+<file path=ppt/slides/slide5.xml><?xml version="1.0" encoding="utf-8"?>
 <p:sld xmlns:a="http://schemas.openxmlformats.org/drawingml/2006/main" xmlns:r="http://schemas.openxmlformats.org/officeDocument/2006/relationships" xmlns:p="http://schemas.openxmlformats.org/presentationml/2006/main">
   <p:cSld>
     <p:spTree>
@@ -6872,7 +6782,7 @@
 </p:sld>
 </file>
 
-<file path=ppt/slides/slide7.xml><?xml version="1.0" encoding="utf-8"?>
+<file path=ppt/slides/slide6.xml><?xml version="1.0" encoding="utf-8"?>
 <p:sld xmlns:a="http://schemas.openxmlformats.org/drawingml/2006/main" xmlns:r="http://schemas.openxmlformats.org/officeDocument/2006/relationships" xmlns:p="http://schemas.openxmlformats.org/presentationml/2006/main">
   <p:cSld>
     <p:bg>
@@ -7973,7 +7883,7 @@
 </p:sld>
 </file>
 
-<file path=ppt/slides/slide8.xml><?xml version="1.0" encoding="utf-8"?>
+<file path=ppt/slides/slide7.xml><?xml version="1.0" encoding="utf-8"?>
 <p:sld xmlns:a="http://schemas.openxmlformats.org/drawingml/2006/main" xmlns:r="http://schemas.openxmlformats.org/officeDocument/2006/relationships" xmlns:p="http://schemas.openxmlformats.org/presentationml/2006/main">
   <p:cSld>
     <p:bg>
@@ -9355,7 +9265,7 @@
 </p:sld>
 </file>
 
-<file path=ppt/slides/slide9.xml><?xml version="1.0" encoding="utf-8"?>
+<file path=ppt/slides/slide8.xml><?xml version="1.0" encoding="utf-8"?>
 <p:sld xmlns:a="http://schemas.openxmlformats.org/drawingml/2006/main" xmlns:r="http://schemas.openxmlformats.org/officeDocument/2006/relationships" xmlns:p="http://schemas.openxmlformats.org/presentationml/2006/main">
   <p:cSld>
     <p:spTree>

--- a/documents/interim-presentation/Machine Learning Using Python Frameworks.pptx
+++ b/documents/interim-presentation/Machine Learning Using Python Frameworks.pptx
@@ -2,8 +2,11 @@
 <file path=ppt/presentation.xml><?xml version="1.0" encoding="utf-8"?>
 <p:presentation xmlns:a="http://schemas.openxmlformats.org/drawingml/2006/main" xmlns:r="http://schemas.openxmlformats.org/officeDocument/2006/relationships" xmlns:p="http://schemas.openxmlformats.org/presentationml/2006/main" saveSubsetFonts="1">
   <p:sldMasterIdLst>
-    <p:sldMasterId id="2147483696" r:id="rId1"/>
+    <p:sldMasterId id="2147483726" r:id="rId1"/>
   </p:sldMasterIdLst>
+  <p:notesMasterIdLst>
+    <p:notesMasterId r:id="rId12"/>
+  </p:notesMasterIdLst>
   <p:sldIdLst>
     <p:sldId id="256" r:id="rId2"/>
     <p:sldId id="258" r:id="rId3"/>
@@ -11,8 +14,10 @@
     <p:sldId id="260" r:id="rId5"/>
     <p:sldId id="261" r:id="rId6"/>
     <p:sldId id="262" r:id="rId7"/>
-    <p:sldId id="263" r:id="rId8"/>
-    <p:sldId id="264" r:id="rId9"/>
+    <p:sldId id="266" r:id="rId8"/>
+    <p:sldId id="263" r:id="rId9"/>
+    <p:sldId id="265" r:id="rId10"/>
+    <p:sldId id="264" r:id="rId11"/>
   </p:sldIdLst>
   <p:sldSz cx="12192000" cy="6858000"/>
   <p:notesSz cx="6858000" cy="9144000"/>
@@ -119,6 +124,356 @@
 </p:presentation>
 </file>
 
+<file path=ppt/notesMasters/notesMaster1.xml><?xml version="1.0" encoding="utf-8"?>
+<p:notesMaster xmlns:a="http://schemas.openxmlformats.org/drawingml/2006/main" xmlns:r="http://schemas.openxmlformats.org/officeDocument/2006/relationships" xmlns:p="http://schemas.openxmlformats.org/presentationml/2006/main">
+  <p:cSld>
+    <p:bg>
+      <p:bgRef idx="1001">
+        <a:schemeClr val="bg1"/>
+      </p:bgRef>
+    </p:bg>
+    <p:spTree>
+      <p:nvGrpSpPr>
+        <p:cNvPr id="1" name=""/>
+        <p:cNvGrpSpPr/>
+        <p:nvPr/>
+      </p:nvGrpSpPr>
+      <p:grpSpPr>
+        <a:xfrm>
+          <a:off x="0" y="0"/>
+          <a:ext cx="0" cy="0"/>
+          <a:chOff x="0" y="0"/>
+          <a:chExt cx="0" cy="0"/>
+        </a:xfrm>
+      </p:grpSpPr>
+      <p:sp>
+        <p:nvSpPr>
+          <p:cNvPr id="2" name="Header Placeholder 1"/>
+          <p:cNvSpPr>
+            <a:spLocks noGrp="1"/>
+          </p:cNvSpPr>
+          <p:nvPr>
+            <p:ph type="hdr" sz="quarter"/>
+          </p:nvPr>
+        </p:nvSpPr>
+        <p:spPr>
+          <a:xfrm>
+            <a:off x="0" y="0"/>
+            <a:ext cx="2971800" cy="458788"/>
+          </a:xfrm>
+          <a:prstGeom prst="rect">
+            <a:avLst/>
+          </a:prstGeom>
+        </p:spPr>
+        <p:txBody>
+          <a:bodyPr vert="horz" lIns="91440" tIns="45720" rIns="91440" bIns="45720" rtlCol="0"/>
+          <a:lstStyle>
+            <a:lvl1pPr algn="l">
+              <a:defRPr sz="1200"/>
+            </a:lvl1pPr>
+          </a:lstStyle>
+          <a:p>
+            <a:endParaRPr lang="en-IE"/>
+          </a:p>
+        </p:txBody>
+      </p:sp>
+      <p:sp>
+        <p:nvSpPr>
+          <p:cNvPr id="3" name="Date Placeholder 2"/>
+          <p:cNvSpPr>
+            <a:spLocks noGrp="1"/>
+          </p:cNvSpPr>
+          <p:nvPr>
+            <p:ph type="dt" idx="1"/>
+          </p:nvPr>
+        </p:nvSpPr>
+        <p:spPr>
+          <a:xfrm>
+            <a:off x="3884613" y="0"/>
+            <a:ext cx="2971800" cy="458788"/>
+          </a:xfrm>
+          <a:prstGeom prst="rect">
+            <a:avLst/>
+          </a:prstGeom>
+        </p:spPr>
+        <p:txBody>
+          <a:bodyPr vert="horz" lIns="91440" tIns="45720" rIns="91440" bIns="45720" rtlCol="0"/>
+          <a:lstStyle>
+            <a:lvl1pPr algn="r">
+              <a:defRPr sz="1200"/>
+            </a:lvl1pPr>
+          </a:lstStyle>
+          <a:p>
+            <a:fld id="{576A7953-10CA-4734-AFA6-F423C24CD967}" type="datetimeFigureOut">
+              <a:rPr lang="en-IE" smtClean="0"/>
+              <a:t>29/10/2019</a:t>
+            </a:fld>
+            <a:endParaRPr lang="en-IE"/>
+          </a:p>
+        </p:txBody>
+      </p:sp>
+      <p:sp>
+        <p:nvSpPr>
+          <p:cNvPr id="4" name="Slide Image Placeholder 3"/>
+          <p:cNvSpPr>
+            <a:spLocks noGrp="1" noRot="1" noChangeAspect="1"/>
+          </p:cNvSpPr>
+          <p:nvPr>
+            <p:ph type="sldImg" idx="2"/>
+          </p:nvPr>
+        </p:nvSpPr>
+        <p:spPr>
+          <a:xfrm>
+            <a:off x="685800" y="1143000"/>
+            <a:ext cx="5486400" cy="3086100"/>
+          </a:xfrm>
+          <a:prstGeom prst="rect">
+            <a:avLst/>
+          </a:prstGeom>
+          <a:noFill/>
+          <a:ln w="12700">
+            <a:solidFill>
+              <a:prstClr val="black"/>
+            </a:solidFill>
+          </a:ln>
+        </p:spPr>
+        <p:txBody>
+          <a:bodyPr vert="horz" lIns="91440" tIns="45720" rIns="91440" bIns="45720" rtlCol="0" anchor="ctr"/>
+          <a:lstStyle/>
+          <a:p>
+            <a:endParaRPr lang="en-IE"/>
+          </a:p>
+        </p:txBody>
+      </p:sp>
+      <p:sp>
+        <p:nvSpPr>
+          <p:cNvPr id="5" name="Notes Placeholder 4"/>
+          <p:cNvSpPr>
+            <a:spLocks noGrp="1"/>
+          </p:cNvSpPr>
+          <p:nvPr>
+            <p:ph type="body" sz="quarter" idx="3"/>
+          </p:nvPr>
+        </p:nvSpPr>
+        <p:spPr>
+          <a:xfrm>
+            <a:off x="685800" y="4400550"/>
+            <a:ext cx="5486400" cy="3600450"/>
+          </a:xfrm>
+          <a:prstGeom prst="rect">
+            <a:avLst/>
+          </a:prstGeom>
+        </p:spPr>
+        <p:txBody>
+          <a:bodyPr vert="horz" lIns="91440" tIns="45720" rIns="91440" bIns="45720" rtlCol="0"/>
+          <a:lstStyle/>
+          <a:p>
+            <a:pPr lvl="0"/>
+            <a:r>
+              <a:rPr lang="en-US"/>
+              <a:t>Edit Master text styles</a:t>
+            </a:r>
+          </a:p>
+          <a:p>
+            <a:pPr lvl="1"/>
+            <a:r>
+              <a:rPr lang="en-US"/>
+              <a:t>Second level</a:t>
+            </a:r>
+          </a:p>
+          <a:p>
+            <a:pPr lvl="2"/>
+            <a:r>
+              <a:rPr lang="en-US"/>
+              <a:t>Third level</a:t>
+            </a:r>
+          </a:p>
+          <a:p>
+            <a:pPr lvl="3"/>
+            <a:r>
+              <a:rPr lang="en-US"/>
+              <a:t>Fourth level</a:t>
+            </a:r>
+          </a:p>
+          <a:p>
+            <a:pPr lvl="4"/>
+            <a:r>
+              <a:rPr lang="en-US"/>
+              <a:t>Fifth level</a:t>
+            </a:r>
+            <a:endParaRPr lang="en-IE"/>
+          </a:p>
+        </p:txBody>
+      </p:sp>
+      <p:sp>
+        <p:nvSpPr>
+          <p:cNvPr id="6" name="Footer Placeholder 5"/>
+          <p:cNvSpPr>
+            <a:spLocks noGrp="1"/>
+          </p:cNvSpPr>
+          <p:nvPr>
+            <p:ph type="ftr" sz="quarter" idx="4"/>
+          </p:nvPr>
+        </p:nvSpPr>
+        <p:spPr>
+          <a:xfrm>
+            <a:off x="0" y="8685213"/>
+            <a:ext cx="2971800" cy="458787"/>
+          </a:xfrm>
+          <a:prstGeom prst="rect">
+            <a:avLst/>
+          </a:prstGeom>
+        </p:spPr>
+        <p:txBody>
+          <a:bodyPr vert="horz" lIns="91440" tIns="45720" rIns="91440" bIns="45720" rtlCol="0" anchor="b"/>
+          <a:lstStyle>
+            <a:lvl1pPr algn="l">
+              <a:defRPr sz="1200"/>
+            </a:lvl1pPr>
+          </a:lstStyle>
+          <a:p>
+            <a:endParaRPr lang="en-IE"/>
+          </a:p>
+        </p:txBody>
+      </p:sp>
+      <p:sp>
+        <p:nvSpPr>
+          <p:cNvPr id="7" name="Slide Number Placeholder 6"/>
+          <p:cNvSpPr>
+            <a:spLocks noGrp="1"/>
+          </p:cNvSpPr>
+          <p:nvPr>
+            <p:ph type="sldNum" sz="quarter" idx="5"/>
+          </p:nvPr>
+        </p:nvSpPr>
+        <p:spPr>
+          <a:xfrm>
+            <a:off x="3884613" y="8685213"/>
+            <a:ext cx="2971800" cy="458787"/>
+          </a:xfrm>
+          <a:prstGeom prst="rect">
+            <a:avLst/>
+          </a:prstGeom>
+        </p:spPr>
+        <p:txBody>
+          <a:bodyPr vert="horz" lIns="91440" tIns="45720" rIns="91440" bIns="45720" rtlCol="0" anchor="b"/>
+          <a:lstStyle>
+            <a:lvl1pPr algn="r">
+              <a:defRPr sz="1200"/>
+            </a:lvl1pPr>
+          </a:lstStyle>
+          <a:p>
+            <a:fld id="{C389AA22-7C2E-4FB1-9452-6D6A54297384}" type="slidenum">
+              <a:rPr lang="en-IE" smtClean="0"/>
+              <a:t>‹#›</a:t>
+            </a:fld>
+            <a:endParaRPr lang="en-IE"/>
+          </a:p>
+        </p:txBody>
+      </p:sp>
+    </p:spTree>
+    <p:extLst>
+      <p:ext uri="{BB962C8B-B14F-4D97-AF65-F5344CB8AC3E}">
+        <p14:creationId xmlns:p14="http://schemas.microsoft.com/office/powerpoint/2010/main" val="1746693861"/>
+      </p:ext>
+    </p:extLst>
+  </p:cSld>
+  <p:clrMap bg1="lt1" tx1="dk1" bg2="lt2" tx2="dk2" accent1="accent1" accent2="accent2" accent3="accent3" accent4="accent4" accent5="accent5" accent6="accent6" hlink="hlink" folHlink="folHlink"/>
+  <p:notesStyle>
+    <a:lvl1pPr marL="0" algn="l" defTabSz="914400" rtl="0" eaLnBrk="1" latinLnBrk="0" hangingPunct="1">
+      <a:defRPr sz="1200" kern="1200">
+        <a:solidFill>
+          <a:schemeClr val="tx1"/>
+        </a:solidFill>
+        <a:latin typeface="+mn-lt"/>
+        <a:ea typeface="+mn-ea"/>
+        <a:cs typeface="+mn-cs"/>
+      </a:defRPr>
+    </a:lvl1pPr>
+    <a:lvl2pPr marL="457200" algn="l" defTabSz="914400" rtl="0" eaLnBrk="1" latinLnBrk="0" hangingPunct="1">
+      <a:defRPr sz="1200" kern="1200">
+        <a:solidFill>
+          <a:schemeClr val="tx1"/>
+        </a:solidFill>
+        <a:latin typeface="+mn-lt"/>
+        <a:ea typeface="+mn-ea"/>
+        <a:cs typeface="+mn-cs"/>
+      </a:defRPr>
+    </a:lvl2pPr>
+    <a:lvl3pPr marL="914400" algn="l" defTabSz="914400" rtl="0" eaLnBrk="1" latinLnBrk="0" hangingPunct="1">
+      <a:defRPr sz="1200" kern="1200">
+        <a:solidFill>
+          <a:schemeClr val="tx1"/>
+        </a:solidFill>
+        <a:latin typeface="+mn-lt"/>
+        <a:ea typeface="+mn-ea"/>
+        <a:cs typeface="+mn-cs"/>
+      </a:defRPr>
+    </a:lvl3pPr>
+    <a:lvl4pPr marL="1371600" algn="l" defTabSz="914400" rtl="0" eaLnBrk="1" latinLnBrk="0" hangingPunct="1">
+      <a:defRPr sz="1200" kern="1200">
+        <a:solidFill>
+          <a:schemeClr val="tx1"/>
+        </a:solidFill>
+        <a:latin typeface="+mn-lt"/>
+        <a:ea typeface="+mn-ea"/>
+        <a:cs typeface="+mn-cs"/>
+      </a:defRPr>
+    </a:lvl4pPr>
+    <a:lvl5pPr marL="1828800" algn="l" defTabSz="914400" rtl="0" eaLnBrk="1" latinLnBrk="0" hangingPunct="1">
+      <a:defRPr sz="1200" kern="1200">
+        <a:solidFill>
+          <a:schemeClr val="tx1"/>
+        </a:solidFill>
+        <a:latin typeface="+mn-lt"/>
+        <a:ea typeface="+mn-ea"/>
+        <a:cs typeface="+mn-cs"/>
+      </a:defRPr>
+    </a:lvl5pPr>
+    <a:lvl6pPr marL="2286000" algn="l" defTabSz="914400" rtl="0" eaLnBrk="1" latinLnBrk="0" hangingPunct="1">
+      <a:defRPr sz="1200" kern="1200">
+        <a:solidFill>
+          <a:schemeClr val="tx1"/>
+        </a:solidFill>
+        <a:latin typeface="+mn-lt"/>
+        <a:ea typeface="+mn-ea"/>
+        <a:cs typeface="+mn-cs"/>
+      </a:defRPr>
+    </a:lvl6pPr>
+    <a:lvl7pPr marL="2743200" algn="l" defTabSz="914400" rtl="0" eaLnBrk="1" latinLnBrk="0" hangingPunct="1">
+      <a:defRPr sz="1200" kern="1200">
+        <a:solidFill>
+          <a:schemeClr val="tx1"/>
+        </a:solidFill>
+        <a:latin typeface="+mn-lt"/>
+        <a:ea typeface="+mn-ea"/>
+        <a:cs typeface="+mn-cs"/>
+      </a:defRPr>
+    </a:lvl7pPr>
+    <a:lvl8pPr marL="3200400" algn="l" defTabSz="914400" rtl="0" eaLnBrk="1" latinLnBrk="0" hangingPunct="1">
+      <a:defRPr sz="1200" kern="1200">
+        <a:solidFill>
+          <a:schemeClr val="tx1"/>
+        </a:solidFill>
+        <a:latin typeface="+mn-lt"/>
+        <a:ea typeface="+mn-ea"/>
+        <a:cs typeface="+mn-cs"/>
+      </a:defRPr>
+    </a:lvl8pPr>
+    <a:lvl9pPr marL="3657600" algn="l" defTabSz="914400" rtl="0" eaLnBrk="1" latinLnBrk="0" hangingPunct="1">
+      <a:defRPr sz="1200" kern="1200">
+        <a:solidFill>
+          <a:schemeClr val="tx1"/>
+        </a:solidFill>
+        <a:latin typeface="+mn-lt"/>
+        <a:ea typeface="+mn-ea"/>
+        <a:cs typeface="+mn-cs"/>
+      </a:defRPr>
+    </a:lvl9pPr>
+  </p:notesStyle>
+</p:notesMaster>
+</file>
+
 <file path=ppt/slideLayouts/slideLayout1.xml><?xml version="1.0" encoding="utf-8"?>
 <p:sldLayout xmlns:a="http://schemas.openxmlformats.org/drawingml/2006/main" xmlns:r="http://schemas.openxmlformats.org/officeDocument/2006/relationships" xmlns:p="http://schemas.openxmlformats.org/presentationml/2006/main" type="title" preserve="1">
   <p:cSld name="Title Slide">
@@ -303,9 +658,9 @@
           <a:bodyPr/>
           <a:lstStyle/>
           <a:p>
-            <a:fld id="{5F0642D3-31F3-44FF-9B63-ED2367CC176B}" type="datetimeFigureOut">
+            <a:fld id="{31147982-982E-4FE8-8D4E-2E0829FD1572}" type="datetime1">
               <a:rPr lang="en-GB" smtClean="0"/>
-              <a:t>28/10/2019</a:t>
+              <a:t>29/10/2019</a:t>
             </a:fld>
             <a:endParaRPr lang="en-GB"/>
           </a:p>
@@ -356,7 +711,7 @@
     </p:spTree>
     <p:extLst>
       <p:ext uri="{BB962C8B-B14F-4D97-AF65-F5344CB8AC3E}">
-        <p14:creationId xmlns:p14="http://schemas.microsoft.com/office/powerpoint/2010/main" val="3328688197"/>
+        <p14:creationId xmlns:p14="http://schemas.microsoft.com/office/powerpoint/2010/main" val="3369989805"/>
       </p:ext>
     </p:extLst>
   </p:cSld>
@@ -578,9 +933,9 @@
           <a:bodyPr/>
           <a:lstStyle/>
           <a:p>
-            <a:fld id="{5F0642D3-31F3-44FF-9B63-ED2367CC176B}" type="datetimeFigureOut">
+            <a:fld id="{391444B3-B91F-499A-9E27-D0FC06D55B1C}" type="datetime1">
               <a:rPr lang="en-GB" smtClean="0"/>
-              <a:t>28/10/2019</a:t>
+              <a:t>29/10/2019</a:t>
             </a:fld>
             <a:endParaRPr lang="en-GB"/>
           </a:p>
@@ -631,13 +986,14 @@
     </p:spTree>
     <p:extLst>
       <p:ext uri="{BB962C8B-B14F-4D97-AF65-F5344CB8AC3E}">
-        <p14:creationId xmlns:p14="http://schemas.microsoft.com/office/powerpoint/2010/main" val="2613952255"/>
+        <p14:creationId xmlns:p14="http://schemas.microsoft.com/office/powerpoint/2010/main" val="3548428715"/>
       </p:ext>
     </p:extLst>
   </p:cSld>
   <p:clrMapOvr>
     <a:masterClrMapping/>
   </p:clrMapOvr>
+  <p:hf hdr="0" ftr="0" dt="0"/>
 </p:sldLayout>
 </file>
 
@@ -772,9 +1128,9 @@
           <a:bodyPr/>
           <a:lstStyle/>
           <a:p>
-            <a:fld id="{5F0642D3-31F3-44FF-9B63-ED2367CC176B}" type="datetimeFigureOut">
+            <a:fld id="{391444B3-B91F-499A-9E27-D0FC06D55B1C}" type="datetime1">
               <a:rPr lang="en-GB" smtClean="0"/>
-              <a:t>28/10/2019</a:t>
+              <a:t>29/10/2019</a:t>
             </a:fld>
             <a:endParaRPr lang="en-GB"/>
           </a:p>
@@ -825,13 +1181,14 @@
     </p:spTree>
     <p:extLst>
       <p:ext uri="{BB962C8B-B14F-4D97-AF65-F5344CB8AC3E}">
-        <p14:creationId xmlns:p14="http://schemas.microsoft.com/office/powerpoint/2010/main" val="1859121067"/>
+        <p14:creationId xmlns:p14="http://schemas.microsoft.com/office/powerpoint/2010/main" val="3659382468"/>
       </p:ext>
     </p:extLst>
   </p:cSld>
   <p:clrMapOvr>
     <a:masterClrMapping/>
   </p:clrMapOvr>
+  <p:hf hdr="0" ftr="0" dt="0"/>
 </p:sldLayout>
 </file>
 
@@ -1045,9 +1402,9 @@
           <a:bodyPr/>
           <a:lstStyle/>
           <a:p>
-            <a:fld id="{5F0642D3-31F3-44FF-9B63-ED2367CC176B}" type="datetimeFigureOut">
+            <a:fld id="{391444B3-B91F-499A-9E27-D0FC06D55B1C}" type="datetime1">
               <a:rPr lang="en-GB" smtClean="0"/>
-              <a:t>28/10/2019</a:t>
+              <a:t>29/10/2019</a:t>
             </a:fld>
             <a:endParaRPr lang="en-GB"/>
           </a:p>
@@ -1192,13 +1549,14 @@
     </p:spTree>
     <p:extLst>
       <p:ext uri="{BB962C8B-B14F-4D97-AF65-F5344CB8AC3E}">
-        <p14:creationId xmlns:p14="http://schemas.microsoft.com/office/powerpoint/2010/main" val="834728757"/>
+        <p14:creationId xmlns:p14="http://schemas.microsoft.com/office/powerpoint/2010/main" val="851750735"/>
       </p:ext>
     </p:extLst>
   </p:cSld>
   <p:clrMapOvr>
     <a:masterClrMapping/>
   </p:clrMapOvr>
+  <p:hf hdr="0" ftr="0" dt="0"/>
 </p:sldLayout>
 </file>
 
@@ -1386,9 +1744,9 @@
           <a:bodyPr/>
           <a:lstStyle/>
           <a:p>
-            <a:fld id="{5F0642D3-31F3-44FF-9B63-ED2367CC176B}" type="datetimeFigureOut">
+            <a:fld id="{391444B3-B91F-499A-9E27-D0FC06D55B1C}" type="datetime1">
               <a:rPr lang="en-GB" smtClean="0"/>
-              <a:t>28/10/2019</a:t>
+              <a:t>29/10/2019</a:t>
             </a:fld>
             <a:endParaRPr lang="en-GB"/>
           </a:p>
@@ -1439,13 +1797,14 @@
     </p:spTree>
     <p:extLst>
       <p:ext uri="{BB962C8B-B14F-4D97-AF65-F5344CB8AC3E}">
-        <p14:creationId xmlns:p14="http://schemas.microsoft.com/office/powerpoint/2010/main" val="4094412062"/>
+        <p14:creationId xmlns:p14="http://schemas.microsoft.com/office/powerpoint/2010/main" val="1829950913"/>
       </p:ext>
     </p:extLst>
   </p:cSld>
   <p:clrMapOvr>
     <a:masterClrMapping/>
   </p:clrMapOvr>
+  <p:hf hdr="0" ftr="0" dt="0"/>
 </p:sldLayout>
 </file>
 
@@ -2009,9 +2368,9 @@
           <a:bodyPr/>
           <a:lstStyle/>
           <a:p>
-            <a:fld id="{5F0642D3-31F3-44FF-9B63-ED2367CC176B}" type="datetimeFigureOut">
+            <a:fld id="{391444B3-B91F-499A-9E27-D0FC06D55B1C}" type="datetime1">
               <a:rPr lang="en-GB" smtClean="0"/>
-              <a:t>28/10/2019</a:t>
+              <a:t>29/10/2019</a:t>
             </a:fld>
             <a:endParaRPr lang="en-GB"/>
           </a:p>
@@ -2062,13 +2421,14 @@
     </p:spTree>
     <p:extLst>
       <p:ext uri="{BB962C8B-B14F-4D97-AF65-F5344CB8AC3E}">
-        <p14:creationId xmlns:p14="http://schemas.microsoft.com/office/powerpoint/2010/main" val="4128094450"/>
+        <p14:creationId xmlns:p14="http://schemas.microsoft.com/office/powerpoint/2010/main" val="3040623713"/>
       </p:ext>
     </p:extLst>
   </p:cSld>
   <p:clrMapOvr>
     <a:masterClrMapping/>
   </p:clrMapOvr>
+  <p:hf hdr="0" ftr="0" dt="0"/>
 </p:sldLayout>
 </file>
 
@@ -2869,9 +3229,9 @@
           <a:bodyPr/>
           <a:lstStyle/>
           <a:p>
-            <a:fld id="{5F0642D3-31F3-44FF-9B63-ED2367CC176B}" type="datetimeFigureOut">
+            <a:fld id="{391444B3-B91F-499A-9E27-D0FC06D55B1C}" type="datetime1">
               <a:rPr lang="en-GB" smtClean="0"/>
-              <a:t>28/10/2019</a:t>
+              <a:t>29/10/2019</a:t>
             </a:fld>
             <a:endParaRPr lang="en-GB"/>
           </a:p>
@@ -2922,13 +3282,14 @@
     </p:spTree>
     <p:extLst>
       <p:ext uri="{BB962C8B-B14F-4D97-AF65-F5344CB8AC3E}">
-        <p14:creationId xmlns:p14="http://schemas.microsoft.com/office/powerpoint/2010/main" val="3568848957"/>
+        <p14:creationId xmlns:p14="http://schemas.microsoft.com/office/powerpoint/2010/main" val="2851836294"/>
       </p:ext>
     </p:extLst>
   </p:cSld>
   <p:clrMapOvr>
     <a:masterClrMapping/>
   </p:clrMapOvr>
+  <p:hf hdr="0" ftr="0" dt="0"/>
 </p:sldLayout>
 </file>
 
@@ -3039,9 +3400,9 @@
           <a:bodyPr/>
           <a:lstStyle/>
           <a:p>
-            <a:fld id="{5F0642D3-31F3-44FF-9B63-ED2367CC176B}" type="datetimeFigureOut">
+            <a:fld id="{592525F8-001D-4649-98E3-2380466D8056}" type="datetime1">
               <a:rPr lang="en-GB" smtClean="0"/>
-              <a:t>28/10/2019</a:t>
+              <a:t>29/10/2019</a:t>
             </a:fld>
             <a:endParaRPr lang="en-GB"/>
           </a:p>
@@ -3092,7 +3453,7 @@
     </p:spTree>
     <p:extLst>
       <p:ext uri="{BB962C8B-B14F-4D97-AF65-F5344CB8AC3E}">
-        <p14:creationId xmlns:p14="http://schemas.microsoft.com/office/powerpoint/2010/main" val="3829697310"/>
+        <p14:creationId xmlns:p14="http://schemas.microsoft.com/office/powerpoint/2010/main" val="3877054538"/>
       </p:ext>
     </p:extLst>
   </p:cSld>
@@ -3219,9 +3580,9 @@
           <a:bodyPr/>
           <a:lstStyle/>
           <a:p>
-            <a:fld id="{5F0642D3-31F3-44FF-9B63-ED2367CC176B}" type="datetimeFigureOut">
+            <a:fld id="{985F8530-2660-417E-9C4F-A3A30DDB5419}" type="datetime1">
               <a:rPr lang="en-GB" smtClean="0"/>
-              <a:t>28/10/2019</a:t>
+              <a:t>29/10/2019</a:t>
             </a:fld>
             <a:endParaRPr lang="en-GB"/>
           </a:p>
@@ -3272,7 +3633,7 @@
     </p:spTree>
     <p:extLst>
       <p:ext uri="{BB962C8B-B14F-4D97-AF65-F5344CB8AC3E}">
-        <p14:creationId xmlns:p14="http://schemas.microsoft.com/office/powerpoint/2010/main" val="3080130693"/>
+        <p14:creationId xmlns:p14="http://schemas.microsoft.com/office/powerpoint/2010/main" val="632452480"/>
       </p:ext>
     </p:extLst>
   </p:cSld>
@@ -3389,9 +3750,9 @@
           <a:bodyPr/>
           <a:lstStyle/>
           <a:p>
-            <a:fld id="{5F0642D3-31F3-44FF-9B63-ED2367CC176B}" type="datetimeFigureOut">
+            <a:fld id="{06FD0A9E-EAE6-4046-A8EE-F92638AFE66A}" type="datetime1">
               <a:rPr lang="en-GB" smtClean="0"/>
-              <a:t>28/10/2019</a:t>
+              <a:t>29/10/2019</a:t>
             </a:fld>
             <a:endParaRPr lang="en-GB"/>
           </a:p>
@@ -3442,7 +3803,7 @@
     </p:spTree>
     <p:extLst>
       <p:ext uri="{BB962C8B-B14F-4D97-AF65-F5344CB8AC3E}">
-        <p14:creationId xmlns:p14="http://schemas.microsoft.com/office/powerpoint/2010/main" val="2615727622"/>
+        <p14:creationId xmlns:p14="http://schemas.microsoft.com/office/powerpoint/2010/main" val="947819479"/>
       </p:ext>
     </p:extLst>
   </p:cSld>
@@ -3636,9 +3997,9 @@
           <a:bodyPr/>
           <a:lstStyle/>
           <a:p>
-            <a:fld id="{5F0642D3-31F3-44FF-9B63-ED2367CC176B}" type="datetimeFigureOut">
+            <a:fld id="{9A419C28-4F1D-4037-9C04-B1444EE47AA2}" type="datetime1">
               <a:rPr lang="en-GB" smtClean="0"/>
-              <a:t>28/10/2019</a:t>
+              <a:t>29/10/2019</a:t>
             </a:fld>
             <a:endParaRPr lang="en-GB"/>
           </a:p>
@@ -3689,7 +4050,7 @@
     </p:spTree>
     <p:extLst>
       <p:ext uri="{BB962C8B-B14F-4D97-AF65-F5344CB8AC3E}">
-        <p14:creationId xmlns:p14="http://schemas.microsoft.com/office/powerpoint/2010/main" val="732811783"/>
+        <p14:creationId xmlns:p14="http://schemas.microsoft.com/office/powerpoint/2010/main" val="3658066611"/>
       </p:ext>
     </p:extLst>
   </p:cSld>
@@ -3928,9 +4289,9 @@
           <a:bodyPr/>
           <a:lstStyle/>
           <a:p>
-            <a:fld id="{5F0642D3-31F3-44FF-9B63-ED2367CC176B}" type="datetimeFigureOut">
+            <a:fld id="{57C6B34E-4890-4D6B-AAA8-9BCBADA4B3EF}" type="datetime1">
               <a:rPr lang="en-GB" smtClean="0"/>
-              <a:t>28/10/2019</a:t>
+              <a:t>29/10/2019</a:t>
             </a:fld>
             <a:endParaRPr lang="en-GB"/>
           </a:p>
@@ -3981,7 +4342,7 @@
     </p:spTree>
     <p:extLst>
       <p:ext uri="{BB962C8B-B14F-4D97-AF65-F5344CB8AC3E}">
-        <p14:creationId xmlns:p14="http://schemas.microsoft.com/office/powerpoint/2010/main" val="2501698937"/>
+        <p14:creationId xmlns:p14="http://schemas.microsoft.com/office/powerpoint/2010/main" val="2659741231"/>
       </p:ext>
     </p:extLst>
   </p:cSld>
@@ -4372,9 +4733,9 @@
           <a:bodyPr/>
           <a:lstStyle/>
           <a:p>
-            <a:fld id="{5F0642D3-31F3-44FF-9B63-ED2367CC176B}" type="datetimeFigureOut">
+            <a:fld id="{A9C8B165-684A-4104-84F7-78DE29C45C38}" type="datetime1">
               <a:rPr lang="en-GB" smtClean="0"/>
-              <a:t>28/10/2019</a:t>
+              <a:t>29/10/2019</a:t>
             </a:fld>
             <a:endParaRPr lang="en-GB"/>
           </a:p>
@@ -4425,7 +4786,7 @@
     </p:spTree>
     <p:extLst>
       <p:ext uri="{BB962C8B-B14F-4D97-AF65-F5344CB8AC3E}">
-        <p14:creationId xmlns:p14="http://schemas.microsoft.com/office/powerpoint/2010/main" val="2499844312"/>
+        <p14:creationId xmlns:p14="http://schemas.microsoft.com/office/powerpoint/2010/main" val="1261416852"/>
       </p:ext>
     </p:extLst>
   </p:cSld>
@@ -4490,9 +4851,9 @@
           <a:bodyPr/>
           <a:lstStyle/>
           <a:p>
-            <a:fld id="{5F0642D3-31F3-44FF-9B63-ED2367CC176B}" type="datetimeFigureOut">
+            <a:fld id="{2AAB8161-53F7-4CFC-965D-B0961655F930}" type="datetime1">
               <a:rPr lang="en-GB" smtClean="0"/>
-              <a:t>28/10/2019</a:t>
+              <a:t>29/10/2019</a:t>
             </a:fld>
             <a:endParaRPr lang="en-GB"/>
           </a:p>
@@ -4543,7 +4904,7 @@
     </p:spTree>
     <p:extLst>
       <p:ext uri="{BB962C8B-B14F-4D97-AF65-F5344CB8AC3E}">
-        <p14:creationId xmlns:p14="http://schemas.microsoft.com/office/powerpoint/2010/main" val="104513551"/>
+        <p14:creationId xmlns:p14="http://schemas.microsoft.com/office/powerpoint/2010/main" val="746027946"/>
       </p:ext>
     </p:extLst>
   </p:cSld>
@@ -4585,9 +4946,9 @@
           <a:bodyPr/>
           <a:lstStyle/>
           <a:p>
-            <a:fld id="{5F0642D3-31F3-44FF-9B63-ED2367CC176B}" type="datetimeFigureOut">
+            <a:fld id="{DA550989-D312-456A-98E0-AE339A9CA52D}" type="datetime1">
               <a:rPr lang="en-GB" smtClean="0"/>
-              <a:t>28/10/2019</a:t>
+              <a:t>29/10/2019</a:t>
             </a:fld>
             <a:endParaRPr lang="en-GB"/>
           </a:p>
@@ -4638,7 +4999,7 @@
     </p:spTree>
     <p:extLst>
       <p:ext uri="{BB962C8B-B14F-4D97-AF65-F5344CB8AC3E}">
-        <p14:creationId xmlns:p14="http://schemas.microsoft.com/office/powerpoint/2010/main" val="3404370083"/>
+        <p14:creationId xmlns:p14="http://schemas.microsoft.com/office/powerpoint/2010/main" val="2652103612"/>
       </p:ext>
     </p:extLst>
   </p:cSld>
@@ -4864,9 +5225,9 @@
           <a:bodyPr/>
           <a:lstStyle/>
           <a:p>
-            <a:fld id="{5F0642D3-31F3-44FF-9B63-ED2367CC176B}" type="datetimeFigureOut">
+            <a:fld id="{8B00377B-8C9F-42F2-8E65-94AABCA094DC}" type="datetime1">
               <a:rPr lang="en-GB" smtClean="0"/>
-              <a:t>28/10/2019</a:t>
+              <a:t>29/10/2019</a:t>
             </a:fld>
             <a:endParaRPr lang="en-GB"/>
           </a:p>
@@ -4917,7 +5278,7 @@
     </p:spTree>
     <p:extLst>
       <p:ext uri="{BB962C8B-B14F-4D97-AF65-F5344CB8AC3E}">
-        <p14:creationId xmlns:p14="http://schemas.microsoft.com/office/powerpoint/2010/main" val="1204062689"/>
+        <p14:creationId xmlns:p14="http://schemas.microsoft.com/office/powerpoint/2010/main" val="423840585"/>
       </p:ext>
     </p:extLst>
   </p:cSld>
@@ -5139,9 +5500,9 @@
           <a:bodyPr/>
           <a:lstStyle/>
           <a:p>
-            <a:fld id="{5F0642D3-31F3-44FF-9B63-ED2367CC176B}" type="datetimeFigureOut">
+            <a:fld id="{F5202988-C593-42B3-8482-6BB23ADC7D8B}" type="datetime1">
               <a:rPr lang="en-GB" smtClean="0"/>
-              <a:t>28/10/2019</a:t>
+              <a:t>29/10/2019</a:t>
             </a:fld>
             <a:endParaRPr lang="en-GB"/>
           </a:p>
@@ -5192,7 +5553,7 @@
     </p:spTree>
     <p:extLst>
       <p:ext uri="{BB962C8B-B14F-4D97-AF65-F5344CB8AC3E}">
-        <p14:creationId xmlns:p14="http://schemas.microsoft.com/office/powerpoint/2010/main" val="4151827449"/>
+        <p14:creationId xmlns:p14="http://schemas.microsoft.com/office/powerpoint/2010/main" val="2188087804"/>
       </p:ext>
     </p:extLst>
   </p:cSld>
@@ -5568,9 +5929,9 @@
             </a:lvl1pPr>
           </a:lstStyle>
           <a:p>
-            <a:fld id="{5F0642D3-31F3-44FF-9B63-ED2367CC176B}" type="datetimeFigureOut">
+            <a:fld id="{391444B3-B91F-499A-9E27-D0FC06D55B1C}" type="datetime1">
               <a:rPr lang="en-GB" smtClean="0"/>
-              <a:t>28/10/2019</a:t>
+              <a:t>29/10/2019</a:t>
             </a:fld>
             <a:endParaRPr lang="en-GB"/>
           </a:p>
@@ -5658,30 +6019,31 @@
     </p:spTree>
     <p:extLst>
       <p:ext uri="{BB962C8B-B14F-4D97-AF65-F5344CB8AC3E}">
-        <p14:creationId xmlns:p14="http://schemas.microsoft.com/office/powerpoint/2010/main" val="1063120612"/>
+        <p14:creationId xmlns:p14="http://schemas.microsoft.com/office/powerpoint/2010/main" val="3729392755"/>
       </p:ext>
     </p:extLst>
   </p:cSld>
   <p:clrMap bg1="dk1" tx1="lt1" bg2="dk2" tx2="lt2" accent1="accent1" accent2="accent2" accent3="accent3" accent4="accent4" accent5="accent5" accent6="accent6" hlink="hlink" folHlink="folHlink"/>
   <p:sldLayoutIdLst>
-    <p:sldLayoutId id="2147483697" r:id="rId1"/>
-    <p:sldLayoutId id="2147483698" r:id="rId2"/>
-    <p:sldLayoutId id="2147483699" r:id="rId3"/>
-    <p:sldLayoutId id="2147483700" r:id="rId4"/>
-    <p:sldLayoutId id="2147483701" r:id="rId5"/>
-    <p:sldLayoutId id="2147483702" r:id="rId6"/>
-    <p:sldLayoutId id="2147483703" r:id="rId7"/>
-    <p:sldLayoutId id="2147483704" r:id="rId8"/>
-    <p:sldLayoutId id="2147483705" r:id="rId9"/>
-    <p:sldLayoutId id="2147483706" r:id="rId10"/>
-    <p:sldLayoutId id="2147483707" r:id="rId11"/>
-    <p:sldLayoutId id="2147483708" r:id="rId12"/>
-    <p:sldLayoutId id="2147483709" r:id="rId13"/>
-    <p:sldLayoutId id="2147483710" r:id="rId14"/>
-    <p:sldLayoutId id="2147483711" r:id="rId15"/>
-    <p:sldLayoutId id="2147483712" r:id="rId16"/>
-    <p:sldLayoutId id="2147483713" r:id="rId17"/>
+    <p:sldLayoutId id="2147483727" r:id="rId1"/>
+    <p:sldLayoutId id="2147483728" r:id="rId2"/>
+    <p:sldLayoutId id="2147483729" r:id="rId3"/>
+    <p:sldLayoutId id="2147483730" r:id="rId4"/>
+    <p:sldLayoutId id="2147483731" r:id="rId5"/>
+    <p:sldLayoutId id="2147483732" r:id="rId6"/>
+    <p:sldLayoutId id="2147483733" r:id="rId7"/>
+    <p:sldLayoutId id="2147483734" r:id="rId8"/>
+    <p:sldLayoutId id="2147483735" r:id="rId9"/>
+    <p:sldLayoutId id="2147483736" r:id="rId10"/>
+    <p:sldLayoutId id="2147483737" r:id="rId11"/>
+    <p:sldLayoutId id="2147483738" r:id="rId12"/>
+    <p:sldLayoutId id="2147483739" r:id="rId13"/>
+    <p:sldLayoutId id="2147483740" r:id="rId14"/>
+    <p:sldLayoutId id="2147483741" r:id="rId15"/>
+    <p:sldLayoutId id="2147483742" r:id="rId16"/>
+    <p:sldLayoutId id="2147483743" r:id="rId17"/>
   </p:sldLayoutIdLst>
+  <p:hf hdr="0" ftr="0" dt="0"/>
   <p:txStyles>
     <p:titleStyle>
       <a:lvl1pPr algn="l" defTabSz="457200" rtl="0" eaLnBrk="1" latinLnBrk="0" hangingPunct="1">
@@ -6102,7 +6464,6 @@
                 <a:lumMod val="132000"/>
               </a:schemeClr>
             </a:duotone>
-            <a:extLst/>
           </a:blip>
           <a:stretch/>
         </a:blipFill>
@@ -6200,10 +6561,119 @@
           </a:p>
         </p:txBody>
       </p:sp>
+      <p:sp>
+        <p:nvSpPr>
+          <p:cNvPr id="4" name="Slide Number Placeholder 3"/>
+          <p:cNvSpPr>
+            <a:spLocks noGrp="1"/>
+          </p:cNvSpPr>
+          <p:nvPr>
+            <p:ph type="sldNum" sz="quarter" idx="12"/>
+          </p:nvPr>
+        </p:nvSpPr>
+        <p:spPr/>
+        <p:txBody>
+          <a:bodyPr/>
+          <a:lstStyle/>
+          <a:p>
+            <a:fld id="{3FD48E7B-E43C-45F2-80DE-76408571A8D1}" type="slidenum">
+              <a:rPr lang="en-GB" smtClean="0"/>
+              <a:t>1</a:t>
+            </a:fld>
+            <a:endParaRPr lang="en-GB"/>
+          </a:p>
+        </p:txBody>
+      </p:sp>
     </p:spTree>
     <p:extLst>
       <p:ext uri="{BB962C8B-B14F-4D97-AF65-F5344CB8AC3E}">
         <p14:creationId xmlns:p14="http://schemas.microsoft.com/office/powerpoint/2010/main" val="2776559929"/>
+      </p:ext>
+    </p:extLst>
+  </p:cSld>
+  <p:clrMapOvr>
+    <a:masterClrMapping/>
+  </p:clrMapOvr>
+</p:sld>
+</file>
+
+<file path=ppt/slides/slide10.xml><?xml version="1.0" encoding="utf-8"?>
+<p:sld xmlns:a="http://schemas.openxmlformats.org/drawingml/2006/main" xmlns:r="http://schemas.openxmlformats.org/officeDocument/2006/relationships" xmlns:p="http://schemas.openxmlformats.org/presentationml/2006/main">
+  <p:cSld>
+    <p:spTree>
+      <p:nvGrpSpPr>
+        <p:cNvPr id="1" name=""/>
+        <p:cNvGrpSpPr/>
+        <p:nvPr/>
+      </p:nvGrpSpPr>
+      <p:grpSpPr>
+        <a:xfrm>
+          <a:off x="0" y="0"/>
+          <a:ext cx="0" cy="0"/>
+          <a:chOff x="0" y="0"/>
+          <a:chExt cx="0" cy="0"/>
+        </a:xfrm>
+      </p:grpSpPr>
+      <p:sp>
+        <p:nvSpPr>
+          <p:cNvPr id="2" name="Title 1">
+            <a:extLst>
+              <a:ext uri="{FF2B5EF4-FFF2-40B4-BE49-F238E27FC236}">
+                <a16:creationId xmlns:a16="http://schemas.microsoft.com/office/drawing/2014/main" id="{37FF61C3-2FCD-4FC1-BD7B-974901F33640}"/>
+              </a:ext>
+            </a:extLst>
+          </p:cNvPr>
+          <p:cNvSpPr>
+            <a:spLocks noGrp="1"/>
+          </p:cNvSpPr>
+          <p:nvPr>
+            <p:ph type="title"/>
+          </p:nvPr>
+        </p:nvSpPr>
+        <p:spPr>
+          <a:xfrm>
+            <a:off x="645130" y="2544277"/>
+            <a:ext cx="9404723" cy="1400530"/>
+          </a:xfrm>
+        </p:spPr>
+        <p:txBody>
+          <a:bodyPr/>
+          <a:lstStyle/>
+          <a:p>
+            <a:r>
+              <a:rPr lang="en-GB" dirty="0"/>
+              <a:t>Questions?</a:t>
+            </a:r>
+          </a:p>
+        </p:txBody>
+      </p:sp>
+      <p:sp>
+        <p:nvSpPr>
+          <p:cNvPr id="4" name="Slide Number Placeholder 3"/>
+          <p:cNvSpPr>
+            <a:spLocks noGrp="1"/>
+          </p:cNvSpPr>
+          <p:nvPr>
+            <p:ph type="sldNum" sz="quarter" idx="12"/>
+          </p:nvPr>
+        </p:nvSpPr>
+        <p:spPr/>
+        <p:txBody>
+          <a:bodyPr/>
+          <a:lstStyle/>
+          <a:p>
+            <a:fld id="{3FD48E7B-E43C-45F2-80DE-76408571A8D1}" type="slidenum">
+              <a:rPr lang="en-GB" smtClean="0"/>
+              <a:t>10</a:t>
+            </a:fld>
+            <a:endParaRPr lang="en-GB"/>
+          </a:p>
+        </p:txBody>
+      </p:sp>
+    </p:spTree>
+    <p:extLst>
+      <p:ext uri="{BB962C8B-B14F-4D97-AF65-F5344CB8AC3E}">
+        <p14:creationId xmlns:p14="http://schemas.microsoft.com/office/powerpoint/2010/main" val="2354741826"/>
       </p:ext>
     </p:extLst>
   </p:cSld>
@@ -6279,47 +6749,45 @@
           <a:bodyPr/>
           <a:lstStyle/>
           <a:p>
-            <a:pPr marL="0" indent="0">
-              <a:buNone/>
-            </a:pPr>
             <a:r>
               <a:rPr lang="en-GB" dirty="0"/>
-              <a:t>Advances in machine learning, particularly deep learning, in recent years have allowed previously challenging or even impossible programming problems to be solved.</a:t>
-            </a:r>
-          </a:p>
-          <a:p>
-            <a:pPr marL="0" indent="0">
-              <a:buNone/>
-            </a:pPr>
+              <a:t>Machine learning has advanced in recent years due to increases in computer capabilities</a:t>
+            </a:r>
+          </a:p>
+          <a:p>
             <a:r>
               <a:rPr lang="en-GB" dirty="0"/>
-              <a:t>My project aims to look at the current landscape of machine learning through Python frameworks, such as </a:t>
-            </a:r>
-            <a:r>
-              <a:rPr lang="en-GB" dirty="0" err="1"/>
-              <a:t>Scikit</a:t>
-            </a:r>
+              <a:t>This project’s aim is to look at the landscape of machine learning using python frameworks.</a:t>
+            </a:r>
+          </a:p>
+          <a:p>
             <a:r>
               <a:rPr lang="en-GB" dirty="0"/>
-              <a:t>-Learn and </a:t>
-            </a:r>
-            <a:r>
-              <a:rPr lang="en-GB" dirty="0" err="1"/>
-              <a:t>Tensorflow</a:t>
-            </a:r>
-            <a:r>
-              <a:rPr lang="en-GB" dirty="0"/>
-              <a:t>.</a:t>
-            </a:r>
-          </a:p>
-          <a:p>
-            <a:pPr marL="0" indent="0">
-              <a:buNone/>
-            </a:pPr>
-            <a:r>
-              <a:rPr lang="en-GB" dirty="0"/>
-              <a:t>Here I am going to cover my plans for this project.</a:t>
-            </a:r>
+              <a:t>This presentation will show my plans for this project.</a:t>
+            </a:r>
+          </a:p>
+        </p:txBody>
+      </p:sp>
+      <p:sp>
+        <p:nvSpPr>
+          <p:cNvPr id="4" name="Slide Number Placeholder 3"/>
+          <p:cNvSpPr>
+            <a:spLocks noGrp="1"/>
+          </p:cNvSpPr>
+          <p:nvPr>
+            <p:ph type="sldNum" sz="quarter" idx="12"/>
+          </p:nvPr>
+        </p:nvSpPr>
+        <p:spPr/>
+        <p:txBody>
+          <a:bodyPr/>
+          <a:lstStyle/>
+          <a:p>
+            <a:fld id="{3FD48E7B-E43C-45F2-80DE-76408571A8D1}" type="slidenum">
+              <a:rPr lang="en-GB" smtClean="0"/>
+              <a:t>2</a:t>
+            </a:fld>
+            <a:endParaRPr lang="en-GB"/>
           </a:p>
         </p:txBody>
       </p:sp>
@@ -6402,30 +6870,36 @@
           <a:bodyPr/>
           <a:lstStyle/>
           <a:p>
-            <a:pPr marL="0" indent="0">
-              <a:buNone/>
-            </a:pPr>
             <a:r>
               <a:rPr lang="en-GB" dirty="0"/>
-              <a:t>To explore the machine learning frameworks I have decided to take 3 examples of common machine learning tasks.</a:t>
-            </a:r>
-          </a:p>
-          <a:p>
-            <a:pPr marL="0" indent="0">
-              <a:buNone/>
-            </a:pPr>
+              <a:t>This project will explore the frameworks by solving 3 example problems of different types.</a:t>
+            </a:r>
+          </a:p>
+          <a:p>
+            <a:pPr lvl="1"/>
             <a:r>
               <a:rPr lang="en-GB" dirty="0"/>
-              <a:t>These being; image detection, detecting pneumonia in chest x-rays; classification, predicting student test scores based on a number factors; and regression to forecast bitcoin prices.</a:t>
-            </a:r>
-          </a:p>
-          <a:p>
-            <a:pPr marL="0" indent="0">
-              <a:buNone/>
-            </a:pPr>
+              <a:t>Image detection</a:t>
+            </a:r>
+          </a:p>
+          <a:p>
+            <a:pPr lvl="1"/>
             <a:r>
               <a:rPr lang="en-GB" dirty="0"/>
-              <a:t>Using these example problems I hope to be able to cover a number of features of these frameworks, from data pre-processing to the different machine learning algorithms available within them.</a:t>
+              <a:t>Classification</a:t>
+            </a:r>
+          </a:p>
+          <a:p>
+            <a:pPr lvl="1"/>
+            <a:r>
+              <a:rPr lang="en-GB" dirty="0"/>
+              <a:t>Regression</a:t>
+            </a:r>
+          </a:p>
+          <a:p>
+            <a:r>
+              <a:rPr lang="en-GB" dirty="0"/>
+              <a:t>These examples will cover a number of features of these frameworks, such as data pre-processing and various machine learning algorithms.</a:t>
             </a:r>
           </a:p>
           <a:p>
@@ -6439,6 +6913,29 @@
               <a:buNone/>
             </a:pPr>
             <a:endParaRPr lang="en-GB" dirty="0"/>
+          </a:p>
+        </p:txBody>
+      </p:sp>
+      <p:sp>
+        <p:nvSpPr>
+          <p:cNvPr id="4" name="Slide Number Placeholder 3"/>
+          <p:cNvSpPr>
+            <a:spLocks noGrp="1"/>
+          </p:cNvSpPr>
+          <p:nvPr>
+            <p:ph type="sldNum" sz="quarter" idx="12"/>
+          </p:nvPr>
+        </p:nvSpPr>
+        <p:spPr/>
+        <p:txBody>
+          <a:bodyPr/>
+          <a:lstStyle/>
+          <a:p>
+            <a:fld id="{3FD48E7B-E43C-45F2-80DE-76408571A8D1}" type="slidenum">
+              <a:rPr lang="en-GB" smtClean="0"/>
+              <a:t>3</a:t>
+            </a:fld>
+            <a:endParaRPr lang="en-GB"/>
           </a:p>
         </p:txBody>
       </p:sp>
@@ -6476,7 +6973,6 @@
                 <a:lumMod val="132000"/>
               </a:schemeClr>
             </a:duotone>
-            <a:extLst/>
           </a:blip>
           <a:stretch/>
         </a:blipFill>
@@ -6566,8 +7062,8 @@
               </a:lnSpc>
             </a:pPr>
             <a:r>
-              <a:rPr lang="en-GB" sz="1700"/>
-              <a:t>Pneumonia is disease that causes an inflammation of the lungs and is responsible for around 5% of deaths in Ireland annually.</a:t>
+              <a:rPr lang="en-GB" sz="1700" dirty="0"/>
+              <a:t>Pneumonia is disease that causes an inflammation of the lungs.</a:t>
             </a:r>
           </a:p>
           <a:p>
@@ -6577,8 +7073,8 @@
               </a:lnSpc>
             </a:pPr>
             <a:r>
-              <a:rPr lang="en-GB" sz="1700"/>
-              <a:t>Using machine learning, in particular convolutional neural networks, researchers have achieved comparable, or better, detection rate for pneumonia using chest x-rays. Making it a good real-world example application of machine-learning.</a:t>
+              <a:rPr lang="en-GB" sz="1700" dirty="0"/>
+              <a:t>It is responsible for around 5% of deaths in Ireland annually.</a:t>
             </a:r>
           </a:p>
           <a:p>
@@ -6588,8 +7084,8 @@
               </a:lnSpc>
             </a:pPr>
             <a:r>
-              <a:rPr lang="en-GB" sz="1700"/>
-              <a:t>This problem should allow for demonstration of CNNs, class balancing, and different accuracy metrics.</a:t>
+              <a:rPr lang="en-GB" sz="1700" dirty="0"/>
+              <a:t>Machine learning has been used to achieve diagnosis rates comparable to doctors for diseases such as pneumonia.</a:t>
             </a:r>
           </a:p>
           <a:p>
@@ -6598,7 +7094,41 @@
                 <a:spcPct val="90000"/>
               </a:lnSpc>
             </a:pPr>
-            <a:endParaRPr lang="en-GB" sz="1700"/>
+            <a:r>
+              <a:rPr lang="en-GB" sz="1700" dirty="0"/>
+              <a:t>This problem should allow for demonstration of CNNs, class balancing, and different accuracy metrics.</a:t>
+            </a:r>
+          </a:p>
+          <a:p>
+            <a:pPr>
+              <a:lnSpc>
+                <a:spcPct val="90000"/>
+              </a:lnSpc>
+            </a:pPr>
+            <a:endParaRPr lang="en-GB" sz="1700" dirty="0"/>
+          </a:p>
+        </p:txBody>
+      </p:sp>
+      <p:sp>
+        <p:nvSpPr>
+          <p:cNvPr id="5" name="Slide Number Placeholder 4"/>
+          <p:cNvSpPr>
+            <a:spLocks noGrp="1"/>
+          </p:cNvSpPr>
+          <p:nvPr>
+            <p:ph type="sldNum" sz="quarter" idx="12"/>
+          </p:nvPr>
+        </p:nvSpPr>
+        <p:spPr/>
+        <p:txBody>
+          <a:bodyPr/>
+          <a:lstStyle/>
+          <a:p>
+            <a:fld id="{3FD48E7B-E43C-45F2-80DE-76408571A8D1}" type="slidenum">
+              <a:rPr lang="en-GB" smtClean="0"/>
+              <a:t>4</a:t>
+            </a:fld>
+            <a:endParaRPr lang="en-GB"/>
           </a:p>
         </p:txBody>
       </p:sp>
@@ -6758,14 +7288,58 @@
           <a:p>
             <a:r>
               <a:rPr lang="en-GB" dirty="0"/>
-              <a:t>This example problem looks to predict student test scores in two subjects, maths and Portuguese, based on a number of factors, such as their parents occupation, family size, and social life.</a:t>
-            </a:r>
-          </a:p>
-          <a:p>
+              <a:t>This example problem looks to predict student test scores based on a number of factors, such as;</a:t>
+            </a:r>
+          </a:p>
+          <a:p>
+            <a:pPr lvl="1"/>
             <a:r>
               <a:rPr lang="en-GB" dirty="0"/>
-              <a:t>This problem was chosen as it should offer a good example of data reduction and augmentation techniques, as there are a lot of data given about each student, some of which probably isn’t useful for predicting grades.</a:t>
-            </a:r>
+              <a:t>Parents occupation</a:t>
+            </a:r>
+          </a:p>
+          <a:p>
+            <a:pPr lvl="1"/>
+            <a:r>
+              <a:rPr lang="en-GB" dirty="0"/>
+              <a:t>Family size</a:t>
+            </a:r>
+          </a:p>
+          <a:p>
+            <a:pPr lvl="1"/>
+            <a:r>
+              <a:rPr lang="en-GB" dirty="0"/>
+              <a:t>Social life.</a:t>
+            </a:r>
+          </a:p>
+          <a:p>
+            <a:r>
+              <a:rPr lang="en-GB" dirty="0"/>
+              <a:t>This problem was chosen as it should offer a good example of data reduction and augmentation techniques, and many common machine learning algorithms are applicable</a:t>
+            </a:r>
+          </a:p>
+        </p:txBody>
+      </p:sp>
+      <p:sp>
+        <p:nvSpPr>
+          <p:cNvPr id="4" name="Slide Number Placeholder 3"/>
+          <p:cNvSpPr>
+            <a:spLocks noGrp="1"/>
+          </p:cNvSpPr>
+          <p:nvPr>
+            <p:ph type="sldNum" sz="quarter" idx="12"/>
+          </p:nvPr>
+        </p:nvSpPr>
+        <p:spPr/>
+        <p:txBody>
+          <a:bodyPr/>
+          <a:lstStyle/>
+          <a:p>
+            <a:fld id="{3FD48E7B-E43C-45F2-80DE-76408571A8D1}" type="slidenum">
+              <a:rPr lang="en-GB" smtClean="0"/>
+              <a:t>5</a:t>
+            </a:fld>
+            <a:endParaRPr lang="en-GB"/>
           </a:p>
         </p:txBody>
       </p:sp>
@@ -7813,6 +8387,54 @@
       </p:sp>
       <p:sp>
         <p:nvSpPr>
+          <p:cNvPr id="4" name="Slide Number Placeholder 3"/>
+          <p:cNvSpPr>
+            <a:spLocks noGrp="1"/>
+          </p:cNvSpPr>
+          <p:nvPr>
+            <p:ph type="sldNum" sz="quarter" idx="12"/>
+          </p:nvPr>
+        </p:nvSpPr>
+        <p:spPr>
+          <a:xfrm>
+            <a:off x="10352540" y="295729"/>
+            <a:ext cx="838199" cy="767687"/>
+          </a:xfrm>
+        </p:spPr>
+        <p:txBody>
+          <a:bodyPr>
+            <a:normAutofit/>
+          </a:bodyPr>
+          <a:lstStyle/>
+          <a:p>
+            <a:pPr>
+              <a:spcAft>
+                <a:spcPts val="600"/>
+              </a:spcAft>
+            </a:pPr>
+            <a:fld id="{3FD48E7B-E43C-45F2-80DE-76408571A8D1}" type="slidenum">
+              <a:rPr lang="en-GB" sz="2800">
+                <a:solidFill>
+                  <a:srgbClr val="FFFFFF"/>
+                </a:solidFill>
+              </a:rPr>
+              <a:pPr>
+                <a:spcAft>
+                  <a:spcPts val="600"/>
+                </a:spcAft>
+              </a:pPr>
+              <a:t>6</a:t>
+            </a:fld>
+            <a:endParaRPr lang="en-GB" sz="2800">
+              <a:solidFill>
+                <a:srgbClr val="FFFFFF"/>
+              </a:solidFill>
+            </a:endParaRPr>
+          </a:p>
+        </p:txBody>
+      </p:sp>
+      <p:sp>
+        <p:nvSpPr>
           <p:cNvPr id="3" name="Content Placeholder 2">
             <a:extLst>
               <a:ext uri="{FF2B5EF4-FFF2-40B4-BE49-F238E27FC236}">
@@ -7839,33 +8461,46 @@
           </a:bodyPr>
           <a:lstStyle/>
           <a:p>
-            <a:pPr>
-              <a:lnSpc>
-                <a:spcPct val="90000"/>
-              </a:lnSpc>
-            </a:pPr>
+            <a:r>
+              <a:rPr lang="en-GB" sz="2000" dirty="0">
+                <a:solidFill>
+                  <a:srgbClr val="EBEBEB"/>
+                </a:solidFill>
+              </a:rPr>
+              <a:t>Machine learning is often used by stock brokers and investors.</a:t>
+            </a:r>
+            <a:endParaRPr lang="en-GB" sz="2000">
+              <a:solidFill>
+                <a:srgbClr val="EBEBEB"/>
+              </a:solidFill>
+            </a:endParaRPr>
+          </a:p>
+          <a:p>
             <a:r>
               <a:rPr lang="en-GB" sz="2000">
                 <a:solidFill>
                   <a:srgbClr val="EBEBEB"/>
                 </a:solidFill>
               </a:rPr>
-              <a:t>Bitcoin is a decentralised cryptocurrency released in 2009. Which came into the spotlight in recent years due to its massive increase in value, peaking at around €18,000 in December 2017.</a:t>
-            </a:r>
-          </a:p>
-          <a:p>
-            <a:pPr>
-              <a:lnSpc>
-                <a:spcPct val="90000"/>
-              </a:lnSpc>
-            </a:pPr>
+              <a:t>It can be used to forecast prices or automatically trade stocks.</a:t>
+            </a:r>
+          </a:p>
+          <a:p>
+            <a:r>
+              <a:rPr lang="en-GB" sz="2000" dirty="0">
+                <a:solidFill>
+                  <a:srgbClr val="EBEBEB"/>
+                </a:solidFill>
+              </a:rPr>
+              <a:t>This problem was chosen to demonstrate regression, and forecasting using time-series </a:t>
+            </a:r>
             <a:r>
               <a:rPr lang="en-GB" sz="2000">
                 <a:solidFill>
                   <a:srgbClr val="EBEBEB"/>
                 </a:solidFill>
               </a:rPr>
-              <a:t>This problem was chosen to demonstrate regression, and forecasting using time-series data. It will also demonstrate handling of data with missing or incomplete entries.</a:t>
+              <a:t>data.</a:t>
             </a:r>
           </a:p>
         </p:txBody>
@@ -7884,6 +8519,157 @@
 </file>
 
 <file path=ppt/slides/slide7.xml><?xml version="1.0" encoding="utf-8"?>
+<p:sld xmlns:a="http://schemas.openxmlformats.org/drawingml/2006/main" xmlns:r="http://schemas.openxmlformats.org/officeDocument/2006/relationships" xmlns:p="http://schemas.openxmlformats.org/presentationml/2006/main">
+  <p:cSld>
+    <p:spTree>
+      <p:nvGrpSpPr>
+        <p:cNvPr id="1" name=""/>
+        <p:cNvGrpSpPr/>
+        <p:nvPr/>
+      </p:nvGrpSpPr>
+      <p:grpSpPr>
+        <a:xfrm>
+          <a:off x="0" y="0"/>
+          <a:ext cx="0" cy="0"/>
+          <a:chOff x="0" y="0"/>
+          <a:chExt cx="0" cy="0"/>
+        </a:xfrm>
+      </p:grpSpPr>
+      <p:sp>
+        <p:nvSpPr>
+          <p:cNvPr id="2" name="Title 1">
+            <a:extLst>
+              <a:ext uri="{FF2B5EF4-FFF2-40B4-BE49-F238E27FC236}">
+                <a16:creationId xmlns:a16="http://schemas.microsoft.com/office/drawing/2014/main" id="{AD007A49-83E4-44C4-92DC-F6144FF3870A}"/>
+              </a:ext>
+            </a:extLst>
+          </p:cNvPr>
+          <p:cNvSpPr>
+            <a:spLocks noGrp="1"/>
+          </p:cNvSpPr>
+          <p:nvPr>
+            <p:ph type="title"/>
+          </p:nvPr>
+        </p:nvSpPr>
+        <p:spPr/>
+        <p:txBody>
+          <a:bodyPr/>
+          <a:lstStyle/>
+          <a:p>
+            <a:r>
+              <a:rPr lang="en-IE" dirty="0"/>
+              <a:t>Action Plan</a:t>
+            </a:r>
+          </a:p>
+        </p:txBody>
+      </p:sp>
+      <p:sp>
+        <p:nvSpPr>
+          <p:cNvPr id="3" name="Content Placeholder 2">
+            <a:extLst>
+              <a:ext uri="{FF2B5EF4-FFF2-40B4-BE49-F238E27FC236}">
+                <a16:creationId xmlns:a16="http://schemas.microsoft.com/office/drawing/2014/main" id="{871F0081-3E94-4DD2-B8B7-32277EF9C353}"/>
+              </a:ext>
+            </a:extLst>
+          </p:cNvPr>
+          <p:cNvSpPr>
+            <a:spLocks noGrp="1"/>
+          </p:cNvSpPr>
+          <p:nvPr>
+            <p:ph idx="1"/>
+          </p:nvPr>
+        </p:nvSpPr>
+        <p:spPr/>
+        <p:txBody>
+          <a:bodyPr/>
+          <a:lstStyle/>
+          <a:p>
+            <a:r>
+              <a:rPr lang="en-IE" dirty="0"/>
+              <a:t>Each problem has been split into 4 steps;</a:t>
+            </a:r>
+          </a:p>
+          <a:p>
+            <a:pPr lvl="1"/>
+            <a:r>
+              <a:rPr lang="en-IE" dirty="0"/>
+              <a:t>Exploring the dataset (5 days)</a:t>
+            </a:r>
+          </a:p>
+          <a:p>
+            <a:pPr lvl="1"/>
+            <a:r>
+              <a:rPr lang="en-IE" dirty="0"/>
+              <a:t>Researching </a:t>
+            </a:r>
+            <a:r>
+              <a:rPr lang="en-IE"/>
+              <a:t>related problems </a:t>
+            </a:r>
+            <a:r>
+              <a:rPr lang="en-IE" dirty="0"/>
+              <a:t>(7 days)</a:t>
+            </a:r>
+          </a:p>
+          <a:p>
+            <a:pPr lvl="1"/>
+            <a:r>
+              <a:rPr lang="en-IE" dirty="0"/>
+              <a:t>Developing code (14 days)</a:t>
+            </a:r>
+          </a:p>
+          <a:p>
+            <a:pPr lvl="1"/>
+            <a:r>
+              <a:rPr lang="en-IE" dirty="0"/>
+              <a:t>Testing final model (2 days)</a:t>
+            </a:r>
+          </a:p>
+        </p:txBody>
+      </p:sp>
+      <p:sp>
+        <p:nvSpPr>
+          <p:cNvPr id="4" name="Slide Number Placeholder 3">
+            <a:extLst>
+              <a:ext uri="{FF2B5EF4-FFF2-40B4-BE49-F238E27FC236}">
+                <a16:creationId xmlns:a16="http://schemas.microsoft.com/office/drawing/2014/main" id="{C7FA61EC-F9D2-4B85-93FD-484F5CCA78CA}"/>
+              </a:ext>
+            </a:extLst>
+          </p:cNvPr>
+          <p:cNvSpPr>
+            <a:spLocks noGrp="1"/>
+          </p:cNvSpPr>
+          <p:nvPr>
+            <p:ph type="sldNum" sz="quarter" idx="12"/>
+          </p:nvPr>
+        </p:nvSpPr>
+        <p:spPr/>
+        <p:txBody>
+          <a:bodyPr/>
+          <a:lstStyle/>
+          <a:p>
+            <a:fld id="{3FD48E7B-E43C-45F2-80DE-76408571A8D1}" type="slidenum">
+              <a:rPr lang="en-GB" smtClean="0"/>
+              <a:t>7</a:t>
+            </a:fld>
+            <a:endParaRPr lang="en-GB"/>
+          </a:p>
+        </p:txBody>
+      </p:sp>
+    </p:spTree>
+    <p:extLst>
+      <p:ext uri="{BB962C8B-B14F-4D97-AF65-F5344CB8AC3E}">
+        <p14:creationId xmlns:p14="http://schemas.microsoft.com/office/powerpoint/2010/main" val="1717832318"/>
+      </p:ext>
+    </p:extLst>
+  </p:cSld>
+  <p:clrMapOvr>
+    <a:masterClrMapping/>
+  </p:clrMapOvr>
+</p:sld>
+</file>
+
+<file path=ppt/slides/slide8.xml><?xml version="1.0" encoding="utf-8"?>
 <p:sld xmlns:a="http://schemas.openxmlformats.org/drawingml/2006/main" xmlns:r="http://schemas.openxmlformats.org/officeDocument/2006/relationships" xmlns:p="http://schemas.openxmlformats.org/presentationml/2006/main">
   <p:cSld>
     <p:bg>
@@ -7908,375 +8694,6 @@
           <a:chExt cx="0" cy="0"/>
         </a:xfrm>
       </p:grpSpPr>
-      <p:pic>
-        <p:nvPicPr>
-          <p:cNvPr id="10" name="Picture 9">
-            <a:extLst>
-              <a:ext uri="{FF2B5EF4-FFF2-40B4-BE49-F238E27FC236}">
-                <a16:creationId xmlns:a16="http://schemas.microsoft.com/office/drawing/2014/main" id="{41B68C77-138E-4BF7-A276-BD0C78A4219F}"/>
-              </a:ext>
-              <a:ext uri="{C183D7F6-B498-43B3-948B-1728B52AA6E4}">
-                <adec:decorative xmlns:adec="http://schemas.microsoft.com/office/drawing/2017/decorative" val="1"/>
-              </a:ext>
-            </a:extLst>
-          </p:cNvPr>
-          <p:cNvPicPr>
-            <a:picLocks noGrp="1" noRot="1" noChangeAspect="1" noMove="1" noResize="1" noEditPoints="1" noAdjustHandles="1" noChangeArrowheads="1" noChangeShapeType="1" noCrop="1"/>
-          </p:cNvPicPr>
-          <p:nvPr>
-            <p:extLst>
-              <p:ext uri="{386F3935-93C4-4BCD-93E2-E3B085C9AB24}">
-                <p16:designElem xmlns:p16="http://schemas.microsoft.com/office/powerpoint/2015/main" val="1"/>
-              </p:ext>
-            </p:extLst>
-          </p:nvPr>
-        </p:nvPicPr>
-        <p:blipFill rotWithShape="1">
-          <a:blip r:embed="rId2">
-            <a:extLst>
-              <a:ext uri="{28A0092B-C50C-407E-A947-70E740481C1C}">
-                <a14:useLocalDpi xmlns:a14="http://schemas.microsoft.com/office/drawing/2010/main" val="0"/>
-              </a:ext>
-            </a:extLst>
-          </a:blip>
-          <a:srcRect l="3613"/>
-          <a:stretch/>
-        </p:blipFill>
-        <p:spPr>
-          <a:xfrm>
-            <a:off x="0" y="2669685"/>
-            <a:ext cx="4037012" cy="4188315"/>
-          </a:xfrm>
-          <a:prstGeom prst="rect">
-            <a:avLst/>
-          </a:prstGeom>
-        </p:spPr>
-      </p:pic>
-      <p:pic>
-        <p:nvPicPr>
-          <p:cNvPr id="12" name="Picture 11">
-            <a:extLst>
-              <a:ext uri="{FF2B5EF4-FFF2-40B4-BE49-F238E27FC236}">
-                <a16:creationId xmlns:a16="http://schemas.microsoft.com/office/drawing/2014/main" id="{7C268552-D473-46ED-B1B8-422042C4DEF1}"/>
-              </a:ext>
-              <a:ext uri="{C183D7F6-B498-43B3-948B-1728B52AA6E4}">
-                <adec:decorative xmlns:adec="http://schemas.microsoft.com/office/drawing/2017/decorative" val="1"/>
-              </a:ext>
-            </a:extLst>
-          </p:cNvPr>
-          <p:cNvPicPr>
-            <a:picLocks noGrp="1" noRot="1" noChangeAspect="1" noMove="1" noResize="1" noEditPoints="1" noAdjustHandles="1" noChangeArrowheads="1" noChangeShapeType="1" noCrop="1"/>
-          </p:cNvPicPr>
-          <p:nvPr>
-            <p:extLst>
-              <p:ext uri="{386F3935-93C4-4BCD-93E2-E3B085C9AB24}">
-                <p16:designElem xmlns:p16="http://schemas.microsoft.com/office/powerpoint/2015/main" val="1"/>
-              </p:ext>
-            </p:extLst>
-          </p:nvPr>
-        </p:nvPicPr>
-        <p:blipFill rotWithShape="1">
-          <a:blip r:embed="rId3">
-            <a:extLst>
-              <a:ext uri="{28A0092B-C50C-407E-A947-70E740481C1C}">
-                <a14:useLocalDpi xmlns:a14="http://schemas.microsoft.com/office/drawing/2010/main" val="0"/>
-              </a:ext>
-            </a:extLst>
-          </a:blip>
-          <a:srcRect l="35640"/>
-          <a:stretch/>
-        </p:blipFill>
-        <p:spPr>
-          <a:xfrm>
-            <a:off x="0" y="2892347"/>
-            <a:ext cx="1522412" cy="2365453"/>
-          </a:xfrm>
-          <a:prstGeom prst="rect">
-            <a:avLst/>
-          </a:prstGeom>
-        </p:spPr>
-      </p:pic>
-      <p:sp>
-        <p:nvSpPr>
-          <p:cNvPr id="14" name="Oval 13">
-            <a:extLst>
-              <a:ext uri="{FF2B5EF4-FFF2-40B4-BE49-F238E27FC236}">
-                <a16:creationId xmlns:a16="http://schemas.microsoft.com/office/drawing/2014/main" id="{4AC0CD9D-7610-4620-93B4-798CCD9AB581}"/>
-              </a:ext>
-              <a:ext uri="{C183D7F6-B498-43B3-948B-1728B52AA6E4}">
-                <adec:decorative xmlns:adec="http://schemas.microsoft.com/office/drawing/2017/decorative" val="1"/>
-              </a:ext>
-            </a:extLst>
-          </p:cNvPr>
-          <p:cNvSpPr>
-            <a:spLocks noGrp="1" noRot="1" noChangeAspect="1" noMove="1" noResize="1" noEditPoints="1" noAdjustHandles="1" noChangeArrowheads="1" noChangeShapeType="1" noTextEdit="1"/>
-          </p:cNvSpPr>
-          <p:nvPr>
-            <p:extLst>
-              <p:ext uri="{386F3935-93C4-4BCD-93E2-E3B085C9AB24}">
-                <p16:designElem xmlns:p16="http://schemas.microsoft.com/office/powerpoint/2015/main" val="1"/>
-              </p:ext>
-            </p:extLst>
-          </p:nvPr>
-        </p:nvSpPr>
-        <p:spPr>
-          <a:xfrm>
-            <a:off x="8609012" y="1676400"/>
-            <a:ext cx="2819400" cy="2819400"/>
-          </a:xfrm>
-          <a:prstGeom prst="ellipse">
-            <a:avLst/>
-          </a:prstGeom>
-          <a:gradFill flip="none" rotWithShape="1">
-            <a:gsLst>
-              <a:gs pos="0">
-                <a:schemeClr val="bg2">
-                  <a:lumMod val="60000"/>
-                  <a:lumOff val="40000"/>
-                  <a:alpha val="7000"/>
-                </a:schemeClr>
-              </a:gs>
-              <a:gs pos="69000">
-                <a:schemeClr val="bg2">
-                  <a:lumMod val="60000"/>
-                  <a:lumOff val="40000"/>
-                  <a:alpha val="0"/>
-                </a:schemeClr>
-              </a:gs>
-              <a:gs pos="36000">
-                <a:schemeClr val="bg2">
-                  <a:lumMod val="60000"/>
-                  <a:lumOff val="40000"/>
-                  <a:alpha val="6000"/>
-                </a:schemeClr>
-              </a:gs>
-            </a:gsLst>
-            <a:path path="circle">
-              <a:fillToRect l="50000" t="50000" r="50000" b="50000"/>
-            </a:path>
-            <a:tileRect/>
-          </a:gradFill>
-          <a:ln>
-            <a:noFill/>
-          </a:ln>
-          <a:effectLst/>
-        </p:spPr>
-        <p:style>
-          <a:lnRef idx="1">
-            <a:schemeClr val="accent1"/>
-          </a:lnRef>
-          <a:fillRef idx="3">
-            <a:schemeClr val="accent1"/>
-          </a:fillRef>
-          <a:effectRef idx="2">
-            <a:schemeClr val="accent1"/>
-          </a:effectRef>
-          <a:fontRef idx="minor">
-            <a:schemeClr val="lt1"/>
-          </a:fontRef>
-        </p:style>
-      </p:sp>
-      <p:pic>
-        <p:nvPicPr>
-          <p:cNvPr id="16" name="Picture 15">
-            <a:extLst>
-              <a:ext uri="{FF2B5EF4-FFF2-40B4-BE49-F238E27FC236}">
-                <a16:creationId xmlns:a16="http://schemas.microsoft.com/office/drawing/2014/main" id="{B9238B3E-24AA-439A-B527-6C5DF6D72145}"/>
-              </a:ext>
-              <a:ext uri="{C183D7F6-B498-43B3-948B-1728B52AA6E4}">
-                <adec:decorative xmlns:adec="http://schemas.microsoft.com/office/drawing/2017/decorative" val="1"/>
-              </a:ext>
-            </a:extLst>
-          </p:cNvPr>
-          <p:cNvPicPr>
-            <a:picLocks noGrp="1" noRot="1" noChangeAspect="1" noMove="1" noResize="1" noEditPoints="1" noAdjustHandles="1" noChangeArrowheads="1" noChangeShapeType="1" noCrop="1"/>
-          </p:cNvPicPr>
-          <p:nvPr>
-            <p:extLst>
-              <p:ext uri="{386F3935-93C4-4BCD-93E2-E3B085C9AB24}">
-                <p16:designElem xmlns:p16="http://schemas.microsoft.com/office/powerpoint/2015/main" val="1"/>
-              </p:ext>
-            </p:extLst>
-          </p:nvPr>
-        </p:nvPicPr>
-        <p:blipFill rotWithShape="1">
-          <a:blip r:embed="rId4">
-            <a:extLst>
-              <a:ext uri="{28A0092B-C50C-407E-A947-70E740481C1C}">
-                <a14:useLocalDpi xmlns:a14="http://schemas.microsoft.com/office/drawing/2010/main" val="0"/>
-              </a:ext>
-            </a:extLst>
-          </a:blip>
-          <a:srcRect t="28813"/>
-          <a:stretch/>
-        </p:blipFill>
-        <p:spPr>
-          <a:xfrm>
-            <a:off x="7999412" y="0"/>
-            <a:ext cx="1603387" cy="1141407"/>
-          </a:xfrm>
-          <a:prstGeom prst="rect">
-            <a:avLst/>
-          </a:prstGeom>
-        </p:spPr>
-      </p:pic>
-      <p:pic>
-        <p:nvPicPr>
-          <p:cNvPr id="18" name="Picture 17">
-            <a:extLst>
-              <a:ext uri="{FF2B5EF4-FFF2-40B4-BE49-F238E27FC236}">
-                <a16:creationId xmlns:a16="http://schemas.microsoft.com/office/drawing/2014/main" id="{69F01145-BEA3-4CBF-AA21-10077B948CA8}"/>
-              </a:ext>
-              <a:ext uri="{C183D7F6-B498-43B3-948B-1728B52AA6E4}">
-                <adec:decorative xmlns:adec="http://schemas.microsoft.com/office/drawing/2017/decorative" val="1"/>
-              </a:ext>
-            </a:extLst>
-          </p:cNvPr>
-          <p:cNvPicPr>
-            <a:picLocks noGrp="1" noRot="1" noChangeAspect="1" noMove="1" noResize="1" noEditPoints="1" noAdjustHandles="1" noChangeArrowheads="1" noChangeShapeType="1" noCrop="1"/>
-          </p:cNvPicPr>
-          <p:nvPr>
-            <p:extLst>
-              <p:ext uri="{386F3935-93C4-4BCD-93E2-E3B085C9AB24}">
-                <p16:designElem xmlns:p16="http://schemas.microsoft.com/office/powerpoint/2015/main" val="1"/>
-              </p:ext>
-            </p:extLst>
-          </p:nvPr>
-        </p:nvPicPr>
-        <p:blipFill rotWithShape="1">
-          <a:blip r:embed="rId5">
-            <a:extLst>
-              <a:ext uri="{28A0092B-C50C-407E-A947-70E740481C1C}">
-                <a14:useLocalDpi xmlns:a14="http://schemas.microsoft.com/office/drawing/2010/main" val="0"/>
-              </a:ext>
-            </a:extLst>
-          </a:blip>
-          <a:srcRect b="23320"/>
-          <a:stretch/>
-        </p:blipFill>
-        <p:spPr>
-          <a:xfrm>
-            <a:off x="8605878" y="6096000"/>
-            <a:ext cx="993734" cy="762000"/>
-          </a:xfrm>
-          <a:prstGeom prst="rect">
-            <a:avLst/>
-          </a:prstGeom>
-        </p:spPr>
-      </p:pic>
-      <p:sp>
-        <p:nvSpPr>
-          <p:cNvPr id="20" name="Rectangle 19">
-            <a:extLst>
-              <a:ext uri="{FF2B5EF4-FFF2-40B4-BE49-F238E27FC236}">
-                <a16:creationId xmlns:a16="http://schemas.microsoft.com/office/drawing/2014/main" id="{DE4D62F9-188E-4530-84C2-24BDEE4BEB82}"/>
-              </a:ext>
-              <a:ext uri="{C183D7F6-B498-43B3-948B-1728B52AA6E4}">
-                <adec:decorative xmlns:adec="http://schemas.microsoft.com/office/drawing/2017/decorative" val="1"/>
-              </a:ext>
-            </a:extLst>
-          </p:cNvPr>
-          <p:cNvSpPr>
-            <a:spLocks noGrp="1" noRot="1" noChangeAspect="1" noMove="1" noResize="1" noEditPoints="1" noAdjustHandles="1" noChangeArrowheads="1" noChangeShapeType="1" noTextEdit="1"/>
-          </p:cNvSpPr>
-          <p:nvPr>
-            <p:extLst>
-              <p:ext uri="{386F3935-93C4-4BCD-93E2-E3B085C9AB24}">
-                <p16:designElem xmlns:p16="http://schemas.microsoft.com/office/powerpoint/2015/main" val="1"/>
-              </p:ext>
-            </p:extLst>
-          </p:nvPr>
-        </p:nvSpPr>
-        <p:spPr>
-          <a:xfrm>
-            <a:off x="10437812" y="0"/>
-            <a:ext cx="685800" cy="1143000"/>
-          </a:xfrm>
-          <a:prstGeom prst="rect">
-            <a:avLst/>
-          </a:prstGeom>
-          <a:solidFill>
-            <a:schemeClr val="accent1"/>
-          </a:solidFill>
-          <a:ln>
-            <a:noFill/>
-          </a:ln>
-        </p:spPr>
-        <p:style>
-          <a:lnRef idx="1">
-            <a:schemeClr val="accent1"/>
-          </a:lnRef>
-          <a:fillRef idx="3">
-            <a:schemeClr val="accent1"/>
-          </a:fillRef>
-          <a:effectRef idx="2">
-            <a:schemeClr val="accent1"/>
-          </a:effectRef>
-          <a:fontRef idx="minor">
-            <a:schemeClr val="lt1"/>
-          </a:fontRef>
-        </p:style>
-      </p:sp>
-      <p:sp>
-        <p:nvSpPr>
-          <p:cNvPr id="22" name="Rectangle 21">
-            <a:extLst>
-              <a:ext uri="{FF2B5EF4-FFF2-40B4-BE49-F238E27FC236}">
-                <a16:creationId xmlns:a16="http://schemas.microsoft.com/office/drawing/2014/main" id="{757B325C-3E35-45CF-9D07-3BCB281F3B9C}"/>
-              </a:ext>
-              <a:ext uri="{C183D7F6-B498-43B3-948B-1728B52AA6E4}">
-                <adec:decorative xmlns:adec="http://schemas.microsoft.com/office/drawing/2017/decorative" val="1"/>
-              </a:ext>
-            </a:extLst>
-          </p:cNvPr>
-          <p:cNvSpPr>
-            <a:spLocks noGrp="1" noRot="1" noChangeAspect="1" noMove="1" noResize="1" noEditPoints="1" noAdjustHandles="1" noChangeArrowheads="1" noChangeShapeType="1" noTextEdit="1"/>
-          </p:cNvSpPr>
-          <p:nvPr>
-            <p:extLst>
-              <p:ext uri="{386F3935-93C4-4BCD-93E2-E3B085C9AB24}">
-                <p16:designElem xmlns:p16="http://schemas.microsoft.com/office/powerpoint/2015/main" val="1"/>
-              </p:ext>
-            </p:extLst>
-          </p:nvPr>
-        </p:nvSpPr>
-        <p:spPr>
-          <a:xfrm>
-            <a:off x="0" y="0"/>
-            <a:ext cx="12192000" cy="6858000"/>
-          </a:xfrm>
-          <a:prstGeom prst="rect">
-            <a:avLst/>
-          </a:prstGeom>
-          <a:ln>
-            <a:noFill/>
-          </a:ln>
-        </p:spPr>
-        <p:style>
-          <a:lnRef idx="2">
-            <a:schemeClr val="accent1">
-              <a:shade val="50000"/>
-            </a:schemeClr>
-          </a:lnRef>
-          <a:fillRef idx="1003">
-            <a:schemeClr val="dk2"/>
-          </a:fillRef>
-          <a:effectRef idx="0">
-            <a:schemeClr val="accent1"/>
-          </a:effectRef>
-          <a:fontRef idx="minor">
-            <a:schemeClr val="lt1"/>
-          </a:fontRef>
-        </p:style>
-        <p:txBody>
-          <a:bodyPr rtlCol="0" anchor="ctr"/>
-          <a:lstStyle/>
-          <a:p>
-            <a:pPr algn="ctr"/>
-            <a:endParaRPr lang="en-US"/>
-          </a:p>
-        </p:txBody>
-      </p:sp>
       <p:sp>
         <p:nvSpPr>
           <p:cNvPr id="2" name="Title 1">
@@ -8318,900 +8735,6 @@
             </a:r>
           </a:p>
         </p:txBody>
-      </p:sp>
-      <p:sp>
-        <p:nvSpPr>
-          <p:cNvPr id="24" name="Freeform 36">
-            <a:extLst>
-              <a:ext uri="{FF2B5EF4-FFF2-40B4-BE49-F238E27FC236}">
-                <a16:creationId xmlns:a16="http://schemas.microsoft.com/office/drawing/2014/main" id="{C24BEC42-AFF3-40D1-93A2-A27A42E1E23C}"/>
-              </a:ext>
-              <a:ext uri="{C183D7F6-B498-43B3-948B-1728B52AA6E4}">
-                <adec:decorative xmlns:adec="http://schemas.microsoft.com/office/drawing/2017/decorative" val="1"/>
-              </a:ext>
-            </a:extLst>
-          </p:cNvPr>
-          <p:cNvSpPr>
-            <a:spLocks noGrp="1" noRot="1" noChangeAspect="1" noMove="1" noResize="1" noEditPoints="1" noAdjustHandles="1" noChangeArrowheads="1" noChangeShapeType="1" noTextEdit="1"/>
-          </p:cNvSpPr>
-          <p:nvPr>
-            <p:extLst>
-              <p:ext uri="{386F3935-93C4-4BCD-93E2-E3B085C9AB24}">
-                <p16:designElem xmlns:p16="http://schemas.microsoft.com/office/powerpoint/2015/main" val="1"/>
-              </p:ext>
-            </p:extLst>
-          </p:nvPr>
-        </p:nvSpPr>
-        <p:spPr>
-          <a:xfrm flipH="1">
-            <a:off x="7463681" y="-1"/>
-            <a:ext cx="559472" cy="3709642"/>
-          </a:xfrm>
-          <a:custGeom>
-            <a:avLst/>
-            <a:gdLst>
-              <a:gd name="connsiteX0" fmla="*/ 0 w 559472"/>
-              <a:gd name="connsiteY0" fmla="*/ 0 h 3709642"/>
-              <a:gd name="connsiteX1" fmla="*/ 473952 w 559472"/>
-              <a:gd name="connsiteY1" fmla="*/ 0 h 3709642"/>
-              <a:gd name="connsiteX2" fmla="*/ 485840 w 559472"/>
-              <a:gd name="connsiteY2" fmla="*/ 161194 h 3709642"/>
-              <a:gd name="connsiteX3" fmla="*/ 523949 w 559472"/>
-              <a:gd name="connsiteY3" fmla="*/ 3672197 h 3709642"/>
-              <a:gd name="connsiteX4" fmla="*/ 454748 w 559472"/>
-              <a:gd name="connsiteY4" fmla="*/ 3709642 h 3709642"/>
-              <a:gd name="connsiteX5" fmla="*/ 448224 w 559472"/>
-              <a:gd name="connsiteY5" fmla="*/ 3510471 h 3709642"/>
-              <a:gd name="connsiteX6" fmla="*/ 443564 w 559472"/>
-              <a:gd name="connsiteY6" fmla="*/ 3408563 h 3709642"/>
-              <a:gd name="connsiteX7" fmla="*/ 438902 w 559472"/>
-              <a:gd name="connsiteY7" fmla="*/ 3304407 h 3709642"/>
-              <a:gd name="connsiteX8" fmla="*/ 433941 w 559472"/>
-              <a:gd name="connsiteY8" fmla="*/ 3198777 h 3709642"/>
-              <a:gd name="connsiteX9" fmla="*/ 427584 w 559472"/>
-              <a:gd name="connsiteY9" fmla="*/ 3092510 h 3709642"/>
-              <a:gd name="connsiteX10" fmla="*/ 420988 w 559472"/>
-              <a:gd name="connsiteY10" fmla="*/ 2984390 h 3709642"/>
-              <a:gd name="connsiteX11" fmla="*/ 414330 w 559472"/>
-              <a:gd name="connsiteY11" fmla="*/ 2874401 h 3709642"/>
-              <a:gd name="connsiteX12" fmla="*/ 406840 w 559472"/>
-              <a:gd name="connsiteY12" fmla="*/ 2762980 h 3709642"/>
-              <a:gd name="connsiteX13" fmla="*/ 397745 w 559472"/>
-              <a:gd name="connsiteY13" fmla="*/ 2650566 h 3709642"/>
-              <a:gd name="connsiteX14" fmla="*/ 389154 w 559472"/>
-              <a:gd name="connsiteY14" fmla="*/ 2536612 h 3709642"/>
-              <a:gd name="connsiteX15" fmla="*/ 379225 w 559472"/>
-              <a:gd name="connsiteY15" fmla="*/ 2421642 h 3709642"/>
-              <a:gd name="connsiteX16" fmla="*/ 368316 w 559472"/>
-              <a:gd name="connsiteY16" fmla="*/ 2305627 h 3709642"/>
-              <a:gd name="connsiteX17" fmla="*/ 357466 w 559472"/>
-              <a:gd name="connsiteY17" fmla="*/ 2189233 h 3709642"/>
-              <a:gd name="connsiteX18" fmla="*/ 344982 w 559472"/>
-              <a:gd name="connsiteY18" fmla="*/ 2071473 h 3709642"/>
-              <a:gd name="connsiteX19" fmla="*/ 332466 w 559472"/>
-              <a:gd name="connsiteY19" fmla="*/ 1952216 h 3709642"/>
-              <a:gd name="connsiteX20" fmla="*/ 319121 w 559472"/>
-              <a:gd name="connsiteY20" fmla="*/ 1833776 h 3709642"/>
-              <a:gd name="connsiteX21" fmla="*/ 304408 w 559472"/>
-              <a:gd name="connsiteY21" fmla="*/ 1713948 h 3709642"/>
-              <a:gd name="connsiteX22" fmla="*/ 288685 w 559472"/>
-              <a:gd name="connsiteY22" fmla="*/ 1592703 h 3709642"/>
-              <a:gd name="connsiteX23" fmla="*/ 273050 w 559472"/>
-              <a:gd name="connsiteY23" fmla="*/ 1471451 h 3709642"/>
-              <a:gd name="connsiteX24" fmla="*/ 255813 w 559472"/>
-              <a:gd name="connsiteY24" fmla="*/ 1350328 h 3709642"/>
-              <a:gd name="connsiteX25" fmla="*/ 237060 w 559472"/>
-              <a:gd name="connsiteY25" fmla="*/ 1227080 h 3709642"/>
-              <a:gd name="connsiteX26" fmla="*/ 218488 w 559472"/>
-              <a:gd name="connsiteY26" fmla="*/ 1106065 h 3709642"/>
-              <a:gd name="connsiteX27" fmla="*/ 198221 w 559472"/>
-              <a:gd name="connsiteY27" fmla="*/ 982940 h 3709642"/>
-              <a:gd name="connsiteX28" fmla="*/ 177152 w 559472"/>
-              <a:gd name="connsiteY28" fmla="*/ 858755 h 3709642"/>
-              <a:gd name="connsiteX29" fmla="*/ 155551 w 559472"/>
-              <a:gd name="connsiteY29" fmla="*/ 736861 h 3709642"/>
-              <a:gd name="connsiteX30" fmla="*/ 131782 w 559472"/>
-              <a:gd name="connsiteY30" fmla="*/ 613645 h 3709642"/>
-              <a:gd name="connsiteX31" fmla="*/ 107123 w 559472"/>
-              <a:gd name="connsiteY31" fmla="*/ 490500 h 3709642"/>
-              <a:gd name="connsiteX32" fmla="*/ 82552 w 559472"/>
-              <a:gd name="connsiteY32" fmla="*/ 367348 h 3709642"/>
-              <a:gd name="connsiteX33" fmla="*/ 55608 w 559472"/>
-              <a:gd name="connsiteY33" fmla="*/ 244762 h 3709642"/>
-              <a:gd name="connsiteX34" fmla="*/ 28130 w 559472"/>
-              <a:gd name="connsiteY34" fmla="*/ 122220 h 3709642"/>
-              <a:gd name="connsiteX35" fmla="*/ 0 w 559472"/>
-              <a:gd name="connsiteY35" fmla="*/ 0 h 3709642"/>
-            </a:gdLst>
-            <a:ahLst/>
-            <a:cxnLst>
-              <a:cxn ang="0">
-                <a:pos x="connsiteX0" y="connsiteY0"/>
-              </a:cxn>
-              <a:cxn ang="0">
-                <a:pos x="connsiteX1" y="connsiteY1"/>
-              </a:cxn>
-              <a:cxn ang="0">
-                <a:pos x="connsiteX2" y="connsiteY2"/>
-              </a:cxn>
-              <a:cxn ang="0">
-                <a:pos x="connsiteX3" y="connsiteY3"/>
-              </a:cxn>
-              <a:cxn ang="0">
-                <a:pos x="connsiteX4" y="connsiteY4"/>
-              </a:cxn>
-              <a:cxn ang="0">
-                <a:pos x="connsiteX5" y="connsiteY5"/>
-              </a:cxn>
-              <a:cxn ang="0">
-                <a:pos x="connsiteX6" y="connsiteY6"/>
-              </a:cxn>
-              <a:cxn ang="0">
-                <a:pos x="connsiteX7" y="connsiteY7"/>
-              </a:cxn>
-              <a:cxn ang="0">
-                <a:pos x="connsiteX8" y="connsiteY8"/>
-              </a:cxn>
-              <a:cxn ang="0">
-                <a:pos x="connsiteX9" y="connsiteY9"/>
-              </a:cxn>
-              <a:cxn ang="0">
-                <a:pos x="connsiteX10" y="connsiteY10"/>
-              </a:cxn>
-              <a:cxn ang="0">
-                <a:pos x="connsiteX11" y="connsiteY11"/>
-              </a:cxn>
-              <a:cxn ang="0">
-                <a:pos x="connsiteX12" y="connsiteY12"/>
-              </a:cxn>
-              <a:cxn ang="0">
-                <a:pos x="connsiteX13" y="connsiteY13"/>
-              </a:cxn>
-              <a:cxn ang="0">
-                <a:pos x="connsiteX14" y="connsiteY14"/>
-              </a:cxn>
-              <a:cxn ang="0">
-                <a:pos x="connsiteX15" y="connsiteY15"/>
-              </a:cxn>
-              <a:cxn ang="0">
-                <a:pos x="connsiteX16" y="connsiteY16"/>
-              </a:cxn>
-              <a:cxn ang="0">
-                <a:pos x="connsiteX17" y="connsiteY17"/>
-              </a:cxn>
-              <a:cxn ang="0">
-                <a:pos x="connsiteX18" y="connsiteY18"/>
-              </a:cxn>
-              <a:cxn ang="0">
-                <a:pos x="connsiteX19" y="connsiteY19"/>
-              </a:cxn>
-              <a:cxn ang="0">
-                <a:pos x="connsiteX20" y="connsiteY20"/>
-              </a:cxn>
-              <a:cxn ang="0">
-                <a:pos x="connsiteX21" y="connsiteY21"/>
-              </a:cxn>
-              <a:cxn ang="0">
-                <a:pos x="connsiteX22" y="connsiteY22"/>
-              </a:cxn>
-              <a:cxn ang="0">
-                <a:pos x="connsiteX23" y="connsiteY23"/>
-              </a:cxn>
-              <a:cxn ang="0">
-                <a:pos x="connsiteX24" y="connsiteY24"/>
-              </a:cxn>
-              <a:cxn ang="0">
-                <a:pos x="connsiteX25" y="connsiteY25"/>
-              </a:cxn>
-              <a:cxn ang="0">
-                <a:pos x="connsiteX26" y="connsiteY26"/>
-              </a:cxn>
-              <a:cxn ang="0">
-                <a:pos x="connsiteX27" y="connsiteY27"/>
-              </a:cxn>
-              <a:cxn ang="0">
-                <a:pos x="connsiteX28" y="connsiteY28"/>
-              </a:cxn>
-              <a:cxn ang="0">
-                <a:pos x="connsiteX29" y="connsiteY29"/>
-              </a:cxn>
-              <a:cxn ang="0">
-                <a:pos x="connsiteX30" y="connsiteY30"/>
-              </a:cxn>
-              <a:cxn ang="0">
-                <a:pos x="connsiteX31" y="connsiteY31"/>
-              </a:cxn>
-              <a:cxn ang="0">
-                <a:pos x="connsiteX32" y="connsiteY32"/>
-              </a:cxn>
-              <a:cxn ang="0">
-                <a:pos x="connsiteX33" y="connsiteY33"/>
-              </a:cxn>
-              <a:cxn ang="0">
-                <a:pos x="connsiteX34" y="connsiteY34"/>
-              </a:cxn>
-              <a:cxn ang="0">
-                <a:pos x="connsiteX35" y="connsiteY35"/>
-              </a:cxn>
-            </a:cxnLst>
-            <a:rect l="l" t="t" r="r" b="b"/>
-            <a:pathLst>
-              <a:path w="559472" h="3709642">
-                <a:moveTo>
-                  <a:pt x="0" y="0"/>
-                </a:moveTo>
-                <a:lnTo>
-                  <a:pt x="473952" y="0"/>
-                </a:lnTo>
-                <a:lnTo>
-                  <a:pt x="485840" y="161194"/>
-                </a:lnTo>
-                <a:cubicBezTo>
-                  <a:pt x="552063" y="1147770"/>
-                  <a:pt x="592441" y="3086737"/>
-                  <a:pt x="523949" y="3672197"/>
-                </a:cubicBezTo>
-                <a:cubicBezTo>
-                  <a:pt x="500842" y="3684557"/>
-                  <a:pt x="477855" y="3697282"/>
-                  <a:pt x="454748" y="3709642"/>
-                </a:cubicBezTo>
-                <a:lnTo>
-                  <a:pt x="448224" y="3510471"/>
-                </a:lnTo>
-                <a:lnTo>
-                  <a:pt x="443564" y="3408563"/>
-                </a:lnTo>
-                <a:lnTo>
-                  <a:pt x="438902" y="3304407"/>
-                </a:lnTo>
-                <a:lnTo>
-                  <a:pt x="433941" y="3198777"/>
-                </a:lnTo>
-                <a:lnTo>
-                  <a:pt x="427584" y="3092510"/>
-                </a:lnTo>
-                <a:lnTo>
-                  <a:pt x="420988" y="2984390"/>
-                </a:lnTo>
-                <a:lnTo>
-                  <a:pt x="414330" y="2874401"/>
-                </a:lnTo>
-                <a:lnTo>
-                  <a:pt x="406840" y="2762980"/>
-                </a:lnTo>
-                <a:lnTo>
-                  <a:pt x="397745" y="2650566"/>
-                </a:lnTo>
-                <a:lnTo>
-                  <a:pt x="389154" y="2536612"/>
-                </a:lnTo>
-                <a:lnTo>
-                  <a:pt x="379225" y="2421642"/>
-                </a:lnTo>
-                <a:lnTo>
-                  <a:pt x="368316" y="2305627"/>
-                </a:lnTo>
-                <a:lnTo>
-                  <a:pt x="357466" y="2189233"/>
-                </a:lnTo>
-                <a:lnTo>
-                  <a:pt x="344982" y="2071473"/>
-                </a:lnTo>
-                <a:lnTo>
-                  <a:pt x="332466" y="1952216"/>
-                </a:lnTo>
-                <a:lnTo>
-                  <a:pt x="319121" y="1833776"/>
-                </a:lnTo>
-                <a:lnTo>
-                  <a:pt x="304408" y="1713948"/>
-                </a:lnTo>
-                <a:lnTo>
-                  <a:pt x="288685" y="1592703"/>
-                </a:lnTo>
-                <a:lnTo>
-                  <a:pt x="273050" y="1471451"/>
-                </a:lnTo>
-                <a:lnTo>
-                  <a:pt x="255813" y="1350328"/>
-                </a:lnTo>
-                <a:lnTo>
-                  <a:pt x="237060" y="1227080"/>
-                </a:lnTo>
-                <a:lnTo>
-                  <a:pt x="218488" y="1106065"/>
-                </a:lnTo>
-                <a:lnTo>
-                  <a:pt x="198221" y="982940"/>
-                </a:lnTo>
-                <a:lnTo>
-                  <a:pt x="177152" y="858755"/>
-                </a:lnTo>
-                <a:lnTo>
-                  <a:pt x="155551" y="736861"/>
-                </a:lnTo>
-                <a:lnTo>
-                  <a:pt x="131782" y="613645"/>
-                </a:lnTo>
-                <a:lnTo>
-                  <a:pt x="107123" y="490500"/>
-                </a:lnTo>
-                <a:lnTo>
-                  <a:pt x="82552" y="367348"/>
-                </a:lnTo>
-                <a:lnTo>
-                  <a:pt x="55608" y="244762"/>
-                </a:lnTo>
-                <a:lnTo>
-                  <a:pt x="28130" y="122220"/>
-                </a:lnTo>
-                <a:lnTo>
-                  <a:pt x="0" y="0"/>
-                </a:lnTo>
-                <a:close/>
-              </a:path>
-            </a:pathLst>
-          </a:custGeom>
-          <a:solidFill>
-            <a:schemeClr val="bg1">
-              <a:alpha val="20000"/>
-            </a:schemeClr>
-          </a:solidFill>
-          <a:ln>
-            <a:noFill/>
-          </a:ln>
-        </p:spPr>
-        <p:txBody>
-          <a:bodyPr rtlCol="0" anchor="ctr"/>
-          <a:lstStyle/>
-          <a:p>
-            <a:pPr algn="ctr"/>
-            <a:endParaRPr lang="en-US"/>
-          </a:p>
-        </p:txBody>
-      </p:sp>
-      <p:sp useBgFill="1">
-        <p:nvSpPr>
-          <p:cNvPr id="26" name="Freeform: Shape 25">
-            <a:extLst>
-              <a:ext uri="{FF2B5EF4-FFF2-40B4-BE49-F238E27FC236}">
-                <a16:creationId xmlns:a16="http://schemas.microsoft.com/office/drawing/2014/main" id="{608F427C-1EC9-4280-9367-F2B3AA063E82}"/>
-              </a:ext>
-              <a:ext uri="{C183D7F6-B498-43B3-948B-1728B52AA6E4}">
-                <adec:decorative xmlns:adec="http://schemas.microsoft.com/office/drawing/2017/decorative" val="1"/>
-              </a:ext>
-            </a:extLst>
-          </p:cNvPr>
-          <p:cNvSpPr>
-            <a:spLocks noGrp="1" noRot="1" noChangeAspect="1" noMove="1" noResize="1" noEditPoints="1" noAdjustHandles="1" noChangeArrowheads="1" noChangeShapeType="1" noTextEdit="1"/>
-          </p:cNvSpPr>
-          <p:nvPr>
-            <p:extLst>
-              <p:ext uri="{386F3935-93C4-4BCD-93E2-E3B085C9AB24}">
-                <p16:designElem xmlns:p16="http://schemas.microsoft.com/office/powerpoint/2015/main" val="1"/>
-              </p:ext>
-            </p:extLst>
-          </p:nvPr>
-        </p:nvSpPr>
-        <p:spPr>
-          <a:xfrm>
-            <a:off x="0" y="0"/>
-            <a:ext cx="7809954" cy="6858000"/>
-          </a:xfrm>
-          <a:custGeom>
-            <a:avLst/>
-            <a:gdLst>
-              <a:gd name="connsiteX0" fmla="*/ 6465239 w 7809954"/>
-              <a:gd name="connsiteY0" fmla="*/ 0 h 6858000"/>
-              <a:gd name="connsiteX1" fmla="*/ 7808777 w 7809954"/>
-              <a:gd name="connsiteY1" fmla="*/ 0 h 6858000"/>
-              <a:gd name="connsiteX2" fmla="*/ 7783732 w 7809954"/>
-              <a:gd name="connsiteY2" fmla="*/ 155676 h 6858000"/>
-              <a:gd name="connsiteX3" fmla="*/ 7759863 w 7809954"/>
-              <a:gd name="connsiteY3" fmla="*/ 310667 h 6858000"/>
-              <a:gd name="connsiteX4" fmla="*/ 7736499 w 7809954"/>
-              <a:gd name="connsiteY4" fmla="*/ 466344 h 6858000"/>
-              <a:gd name="connsiteX5" fmla="*/ 7716496 w 7809954"/>
-              <a:gd name="connsiteY5" fmla="*/ 622706 h 6858000"/>
-              <a:gd name="connsiteX6" fmla="*/ 7696325 w 7809954"/>
-              <a:gd name="connsiteY6" fmla="*/ 778383 h 6858000"/>
-              <a:gd name="connsiteX7" fmla="*/ 7677499 w 7809954"/>
-              <a:gd name="connsiteY7" fmla="*/ 934745 h 6858000"/>
-              <a:gd name="connsiteX8" fmla="*/ 7661363 w 7809954"/>
-              <a:gd name="connsiteY8" fmla="*/ 1089050 h 6858000"/>
-              <a:gd name="connsiteX9" fmla="*/ 7646067 w 7809954"/>
-              <a:gd name="connsiteY9" fmla="*/ 1245413 h 6858000"/>
-              <a:gd name="connsiteX10" fmla="*/ 7632115 w 7809954"/>
-              <a:gd name="connsiteY10" fmla="*/ 1401089 h 6858000"/>
-              <a:gd name="connsiteX11" fmla="*/ 7620013 w 7809954"/>
-              <a:gd name="connsiteY11" fmla="*/ 1554023 h 6858000"/>
-              <a:gd name="connsiteX12" fmla="*/ 7607910 w 7809954"/>
-              <a:gd name="connsiteY12" fmla="*/ 1709013 h 6858000"/>
-              <a:gd name="connsiteX13" fmla="*/ 7597825 w 7809954"/>
-              <a:gd name="connsiteY13" fmla="*/ 1861947 h 6858000"/>
-              <a:gd name="connsiteX14" fmla="*/ 7589925 w 7809954"/>
-              <a:gd name="connsiteY14" fmla="*/ 2014880 h 6858000"/>
-              <a:gd name="connsiteX15" fmla="*/ 7581688 w 7809954"/>
-              <a:gd name="connsiteY15" fmla="*/ 2167128 h 6858000"/>
-              <a:gd name="connsiteX16" fmla="*/ 7574797 w 7809954"/>
-              <a:gd name="connsiteY16" fmla="*/ 2318004 h 6858000"/>
-              <a:gd name="connsiteX17" fmla="*/ 7569922 w 7809954"/>
-              <a:gd name="connsiteY17" fmla="*/ 2467508 h 6858000"/>
-              <a:gd name="connsiteX18" fmla="*/ 7565720 w 7809954"/>
-              <a:gd name="connsiteY18" fmla="*/ 2617013 h 6858000"/>
-              <a:gd name="connsiteX19" fmla="*/ 7561686 w 7809954"/>
-              <a:gd name="connsiteY19" fmla="*/ 2765145 h 6858000"/>
-              <a:gd name="connsiteX20" fmla="*/ 7559837 w 7809954"/>
-              <a:gd name="connsiteY20" fmla="*/ 2911221 h 6858000"/>
-              <a:gd name="connsiteX21" fmla="*/ 7557820 w 7809954"/>
-              <a:gd name="connsiteY21" fmla="*/ 3057296 h 6858000"/>
-              <a:gd name="connsiteX22" fmla="*/ 7556811 w 7809954"/>
-              <a:gd name="connsiteY22" fmla="*/ 3201314 h 6858000"/>
-              <a:gd name="connsiteX23" fmla="*/ 7557820 w 7809954"/>
-              <a:gd name="connsiteY23" fmla="*/ 3343960 h 6858000"/>
-              <a:gd name="connsiteX24" fmla="*/ 7557820 w 7809954"/>
-              <a:gd name="connsiteY24" fmla="*/ 3485235 h 6858000"/>
-              <a:gd name="connsiteX25" fmla="*/ 7559837 w 7809954"/>
-              <a:gd name="connsiteY25" fmla="*/ 3625138 h 6858000"/>
-              <a:gd name="connsiteX26" fmla="*/ 7562862 w 7809954"/>
-              <a:gd name="connsiteY26" fmla="*/ 3762298 h 6858000"/>
-              <a:gd name="connsiteX27" fmla="*/ 7565720 w 7809954"/>
-              <a:gd name="connsiteY27" fmla="*/ 3898087 h 6858000"/>
-              <a:gd name="connsiteX28" fmla="*/ 7568914 w 7809954"/>
-              <a:gd name="connsiteY28" fmla="*/ 4031132 h 6858000"/>
-              <a:gd name="connsiteX29" fmla="*/ 7573788 w 7809954"/>
-              <a:gd name="connsiteY29" fmla="*/ 4163491 h 6858000"/>
-              <a:gd name="connsiteX30" fmla="*/ 7578999 w 7809954"/>
-              <a:gd name="connsiteY30" fmla="*/ 4293793 h 6858000"/>
-              <a:gd name="connsiteX31" fmla="*/ 7583705 w 7809954"/>
-              <a:gd name="connsiteY31" fmla="*/ 4421352 h 6858000"/>
-              <a:gd name="connsiteX32" fmla="*/ 7596985 w 7809954"/>
-              <a:gd name="connsiteY32" fmla="*/ 4670298 h 6858000"/>
-              <a:gd name="connsiteX33" fmla="*/ 7611104 w 7809954"/>
-              <a:gd name="connsiteY33" fmla="*/ 4908956 h 6858000"/>
-              <a:gd name="connsiteX34" fmla="*/ 7625896 w 7809954"/>
-              <a:gd name="connsiteY34" fmla="*/ 5138013 h 6858000"/>
-              <a:gd name="connsiteX35" fmla="*/ 7642201 w 7809954"/>
-              <a:gd name="connsiteY35" fmla="*/ 5354726 h 6858000"/>
-              <a:gd name="connsiteX36" fmla="*/ 7659178 w 7809954"/>
-              <a:gd name="connsiteY36" fmla="*/ 5561838 h 6858000"/>
-              <a:gd name="connsiteX37" fmla="*/ 7677499 w 7809954"/>
-              <a:gd name="connsiteY37" fmla="*/ 5753862 h 6858000"/>
-              <a:gd name="connsiteX38" fmla="*/ 7695485 w 7809954"/>
-              <a:gd name="connsiteY38" fmla="*/ 5934227 h 6858000"/>
-              <a:gd name="connsiteX39" fmla="*/ 7713470 w 7809954"/>
-              <a:gd name="connsiteY39" fmla="*/ 6100191 h 6858000"/>
-              <a:gd name="connsiteX40" fmla="*/ 7730447 w 7809954"/>
-              <a:gd name="connsiteY40" fmla="*/ 6252438 h 6858000"/>
-              <a:gd name="connsiteX41" fmla="*/ 7746584 w 7809954"/>
-              <a:gd name="connsiteY41" fmla="*/ 6387541 h 6858000"/>
-              <a:gd name="connsiteX42" fmla="*/ 7761880 w 7809954"/>
-              <a:gd name="connsiteY42" fmla="*/ 6509613 h 6858000"/>
-              <a:gd name="connsiteX43" fmla="*/ 7774655 w 7809954"/>
-              <a:gd name="connsiteY43" fmla="*/ 6612483 h 6858000"/>
-              <a:gd name="connsiteX44" fmla="*/ 7786757 w 7809954"/>
-              <a:gd name="connsiteY44" fmla="*/ 6698894 h 6858000"/>
-              <a:gd name="connsiteX45" fmla="*/ 7804071 w 7809954"/>
-              <a:gd name="connsiteY45" fmla="*/ 6817538 h 6858000"/>
-              <a:gd name="connsiteX46" fmla="*/ 7809954 w 7809954"/>
-              <a:gd name="connsiteY46" fmla="*/ 6858000 h 6858000"/>
-              <a:gd name="connsiteX47" fmla="*/ 7157124 w 7809954"/>
-              <a:gd name="connsiteY47" fmla="*/ 6858000 h 6858000"/>
-              <a:gd name="connsiteX48" fmla="*/ 7157124 w 7809954"/>
-              <a:gd name="connsiteY48" fmla="*/ 6858000 h 6858000"/>
-              <a:gd name="connsiteX49" fmla="*/ 0 w 7809954"/>
-              <a:gd name="connsiteY49" fmla="*/ 6858000 h 6858000"/>
-              <a:gd name="connsiteX50" fmla="*/ 0 w 7809954"/>
-              <a:gd name="connsiteY50" fmla="*/ 0 h 6858000"/>
-              <a:gd name="connsiteX51" fmla="*/ 6465239 w 7809954"/>
-              <a:gd name="connsiteY51" fmla="*/ 0 h 6858000"/>
-            </a:gdLst>
-            <a:ahLst/>
-            <a:cxnLst>
-              <a:cxn ang="0">
-                <a:pos x="connsiteX0" y="connsiteY0"/>
-              </a:cxn>
-              <a:cxn ang="0">
-                <a:pos x="connsiteX1" y="connsiteY1"/>
-              </a:cxn>
-              <a:cxn ang="0">
-                <a:pos x="connsiteX2" y="connsiteY2"/>
-              </a:cxn>
-              <a:cxn ang="0">
-                <a:pos x="connsiteX3" y="connsiteY3"/>
-              </a:cxn>
-              <a:cxn ang="0">
-                <a:pos x="connsiteX4" y="connsiteY4"/>
-              </a:cxn>
-              <a:cxn ang="0">
-                <a:pos x="connsiteX5" y="connsiteY5"/>
-              </a:cxn>
-              <a:cxn ang="0">
-                <a:pos x="connsiteX6" y="connsiteY6"/>
-              </a:cxn>
-              <a:cxn ang="0">
-                <a:pos x="connsiteX7" y="connsiteY7"/>
-              </a:cxn>
-              <a:cxn ang="0">
-                <a:pos x="connsiteX8" y="connsiteY8"/>
-              </a:cxn>
-              <a:cxn ang="0">
-                <a:pos x="connsiteX9" y="connsiteY9"/>
-              </a:cxn>
-              <a:cxn ang="0">
-                <a:pos x="connsiteX10" y="connsiteY10"/>
-              </a:cxn>
-              <a:cxn ang="0">
-                <a:pos x="connsiteX11" y="connsiteY11"/>
-              </a:cxn>
-              <a:cxn ang="0">
-                <a:pos x="connsiteX12" y="connsiteY12"/>
-              </a:cxn>
-              <a:cxn ang="0">
-                <a:pos x="connsiteX13" y="connsiteY13"/>
-              </a:cxn>
-              <a:cxn ang="0">
-                <a:pos x="connsiteX14" y="connsiteY14"/>
-              </a:cxn>
-              <a:cxn ang="0">
-                <a:pos x="connsiteX15" y="connsiteY15"/>
-              </a:cxn>
-              <a:cxn ang="0">
-                <a:pos x="connsiteX16" y="connsiteY16"/>
-              </a:cxn>
-              <a:cxn ang="0">
-                <a:pos x="connsiteX17" y="connsiteY17"/>
-              </a:cxn>
-              <a:cxn ang="0">
-                <a:pos x="connsiteX18" y="connsiteY18"/>
-              </a:cxn>
-              <a:cxn ang="0">
-                <a:pos x="connsiteX19" y="connsiteY19"/>
-              </a:cxn>
-              <a:cxn ang="0">
-                <a:pos x="connsiteX20" y="connsiteY20"/>
-              </a:cxn>
-              <a:cxn ang="0">
-                <a:pos x="connsiteX21" y="connsiteY21"/>
-              </a:cxn>
-              <a:cxn ang="0">
-                <a:pos x="connsiteX22" y="connsiteY22"/>
-              </a:cxn>
-              <a:cxn ang="0">
-                <a:pos x="connsiteX23" y="connsiteY23"/>
-              </a:cxn>
-              <a:cxn ang="0">
-                <a:pos x="connsiteX24" y="connsiteY24"/>
-              </a:cxn>
-              <a:cxn ang="0">
-                <a:pos x="connsiteX25" y="connsiteY25"/>
-              </a:cxn>
-              <a:cxn ang="0">
-                <a:pos x="connsiteX26" y="connsiteY26"/>
-              </a:cxn>
-              <a:cxn ang="0">
-                <a:pos x="connsiteX27" y="connsiteY27"/>
-              </a:cxn>
-              <a:cxn ang="0">
-                <a:pos x="connsiteX28" y="connsiteY28"/>
-              </a:cxn>
-              <a:cxn ang="0">
-                <a:pos x="connsiteX29" y="connsiteY29"/>
-              </a:cxn>
-              <a:cxn ang="0">
-                <a:pos x="connsiteX30" y="connsiteY30"/>
-              </a:cxn>
-              <a:cxn ang="0">
-                <a:pos x="connsiteX31" y="connsiteY31"/>
-              </a:cxn>
-              <a:cxn ang="0">
-                <a:pos x="connsiteX32" y="connsiteY32"/>
-              </a:cxn>
-              <a:cxn ang="0">
-                <a:pos x="connsiteX33" y="connsiteY33"/>
-              </a:cxn>
-              <a:cxn ang="0">
-                <a:pos x="connsiteX34" y="connsiteY34"/>
-              </a:cxn>
-              <a:cxn ang="0">
-                <a:pos x="connsiteX35" y="connsiteY35"/>
-              </a:cxn>
-              <a:cxn ang="0">
-                <a:pos x="connsiteX36" y="connsiteY36"/>
-              </a:cxn>
-              <a:cxn ang="0">
-                <a:pos x="connsiteX37" y="connsiteY37"/>
-              </a:cxn>
-              <a:cxn ang="0">
-                <a:pos x="connsiteX38" y="connsiteY38"/>
-              </a:cxn>
-              <a:cxn ang="0">
-                <a:pos x="connsiteX39" y="connsiteY39"/>
-              </a:cxn>
-              <a:cxn ang="0">
-                <a:pos x="connsiteX40" y="connsiteY40"/>
-              </a:cxn>
-              <a:cxn ang="0">
-                <a:pos x="connsiteX41" y="connsiteY41"/>
-              </a:cxn>
-              <a:cxn ang="0">
-                <a:pos x="connsiteX42" y="connsiteY42"/>
-              </a:cxn>
-              <a:cxn ang="0">
-                <a:pos x="connsiteX43" y="connsiteY43"/>
-              </a:cxn>
-              <a:cxn ang="0">
-                <a:pos x="connsiteX44" y="connsiteY44"/>
-              </a:cxn>
-              <a:cxn ang="0">
-                <a:pos x="connsiteX45" y="connsiteY45"/>
-              </a:cxn>
-              <a:cxn ang="0">
-                <a:pos x="connsiteX46" y="connsiteY46"/>
-              </a:cxn>
-              <a:cxn ang="0">
-                <a:pos x="connsiteX47" y="connsiteY47"/>
-              </a:cxn>
-              <a:cxn ang="0">
-                <a:pos x="connsiteX48" y="connsiteY48"/>
-              </a:cxn>
-              <a:cxn ang="0">
-                <a:pos x="connsiteX49" y="connsiteY49"/>
-              </a:cxn>
-              <a:cxn ang="0">
-                <a:pos x="connsiteX50" y="connsiteY50"/>
-              </a:cxn>
-              <a:cxn ang="0">
-                <a:pos x="connsiteX51" y="connsiteY51"/>
-              </a:cxn>
-            </a:cxnLst>
-            <a:rect l="l" t="t" r="r" b="b"/>
-            <a:pathLst>
-              <a:path w="7809954" h="6858000">
-                <a:moveTo>
-                  <a:pt x="6465239" y="0"/>
-                </a:moveTo>
-                <a:lnTo>
-                  <a:pt x="7808777" y="0"/>
-                </a:lnTo>
-                <a:lnTo>
-                  <a:pt x="7783732" y="155676"/>
-                </a:lnTo>
-                <a:lnTo>
-                  <a:pt x="7759863" y="310667"/>
-                </a:lnTo>
-                <a:lnTo>
-                  <a:pt x="7736499" y="466344"/>
-                </a:lnTo>
-                <a:lnTo>
-                  <a:pt x="7716496" y="622706"/>
-                </a:lnTo>
-                <a:lnTo>
-                  <a:pt x="7696325" y="778383"/>
-                </a:lnTo>
-                <a:lnTo>
-                  <a:pt x="7677499" y="934745"/>
-                </a:lnTo>
-                <a:lnTo>
-                  <a:pt x="7661363" y="1089050"/>
-                </a:lnTo>
-                <a:lnTo>
-                  <a:pt x="7646067" y="1245413"/>
-                </a:lnTo>
-                <a:lnTo>
-                  <a:pt x="7632115" y="1401089"/>
-                </a:lnTo>
-                <a:lnTo>
-                  <a:pt x="7620013" y="1554023"/>
-                </a:lnTo>
-                <a:lnTo>
-                  <a:pt x="7607910" y="1709013"/>
-                </a:lnTo>
-                <a:lnTo>
-                  <a:pt x="7597825" y="1861947"/>
-                </a:lnTo>
-                <a:lnTo>
-                  <a:pt x="7589925" y="2014880"/>
-                </a:lnTo>
-                <a:lnTo>
-                  <a:pt x="7581688" y="2167128"/>
-                </a:lnTo>
-                <a:lnTo>
-                  <a:pt x="7574797" y="2318004"/>
-                </a:lnTo>
-                <a:lnTo>
-                  <a:pt x="7569922" y="2467508"/>
-                </a:lnTo>
-                <a:lnTo>
-                  <a:pt x="7565720" y="2617013"/>
-                </a:lnTo>
-                <a:lnTo>
-                  <a:pt x="7561686" y="2765145"/>
-                </a:lnTo>
-                <a:lnTo>
-                  <a:pt x="7559837" y="2911221"/>
-                </a:lnTo>
-                <a:lnTo>
-                  <a:pt x="7557820" y="3057296"/>
-                </a:lnTo>
-                <a:lnTo>
-                  <a:pt x="7556811" y="3201314"/>
-                </a:lnTo>
-                <a:lnTo>
-                  <a:pt x="7557820" y="3343960"/>
-                </a:lnTo>
-                <a:lnTo>
-                  <a:pt x="7557820" y="3485235"/>
-                </a:lnTo>
-                <a:lnTo>
-                  <a:pt x="7559837" y="3625138"/>
-                </a:lnTo>
-                <a:lnTo>
-                  <a:pt x="7562862" y="3762298"/>
-                </a:lnTo>
-                <a:lnTo>
-                  <a:pt x="7565720" y="3898087"/>
-                </a:lnTo>
-                <a:lnTo>
-                  <a:pt x="7568914" y="4031132"/>
-                </a:lnTo>
-                <a:lnTo>
-                  <a:pt x="7573788" y="4163491"/>
-                </a:lnTo>
-                <a:lnTo>
-                  <a:pt x="7578999" y="4293793"/>
-                </a:lnTo>
-                <a:lnTo>
-                  <a:pt x="7583705" y="4421352"/>
-                </a:lnTo>
-                <a:lnTo>
-                  <a:pt x="7596985" y="4670298"/>
-                </a:lnTo>
-                <a:lnTo>
-                  <a:pt x="7611104" y="4908956"/>
-                </a:lnTo>
-                <a:lnTo>
-                  <a:pt x="7625896" y="5138013"/>
-                </a:lnTo>
-                <a:lnTo>
-                  <a:pt x="7642201" y="5354726"/>
-                </a:lnTo>
-                <a:lnTo>
-                  <a:pt x="7659178" y="5561838"/>
-                </a:lnTo>
-                <a:lnTo>
-                  <a:pt x="7677499" y="5753862"/>
-                </a:lnTo>
-                <a:lnTo>
-                  <a:pt x="7695485" y="5934227"/>
-                </a:lnTo>
-                <a:lnTo>
-                  <a:pt x="7713470" y="6100191"/>
-                </a:lnTo>
-                <a:lnTo>
-                  <a:pt x="7730447" y="6252438"/>
-                </a:lnTo>
-                <a:lnTo>
-                  <a:pt x="7746584" y="6387541"/>
-                </a:lnTo>
-                <a:lnTo>
-                  <a:pt x="7761880" y="6509613"/>
-                </a:lnTo>
-                <a:lnTo>
-                  <a:pt x="7774655" y="6612483"/>
-                </a:lnTo>
-                <a:lnTo>
-                  <a:pt x="7786757" y="6698894"/>
-                </a:lnTo>
-                <a:lnTo>
-                  <a:pt x="7804071" y="6817538"/>
-                </a:lnTo>
-                <a:lnTo>
-                  <a:pt x="7809954" y="6858000"/>
-                </a:lnTo>
-                <a:lnTo>
-                  <a:pt x="7157124" y="6858000"/>
-                </a:lnTo>
-                <a:lnTo>
-                  <a:pt x="7157124" y="6858000"/>
-                </a:lnTo>
-                <a:lnTo>
-                  <a:pt x="0" y="6858000"/>
-                </a:lnTo>
-                <a:lnTo>
-                  <a:pt x="0" y="0"/>
-                </a:lnTo>
-                <a:lnTo>
-                  <a:pt x="6465239" y="0"/>
-                </a:lnTo>
-                <a:close/>
-              </a:path>
-            </a:pathLst>
-          </a:custGeom>
-          <a:ln>
-            <a:noFill/>
-          </a:ln>
-        </p:spPr>
-        <p:style>
-          <a:lnRef idx="2">
-            <a:schemeClr val="accent1">
-              <a:shade val="50000"/>
-            </a:schemeClr>
-          </a:lnRef>
-          <a:fillRef idx="1">
-            <a:schemeClr val="accent1"/>
-          </a:fillRef>
-          <a:effectRef idx="0">
-            <a:schemeClr val="accent1"/>
-          </a:effectRef>
-          <a:fontRef idx="minor">
-            <a:schemeClr val="lt1"/>
-          </a:fontRef>
-        </p:style>
-        <p:txBody>
-          <a:bodyPr wrap="square" rtlCol="0" anchor="ctr">
-            <a:noAutofit/>
-          </a:bodyPr>
-          <a:lstStyle/>
-          <a:p>
-            <a:pPr algn="ctr"/>
-            <a:endParaRPr lang="en-US"/>
-          </a:p>
-        </p:txBody>
-      </p:sp>
-      <p:sp>
-        <p:nvSpPr>
-          <p:cNvPr id="28" name="Rectangle 27">
-            <a:extLst>
-              <a:ext uri="{FF2B5EF4-FFF2-40B4-BE49-F238E27FC236}">
-                <a16:creationId xmlns:a16="http://schemas.microsoft.com/office/drawing/2014/main" id="{F98810A7-E114-447A-A7D6-69B27CFB5650}"/>
-              </a:ext>
-              <a:ext uri="{C183D7F6-B498-43B3-948B-1728B52AA6E4}">
-                <adec:decorative xmlns:adec="http://schemas.microsoft.com/office/drawing/2017/decorative" val="1"/>
-              </a:ext>
-            </a:extLst>
-          </p:cNvPr>
-          <p:cNvSpPr>
-            <a:spLocks noGrp="1" noRot="1" noChangeAspect="1" noMove="1" noResize="1" noEditPoints="1" noAdjustHandles="1" noChangeArrowheads="1" noChangeShapeType="1" noTextEdit="1"/>
-          </p:cNvSpPr>
-          <p:nvPr>
-            <p:extLst>
-              <p:ext uri="{386F3935-93C4-4BCD-93E2-E3B085C9AB24}">
-                <p16:designElem xmlns:p16="http://schemas.microsoft.com/office/powerpoint/2015/main" val="1"/>
-              </p:ext>
-            </p:extLst>
-          </p:nvPr>
-        </p:nvSpPr>
-        <p:spPr>
-          <a:xfrm>
-            <a:off x="10437812" y="0"/>
-            <a:ext cx="685800" cy="1143000"/>
-          </a:xfrm>
-          <a:prstGeom prst="rect">
-            <a:avLst/>
-          </a:prstGeom>
-          <a:solidFill>
-            <a:schemeClr val="accent1"/>
-          </a:solidFill>
-          <a:ln>
-            <a:noFill/>
-          </a:ln>
-        </p:spPr>
-        <p:style>
-          <a:lnRef idx="1">
-            <a:schemeClr val="accent1"/>
-          </a:lnRef>
-          <a:fillRef idx="3">
-            <a:schemeClr val="accent1"/>
-          </a:fillRef>
-          <a:effectRef idx="2">
-            <a:schemeClr val="accent1"/>
-          </a:effectRef>
-          <a:fontRef idx="minor">
-            <a:schemeClr val="lt1"/>
-          </a:fontRef>
-        </p:style>
       </p:sp>
       <p:pic>
         <p:nvPicPr>
@@ -9230,7 +8753,7 @@
           </p:nvPr>
         </p:nvPicPr>
         <p:blipFill>
-          <a:blip r:embed="rId6">
+          <a:blip r:embed="rId2" cstate="hqprint">
             <a:extLst>
               <a:ext uri="{28A0092B-C50C-407E-A947-70E740481C1C}">
                 <a14:useLocalDpi xmlns:a14="http://schemas.microsoft.com/office/drawing/2010/main" val="0"/>
@@ -9243,8 +8766,8 @@
         </p:blipFill>
         <p:spPr>
           <a:xfrm>
-            <a:off x="266650" y="858129"/>
-            <a:ext cx="7277576" cy="5515795"/>
+            <a:off x="255025" y="295729"/>
+            <a:ext cx="10935714" cy="6473190"/>
           </a:xfrm>
           <a:prstGeom prst="rect">
             <a:avLst/>
@@ -9252,6 +8775,29 @@
           <a:effectLst/>
         </p:spPr>
       </p:pic>
+      <p:sp>
+        <p:nvSpPr>
+          <p:cNvPr id="3" name="Slide Number Placeholder 2"/>
+          <p:cNvSpPr>
+            <a:spLocks noGrp="1"/>
+          </p:cNvSpPr>
+          <p:nvPr>
+            <p:ph type="sldNum" sz="quarter" idx="12"/>
+          </p:nvPr>
+        </p:nvSpPr>
+        <p:spPr/>
+        <p:txBody>
+          <a:bodyPr/>
+          <a:lstStyle/>
+          <a:p>
+            <a:fld id="{3FD48E7B-E43C-45F2-80DE-76408571A8D1}" type="slidenum">
+              <a:rPr lang="en-GB" smtClean="0"/>
+              <a:t>8</a:t>
+            </a:fld>
+            <a:endParaRPr lang="en-GB"/>
+          </a:p>
+        </p:txBody>
+      </p:sp>
     </p:spTree>
     <p:extLst>
       <p:ext uri="{BB962C8B-B14F-4D97-AF65-F5344CB8AC3E}">
@@ -9265,7 +8811,7 @@
 </p:sld>
 </file>
 
-<file path=ppt/slides/slide8.xml><?xml version="1.0" encoding="utf-8"?>
+<file path=ppt/slides/slide9.xml><?xml version="1.0" encoding="utf-8"?>
 <p:sld xmlns:a="http://schemas.openxmlformats.org/drawingml/2006/main" xmlns:r="http://schemas.openxmlformats.org/officeDocument/2006/relationships" xmlns:p="http://schemas.openxmlformats.org/presentationml/2006/main">
   <p:cSld>
     <p:spTree>
@@ -9287,7 +8833,7 @@
           <p:cNvPr id="2" name="Title 1">
             <a:extLst>
               <a:ext uri="{FF2B5EF4-FFF2-40B4-BE49-F238E27FC236}">
-                <a16:creationId xmlns:a16="http://schemas.microsoft.com/office/drawing/2014/main" id="{37FF61C3-2FCD-4FC1-BD7B-974901F33640}"/>
+                <a16:creationId xmlns:a16="http://schemas.microsoft.com/office/drawing/2014/main" id="{24FDE5E0-DF09-4544-8E15-0AF7C06A2954}"/>
               </a:ext>
             </a:extLst>
           </p:cNvPr>
@@ -9304,8 +8850,8 @@
           <a:lstStyle/>
           <a:p>
             <a:r>
-              <a:rPr lang="en-GB" dirty="0"/>
-              <a:t>Questions?</a:t>
+              <a:rPr lang="en-IE" dirty="0"/>
+              <a:t>Conclusion</a:t>
             </a:r>
           </a:p>
         </p:txBody>
@@ -9315,7 +8861,7 @@
           <p:cNvPr id="3" name="Content Placeholder 2">
             <a:extLst>
               <a:ext uri="{FF2B5EF4-FFF2-40B4-BE49-F238E27FC236}">
-                <a16:creationId xmlns:a16="http://schemas.microsoft.com/office/drawing/2014/main" id="{CCDE6BAC-41D2-4B36-970F-B88817A97F4B}"/>
+                <a16:creationId xmlns:a16="http://schemas.microsoft.com/office/drawing/2014/main" id="{4173799A-9C8C-415D-AA4A-EE7F6EC789D6}"/>
               </a:ext>
             </a:extLst>
           </p:cNvPr>
@@ -9331,6 +8877,71 @@
           <a:bodyPr/>
           <a:lstStyle/>
           <a:p>
+            <a:r>
+              <a:rPr lang="en-IE" dirty="0"/>
+              <a:t>This project shall be looking at common machine learning frameworks in Python.</a:t>
+            </a:r>
+          </a:p>
+          <a:p>
+            <a:r>
+              <a:rPr lang="en-IE" dirty="0"/>
+              <a:t>It will do this through by developing code for example problems.</a:t>
+            </a:r>
+          </a:p>
+          <a:p>
+            <a:r>
+              <a:rPr lang="en-IE" dirty="0"/>
+              <a:t>These problems being;</a:t>
+            </a:r>
+          </a:p>
+          <a:p>
+            <a:pPr lvl="1"/>
+            <a:r>
+              <a:rPr lang="en-IE" dirty="0"/>
+              <a:t>Detecting pneumonia</a:t>
+            </a:r>
+          </a:p>
+          <a:p>
+            <a:pPr lvl="1"/>
+            <a:r>
+              <a:rPr lang="en-IE" dirty="0"/>
+              <a:t>Predicting student performance</a:t>
+            </a:r>
+          </a:p>
+          <a:p>
+            <a:pPr lvl="1"/>
+            <a:r>
+              <a:rPr lang="en-IE" dirty="0"/>
+              <a:t>Forecasting bitcoin prices</a:t>
+            </a:r>
+          </a:p>
+        </p:txBody>
+      </p:sp>
+      <p:sp>
+        <p:nvSpPr>
+          <p:cNvPr id="4" name="Slide Number Placeholder 3">
+            <a:extLst>
+              <a:ext uri="{FF2B5EF4-FFF2-40B4-BE49-F238E27FC236}">
+                <a16:creationId xmlns:a16="http://schemas.microsoft.com/office/drawing/2014/main" id="{5197FD93-E2C9-42E4-9FF0-67F215C9C49F}"/>
+              </a:ext>
+            </a:extLst>
+          </p:cNvPr>
+          <p:cNvSpPr>
+            <a:spLocks noGrp="1"/>
+          </p:cNvSpPr>
+          <p:nvPr>
+            <p:ph type="sldNum" sz="quarter" idx="12"/>
+          </p:nvPr>
+        </p:nvSpPr>
+        <p:spPr/>
+        <p:txBody>
+          <a:bodyPr/>
+          <a:lstStyle/>
+          <a:p>
+            <a:fld id="{3FD48E7B-E43C-45F2-80DE-76408571A8D1}" type="slidenum">
+              <a:rPr lang="en-GB" smtClean="0"/>
+              <a:t>9</a:t>
+            </a:fld>
             <a:endParaRPr lang="en-GB"/>
           </a:p>
         </p:txBody>
@@ -9338,7 +8949,7 @@
     </p:spTree>
     <p:extLst>
       <p:ext uri="{BB962C8B-B14F-4D97-AF65-F5344CB8AC3E}">
-        <p14:creationId xmlns:p14="http://schemas.microsoft.com/office/powerpoint/2010/main" val="2354741826"/>
+        <p14:creationId xmlns:p14="http://schemas.microsoft.com/office/powerpoint/2010/main" val="1764517280"/>
       </p:ext>
     </p:extLst>
   </p:cSld>
@@ -9612,4 +9223,265 @@
     </a:ext>
   </a:extLst>
 </a:theme>
+</file>
+
+<file path=ppt/theme/theme2.xml><?xml version="1.0" encoding="utf-8"?>
+<a:theme xmlns:a="http://schemas.openxmlformats.org/drawingml/2006/main" name="Office Theme">
+  <a:themeElements>
+    <a:clrScheme name="Office">
+      <a:dk1>
+        <a:sysClr val="windowText" lastClr="000000"/>
+      </a:dk1>
+      <a:lt1>
+        <a:sysClr val="window" lastClr="FFFFFF"/>
+      </a:lt1>
+      <a:dk2>
+        <a:srgbClr val="44546A"/>
+      </a:dk2>
+      <a:lt2>
+        <a:srgbClr val="E7E6E6"/>
+      </a:lt2>
+      <a:accent1>
+        <a:srgbClr val="5B9BD5"/>
+      </a:accent1>
+      <a:accent2>
+        <a:srgbClr val="ED7D31"/>
+      </a:accent2>
+      <a:accent3>
+        <a:srgbClr val="A5A5A5"/>
+      </a:accent3>
+      <a:accent4>
+        <a:srgbClr val="FFC000"/>
+      </a:accent4>
+      <a:accent5>
+        <a:srgbClr val="4472C4"/>
+      </a:accent5>
+      <a:accent6>
+        <a:srgbClr val="70AD47"/>
+      </a:accent6>
+      <a:hlink>
+        <a:srgbClr val="0563C1"/>
+      </a:hlink>
+      <a:folHlink>
+        <a:srgbClr val="954F72"/>
+      </a:folHlink>
+    </a:clrScheme>
+    <a:fontScheme name="Office">
+      <a:majorFont>
+        <a:latin typeface="Calibri Light" panose="020F0302020204030204"/>
+        <a:ea typeface=""/>
+        <a:cs typeface=""/>
+        <a:font script="Jpan" typeface="游ゴシック Light"/>
+        <a:font script="Hang" typeface="맑은 고딕"/>
+        <a:font script="Hans" typeface="等线 Light"/>
+        <a:font script="Hant" typeface="新細明體"/>
+        <a:font script="Arab" typeface="Times New Roman"/>
+        <a:font script="Hebr" typeface="Times New Roman"/>
+        <a:font script="Thai" typeface="Angsana New"/>
+        <a:font script="Ethi" typeface="Nyala"/>
+        <a:font script="Beng" typeface="Vrinda"/>
+        <a:font script="Gujr" typeface="Shruti"/>
+        <a:font script="Khmr" typeface="MoolBoran"/>
+        <a:font script="Knda" typeface="Tunga"/>
+        <a:font script="Guru" typeface="Raavi"/>
+        <a:font script="Cans" typeface="Euphemia"/>
+        <a:font script="Cher" typeface="Plantagenet Cherokee"/>
+        <a:font script="Yiii" typeface="Microsoft Yi Baiti"/>
+        <a:font script="Tibt" typeface="Microsoft Himalaya"/>
+        <a:font script="Thaa" typeface="MV Boli"/>
+        <a:font script="Deva" typeface="Mangal"/>
+        <a:font script="Telu" typeface="Gautami"/>
+        <a:font script="Taml" typeface="Latha"/>
+        <a:font script="Syrc" typeface="Estrangelo Edessa"/>
+        <a:font script="Orya" typeface="Kalinga"/>
+        <a:font script="Mlym" typeface="Kartika"/>
+        <a:font script="Laoo" typeface="DokChampa"/>
+        <a:font script="Sinh" typeface="Iskoola Pota"/>
+        <a:font script="Mong" typeface="Mongolian Baiti"/>
+        <a:font script="Viet" typeface="Times New Roman"/>
+        <a:font script="Uigh" typeface="Microsoft Uighur"/>
+        <a:font script="Geor" typeface="Sylfaen"/>
+      </a:majorFont>
+      <a:minorFont>
+        <a:latin typeface="Calibri" panose="020F0502020204030204"/>
+        <a:ea typeface=""/>
+        <a:cs typeface=""/>
+        <a:font script="Jpan" typeface="游ゴシック"/>
+        <a:font script="Hang" typeface="맑은 고딕"/>
+        <a:font script="Hans" typeface="等线"/>
+        <a:font script="Hant" typeface="新細明體"/>
+        <a:font script="Arab" typeface="Arial"/>
+        <a:font script="Hebr" typeface="Arial"/>
+        <a:font script="Thai" typeface="Cordia New"/>
+        <a:font script="Ethi" typeface="Nyala"/>
+        <a:font script="Beng" typeface="Vrinda"/>
+        <a:font script="Gujr" typeface="Shruti"/>
+        <a:font script="Khmr" typeface="DaunPenh"/>
+        <a:font script="Knda" typeface="Tunga"/>
+        <a:font script="Guru" typeface="Raavi"/>
+        <a:font script="Cans" typeface="Euphemia"/>
+        <a:font script="Cher" typeface="Plantagenet Cherokee"/>
+        <a:font script="Yiii" typeface="Microsoft Yi Baiti"/>
+        <a:font script="Tibt" typeface="Microsoft Himalaya"/>
+        <a:font script="Thaa" typeface="MV Boli"/>
+        <a:font script="Deva" typeface="Mangal"/>
+        <a:font script="Telu" typeface="Gautami"/>
+        <a:font script="Taml" typeface="Latha"/>
+        <a:font script="Syrc" typeface="Estrangelo Edessa"/>
+        <a:font script="Orya" typeface="Kalinga"/>
+        <a:font script="Mlym" typeface="Kartika"/>
+        <a:font script="Laoo" typeface="DokChampa"/>
+        <a:font script="Sinh" typeface="Iskoola Pota"/>
+        <a:font script="Mong" typeface="Mongolian Baiti"/>
+        <a:font script="Viet" typeface="Arial"/>
+        <a:font script="Uigh" typeface="Microsoft Uighur"/>
+        <a:font script="Geor" typeface="Sylfaen"/>
+      </a:minorFont>
+    </a:fontScheme>
+    <a:fmtScheme name="Office">
+      <a:fillStyleLst>
+        <a:solidFill>
+          <a:schemeClr val="phClr"/>
+        </a:solidFill>
+        <a:gradFill rotWithShape="1">
+          <a:gsLst>
+            <a:gs pos="0">
+              <a:schemeClr val="phClr">
+                <a:lumMod val="110000"/>
+                <a:satMod val="105000"/>
+                <a:tint val="67000"/>
+              </a:schemeClr>
+            </a:gs>
+            <a:gs pos="50000">
+              <a:schemeClr val="phClr">
+                <a:lumMod val="105000"/>
+                <a:satMod val="103000"/>
+                <a:tint val="73000"/>
+              </a:schemeClr>
+            </a:gs>
+            <a:gs pos="100000">
+              <a:schemeClr val="phClr">
+                <a:lumMod val="105000"/>
+                <a:satMod val="109000"/>
+                <a:tint val="81000"/>
+              </a:schemeClr>
+            </a:gs>
+          </a:gsLst>
+          <a:lin ang="5400000" scaled="0"/>
+        </a:gradFill>
+        <a:gradFill rotWithShape="1">
+          <a:gsLst>
+            <a:gs pos="0">
+              <a:schemeClr val="phClr">
+                <a:satMod val="103000"/>
+                <a:lumMod val="102000"/>
+                <a:tint val="94000"/>
+              </a:schemeClr>
+            </a:gs>
+            <a:gs pos="50000">
+              <a:schemeClr val="phClr">
+                <a:satMod val="110000"/>
+                <a:lumMod val="100000"/>
+                <a:shade val="100000"/>
+              </a:schemeClr>
+            </a:gs>
+            <a:gs pos="100000">
+              <a:schemeClr val="phClr">
+                <a:lumMod val="99000"/>
+                <a:satMod val="120000"/>
+                <a:shade val="78000"/>
+              </a:schemeClr>
+            </a:gs>
+          </a:gsLst>
+          <a:lin ang="5400000" scaled="0"/>
+        </a:gradFill>
+      </a:fillStyleLst>
+      <a:lnStyleLst>
+        <a:ln w="6350" cap="flat" cmpd="sng" algn="ctr">
+          <a:solidFill>
+            <a:schemeClr val="phClr"/>
+          </a:solidFill>
+          <a:prstDash val="solid"/>
+          <a:miter lim="800000"/>
+        </a:ln>
+        <a:ln w="12700" cap="flat" cmpd="sng" algn="ctr">
+          <a:solidFill>
+            <a:schemeClr val="phClr"/>
+          </a:solidFill>
+          <a:prstDash val="solid"/>
+          <a:miter lim="800000"/>
+        </a:ln>
+        <a:ln w="19050" cap="flat" cmpd="sng" algn="ctr">
+          <a:solidFill>
+            <a:schemeClr val="phClr"/>
+          </a:solidFill>
+          <a:prstDash val="solid"/>
+          <a:miter lim="800000"/>
+        </a:ln>
+      </a:lnStyleLst>
+      <a:effectStyleLst>
+        <a:effectStyle>
+          <a:effectLst/>
+        </a:effectStyle>
+        <a:effectStyle>
+          <a:effectLst/>
+        </a:effectStyle>
+        <a:effectStyle>
+          <a:effectLst>
+            <a:outerShdw blurRad="57150" dist="19050" dir="5400000" algn="ctr" rotWithShape="0">
+              <a:srgbClr val="000000">
+                <a:alpha val="63000"/>
+              </a:srgbClr>
+            </a:outerShdw>
+          </a:effectLst>
+        </a:effectStyle>
+      </a:effectStyleLst>
+      <a:bgFillStyleLst>
+        <a:solidFill>
+          <a:schemeClr val="phClr"/>
+        </a:solidFill>
+        <a:solidFill>
+          <a:schemeClr val="phClr">
+            <a:tint val="95000"/>
+            <a:satMod val="170000"/>
+          </a:schemeClr>
+        </a:solidFill>
+        <a:gradFill rotWithShape="1">
+          <a:gsLst>
+            <a:gs pos="0">
+              <a:schemeClr val="phClr">
+                <a:tint val="93000"/>
+                <a:satMod val="150000"/>
+                <a:shade val="98000"/>
+                <a:lumMod val="102000"/>
+              </a:schemeClr>
+            </a:gs>
+            <a:gs pos="50000">
+              <a:schemeClr val="phClr">
+                <a:tint val="98000"/>
+                <a:satMod val="130000"/>
+                <a:shade val="90000"/>
+                <a:lumMod val="103000"/>
+              </a:schemeClr>
+            </a:gs>
+            <a:gs pos="100000">
+              <a:schemeClr val="phClr">
+                <a:shade val="63000"/>
+                <a:satMod val="120000"/>
+              </a:schemeClr>
+            </a:gs>
+          </a:gsLst>
+          <a:lin ang="5400000" scaled="0"/>
+        </a:gradFill>
+      </a:bgFillStyleLst>
+    </a:fmtScheme>
+  </a:themeElements>
+  <a:objectDefaults/>
+  <a:extraClrSchemeLst/>
+  <a:extLst>
+    <a:ext uri="{05A4C25C-085E-4340-85A3-A5531E510DB2}">
+      <thm15:themeFamily xmlns:thm15="http://schemas.microsoft.com/office/thememl/2012/main" name="Office Theme" id="{62F939B6-93AF-4DB8-9C6B-D6C7DFDC589F}" vid="{4A3C46E8-61CC-4603-A589-7422A47A8E4A}"/>
+    </a:ext>
+  </a:extLst>
+</a:theme>
 </file>